--- a/Ex4/Day 4.pptx
+++ b/Ex4/Day 4.pptx
@@ -4,9 +4,12 @@
   <p:sldMasterIdLst>
     <p:sldMasterId id="2147483648" r:id="rId1"/>
   </p:sldMasterIdLst>
+  <p:notesMasterIdLst>
+    <p:notesMasterId r:id="rId4"/>
+  </p:notesMasterIdLst>
   <p:sldIdLst>
-    <p:sldId id="256" r:id="rId2"/>
-    <p:sldId id="257" r:id="rId3"/>
+    <p:sldId id="257" r:id="rId2"/>
+    <p:sldId id="256" r:id="rId3"/>
   </p:sldIdLst>
   <p:sldSz cx="9144000" cy="6858000" type="screen4x3"/>
   <p:notesSz cx="6858000" cy="9144000"/>
@@ -106,6 +109,440 @@
     </a:lvl9pPr>
   </p:defaultTextStyle>
 </p:presentation>
+</file>
+
+<file path=ppt/notesMasters/notesMaster1.xml><?xml version="1.0" encoding="utf-8"?>
+<p:notesMaster xmlns:a="http://schemas.openxmlformats.org/drawingml/2006/main" xmlns:r="http://schemas.openxmlformats.org/officeDocument/2006/relationships" xmlns:p="http://schemas.openxmlformats.org/presentationml/2006/main">
+  <p:cSld>
+    <p:bg>
+      <p:bgRef idx="1001">
+        <a:schemeClr val="bg1"/>
+      </p:bgRef>
+    </p:bg>
+    <p:spTree>
+      <p:nvGrpSpPr>
+        <p:cNvPr id="1" name=""/>
+        <p:cNvGrpSpPr/>
+        <p:nvPr/>
+      </p:nvGrpSpPr>
+      <p:grpSpPr>
+        <a:xfrm>
+          <a:off x="0" y="0"/>
+          <a:ext cx="0" cy="0"/>
+          <a:chOff x="0" y="0"/>
+          <a:chExt cx="0" cy="0"/>
+        </a:xfrm>
+      </p:grpSpPr>
+      <p:sp>
+        <p:nvSpPr>
+          <p:cNvPr id="2" name="Header Placeholder 1"/>
+          <p:cNvSpPr>
+            <a:spLocks noGrp="1"/>
+          </p:cNvSpPr>
+          <p:nvPr>
+            <p:ph type="hdr" sz="quarter"/>
+          </p:nvPr>
+        </p:nvSpPr>
+        <p:spPr>
+          <a:xfrm>
+            <a:off x="0" y="0"/>
+            <a:ext cx="2971800" cy="457200"/>
+          </a:xfrm>
+          <a:prstGeom prst="rect">
+            <a:avLst/>
+          </a:prstGeom>
+        </p:spPr>
+        <p:txBody>
+          <a:bodyPr vert="horz" lIns="91440" tIns="45720" rIns="91440" bIns="45720" rtlCol="0"/>
+          <a:lstStyle>
+            <a:lvl1pPr algn="l">
+              <a:defRPr sz="1200"/>
+            </a:lvl1pPr>
+          </a:lstStyle>
+          <a:p>
+            <a:endParaRPr lang="en-GB"/>
+          </a:p>
+        </p:txBody>
+      </p:sp>
+      <p:sp>
+        <p:nvSpPr>
+          <p:cNvPr id="3" name="Date Placeholder 2"/>
+          <p:cNvSpPr>
+            <a:spLocks noGrp="1"/>
+          </p:cNvSpPr>
+          <p:nvPr>
+            <p:ph type="dt" idx="1"/>
+          </p:nvPr>
+        </p:nvSpPr>
+        <p:spPr>
+          <a:xfrm>
+            <a:off x="3884613" y="0"/>
+            <a:ext cx="2971800" cy="457200"/>
+          </a:xfrm>
+          <a:prstGeom prst="rect">
+            <a:avLst/>
+          </a:prstGeom>
+        </p:spPr>
+        <p:txBody>
+          <a:bodyPr vert="horz" lIns="91440" tIns="45720" rIns="91440" bIns="45720" rtlCol="0"/>
+          <a:lstStyle>
+            <a:lvl1pPr algn="r">
+              <a:defRPr sz="1200"/>
+            </a:lvl1pPr>
+          </a:lstStyle>
+          <a:p>
+            <a:fld id="{D94D66A7-2A3F-4C8A-A300-C0051360DF9A}" type="datetimeFigureOut">
+              <a:rPr lang="en-GB" smtClean="0"/>
+              <a:t>22/10/2012</a:t>
+            </a:fld>
+            <a:endParaRPr lang="en-GB"/>
+          </a:p>
+        </p:txBody>
+      </p:sp>
+      <p:sp>
+        <p:nvSpPr>
+          <p:cNvPr id="4" name="Slide Image Placeholder 3"/>
+          <p:cNvSpPr>
+            <a:spLocks noGrp="1" noRot="1" noChangeAspect="1"/>
+          </p:cNvSpPr>
+          <p:nvPr>
+            <p:ph type="sldImg" idx="2"/>
+          </p:nvPr>
+        </p:nvSpPr>
+        <p:spPr>
+          <a:xfrm>
+            <a:off x="1143000" y="685800"/>
+            <a:ext cx="4572000" cy="3429000"/>
+          </a:xfrm>
+          <a:prstGeom prst="rect">
+            <a:avLst/>
+          </a:prstGeom>
+          <a:noFill/>
+          <a:ln w="12700">
+            <a:solidFill>
+              <a:prstClr val="black"/>
+            </a:solidFill>
+          </a:ln>
+        </p:spPr>
+        <p:txBody>
+          <a:bodyPr vert="horz" lIns="91440" tIns="45720" rIns="91440" bIns="45720" rtlCol="0" anchor="ctr"/>
+          <a:lstStyle/>
+          <a:p>
+            <a:endParaRPr lang="en-GB"/>
+          </a:p>
+        </p:txBody>
+      </p:sp>
+      <p:sp>
+        <p:nvSpPr>
+          <p:cNvPr id="5" name="Notes Placeholder 4"/>
+          <p:cNvSpPr>
+            <a:spLocks noGrp="1"/>
+          </p:cNvSpPr>
+          <p:nvPr>
+            <p:ph type="body" sz="quarter" idx="3"/>
+          </p:nvPr>
+        </p:nvSpPr>
+        <p:spPr>
+          <a:xfrm>
+            <a:off x="685800" y="4343400"/>
+            <a:ext cx="5486400" cy="4114800"/>
+          </a:xfrm>
+          <a:prstGeom prst="rect">
+            <a:avLst/>
+          </a:prstGeom>
+        </p:spPr>
+        <p:txBody>
+          <a:bodyPr vert="horz" lIns="91440" tIns="45720" rIns="91440" bIns="45720" rtlCol="0"/>
+          <a:lstStyle/>
+          <a:p>
+            <a:pPr lvl="0"/>
+            <a:r>
+              <a:rPr lang="en-US" smtClean="0"/>
+              <a:t>Click to edit Master text styles</a:t>
+            </a:r>
+          </a:p>
+          <a:p>
+            <a:pPr lvl="1"/>
+            <a:r>
+              <a:rPr lang="en-US" smtClean="0"/>
+              <a:t>Second level</a:t>
+            </a:r>
+          </a:p>
+          <a:p>
+            <a:pPr lvl="2"/>
+            <a:r>
+              <a:rPr lang="en-US" smtClean="0"/>
+              <a:t>Third level</a:t>
+            </a:r>
+          </a:p>
+          <a:p>
+            <a:pPr lvl="3"/>
+            <a:r>
+              <a:rPr lang="en-US" smtClean="0"/>
+              <a:t>Fourth level</a:t>
+            </a:r>
+          </a:p>
+          <a:p>
+            <a:pPr lvl="4"/>
+            <a:r>
+              <a:rPr lang="en-US" smtClean="0"/>
+              <a:t>Fifth level</a:t>
+            </a:r>
+            <a:endParaRPr lang="en-GB"/>
+          </a:p>
+        </p:txBody>
+      </p:sp>
+      <p:sp>
+        <p:nvSpPr>
+          <p:cNvPr id="6" name="Footer Placeholder 5"/>
+          <p:cNvSpPr>
+            <a:spLocks noGrp="1"/>
+          </p:cNvSpPr>
+          <p:nvPr>
+            <p:ph type="ftr" sz="quarter" idx="4"/>
+          </p:nvPr>
+        </p:nvSpPr>
+        <p:spPr>
+          <a:xfrm>
+            <a:off x="0" y="8685213"/>
+            <a:ext cx="2971800" cy="457200"/>
+          </a:xfrm>
+          <a:prstGeom prst="rect">
+            <a:avLst/>
+          </a:prstGeom>
+        </p:spPr>
+        <p:txBody>
+          <a:bodyPr vert="horz" lIns="91440" tIns="45720" rIns="91440" bIns="45720" rtlCol="0" anchor="b"/>
+          <a:lstStyle>
+            <a:lvl1pPr algn="l">
+              <a:defRPr sz="1200"/>
+            </a:lvl1pPr>
+          </a:lstStyle>
+          <a:p>
+            <a:endParaRPr lang="en-GB"/>
+          </a:p>
+        </p:txBody>
+      </p:sp>
+      <p:sp>
+        <p:nvSpPr>
+          <p:cNvPr id="7" name="Slide Number Placeholder 6"/>
+          <p:cNvSpPr>
+            <a:spLocks noGrp="1"/>
+          </p:cNvSpPr>
+          <p:nvPr>
+            <p:ph type="sldNum" sz="quarter" idx="5"/>
+          </p:nvPr>
+        </p:nvSpPr>
+        <p:spPr>
+          <a:xfrm>
+            <a:off x="3884613" y="8685213"/>
+            <a:ext cx="2971800" cy="457200"/>
+          </a:xfrm>
+          <a:prstGeom prst="rect">
+            <a:avLst/>
+          </a:prstGeom>
+        </p:spPr>
+        <p:txBody>
+          <a:bodyPr vert="horz" lIns="91440" tIns="45720" rIns="91440" bIns="45720" rtlCol="0" anchor="b"/>
+          <a:lstStyle>
+            <a:lvl1pPr algn="r">
+              <a:defRPr sz="1200"/>
+            </a:lvl1pPr>
+          </a:lstStyle>
+          <a:p>
+            <a:fld id="{502E1E28-7AF8-4DE0-940C-D91F72FCB220}" type="slidenum">
+              <a:rPr lang="en-GB" smtClean="0"/>
+              <a:t>‹#›</a:t>
+            </a:fld>
+            <a:endParaRPr lang="en-GB"/>
+          </a:p>
+        </p:txBody>
+      </p:sp>
+    </p:spTree>
+    <p:extLst>
+      <p:ext uri="{BB962C8B-B14F-4D97-AF65-F5344CB8AC3E}">
+        <p14:creationId xmlns:p14="http://schemas.microsoft.com/office/powerpoint/2010/main" val="510951907"/>
+      </p:ext>
+    </p:extLst>
+  </p:cSld>
+  <p:clrMap bg1="lt1" tx1="dk1" bg2="lt2" tx2="dk2" accent1="accent1" accent2="accent2" accent3="accent3" accent4="accent4" accent5="accent5" accent6="accent6" hlink="hlink" folHlink="folHlink"/>
+  <p:notesStyle>
+    <a:lvl1pPr marL="0" algn="l" defTabSz="914400" rtl="0" eaLnBrk="1" latinLnBrk="0" hangingPunct="1">
+      <a:defRPr sz="1200" kern="1200">
+        <a:solidFill>
+          <a:schemeClr val="tx1"/>
+        </a:solidFill>
+        <a:latin typeface="+mn-lt"/>
+        <a:ea typeface="+mn-ea"/>
+        <a:cs typeface="+mn-cs"/>
+      </a:defRPr>
+    </a:lvl1pPr>
+    <a:lvl2pPr marL="457200" algn="l" defTabSz="914400" rtl="0" eaLnBrk="1" latinLnBrk="0" hangingPunct="1">
+      <a:defRPr sz="1200" kern="1200">
+        <a:solidFill>
+          <a:schemeClr val="tx1"/>
+        </a:solidFill>
+        <a:latin typeface="+mn-lt"/>
+        <a:ea typeface="+mn-ea"/>
+        <a:cs typeface="+mn-cs"/>
+      </a:defRPr>
+    </a:lvl2pPr>
+    <a:lvl3pPr marL="914400" algn="l" defTabSz="914400" rtl="0" eaLnBrk="1" latinLnBrk="0" hangingPunct="1">
+      <a:defRPr sz="1200" kern="1200">
+        <a:solidFill>
+          <a:schemeClr val="tx1"/>
+        </a:solidFill>
+        <a:latin typeface="+mn-lt"/>
+        <a:ea typeface="+mn-ea"/>
+        <a:cs typeface="+mn-cs"/>
+      </a:defRPr>
+    </a:lvl3pPr>
+    <a:lvl4pPr marL="1371600" algn="l" defTabSz="914400" rtl="0" eaLnBrk="1" latinLnBrk="0" hangingPunct="1">
+      <a:defRPr sz="1200" kern="1200">
+        <a:solidFill>
+          <a:schemeClr val="tx1"/>
+        </a:solidFill>
+        <a:latin typeface="+mn-lt"/>
+        <a:ea typeface="+mn-ea"/>
+        <a:cs typeface="+mn-cs"/>
+      </a:defRPr>
+    </a:lvl4pPr>
+    <a:lvl5pPr marL="1828800" algn="l" defTabSz="914400" rtl="0" eaLnBrk="1" latinLnBrk="0" hangingPunct="1">
+      <a:defRPr sz="1200" kern="1200">
+        <a:solidFill>
+          <a:schemeClr val="tx1"/>
+        </a:solidFill>
+        <a:latin typeface="+mn-lt"/>
+        <a:ea typeface="+mn-ea"/>
+        <a:cs typeface="+mn-cs"/>
+      </a:defRPr>
+    </a:lvl5pPr>
+    <a:lvl6pPr marL="2286000" algn="l" defTabSz="914400" rtl="0" eaLnBrk="1" latinLnBrk="0" hangingPunct="1">
+      <a:defRPr sz="1200" kern="1200">
+        <a:solidFill>
+          <a:schemeClr val="tx1"/>
+        </a:solidFill>
+        <a:latin typeface="+mn-lt"/>
+        <a:ea typeface="+mn-ea"/>
+        <a:cs typeface="+mn-cs"/>
+      </a:defRPr>
+    </a:lvl6pPr>
+    <a:lvl7pPr marL="2743200" algn="l" defTabSz="914400" rtl="0" eaLnBrk="1" latinLnBrk="0" hangingPunct="1">
+      <a:defRPr sz="1200" kern="1200">
+        <a:solidFill>
+          <a:schemeClr val="tx1"/>
+        </a:solidFill>
+        <a:latin typeface="+mn-lt"/>
+        <a:ea typeface="+mn-ea"/>
+        <a:cs typeface="+mn-cs"/>
+      </a:defRPr>
+    </a:lvl7pPr>
+    <a:lvl8pPr marL="3200400" algn="l" defTabSz="914400" rtl="0" eaLnBrk="1" latinLnBrk="0" hangingPunct="1">
+      <a:defRPr sz="1200" kern="1200">
+        <a:solidFill>
+          <a:schemeClr val="tx1"/>
+        </a:solidFill>
+        <a:latin typeface="+mn-lt"/>
+        <a:ea typeface="+mn-ea"/>
+        <a:cs typeface="+mn-cs"/>
+      </a:defRPr>
+    </a:lvl8pPr>
+    <a:lvl9pPr marL="3657600" algn="l" defTabSz="914400" rtl="0" eaLnBrk="1" latinLnBrk="0" hangingPunct="1">
+      <a:defRPr sz="1200" kern="1200">
+        <a:solidFill>
+          <a:schemeClr val="tx1"/>
+        </a:solidFill>
+        <a:latin typeface="+mn-lt"/>
+        <a:ea typeface="+mn-ea"/>
+        <a:cs typeface="+mn-cs"/>
+      </a:defRPr>
+    </a:lvl9pPr>
+  </p:notesStyle>
+</p:notesMaster>
+</file>
+
+<file path=ppt/notesSlides/notesSlide1.xml><?xml version="1.0" encoding="utf-8"?>
+<p:notes xmlns:a="http://schemas.openxmlformats.org/drawingml/2006/main" xmlns:r="http://schemas.openxmlformats.org/officeDocument/2006/relationships" xmlns:p="http://schemas.openxmlformats.org/presentationml/2006/main">
+  <p:cSld>
+    <p:spTree>
+      <p:nvGrpSpPr>
+        <p:cNvPr id="1" name=""/>
+        <p:cNvGrpSpPr/>
+        <p:nvPr/>
+      </p:nvGrpSpPr>
+      <p:grpSpPr>
+        <a:xfrm>
+          <a:off x="0" y="0"/>
+          <a:ext cx="0" cy="0"/>
+          <a:chOff x="0" y="0"/>
+          <a:chExt cx="0" cy="0"/>
+        </a:xfrm>
+      </p:grpSpPr>
+      <p:sp>
+        <p:nvSpPr>
+          <p:cNvPr id="2" name="Slide Image Placeholder 1"/>
+          <p:cNvSpPr>
+            <a:spLocks noGrp="1" noRot="1" noChangeAspect="1"/>
+          </p:cNvSpPr>
+          <p:nvPr>
+            <p:ph type="sldImg"/>
+          </p:nvPr>
+        </p:nvSpPr>
+        <p:spPr/>
+      </p:sp>
+      <p:sp>
+        <p:nvSpPr>
+          <p:cNvPr id="3" name="Notes Placeholder 2"/>
+          <p:cNvSpPr>
+            <a:spLocks noGrp="1"/>
+          </p:cNvSpPr>
+          <p:nvPr>
+            <p:ph type="body" idx="1"/>
+          </p:nvPr>
+        </p:nvSpPr>
+        <p:spPr/>
+        <p:txBody>
+          <a:bodyPr/>
+          <a:lstStyle/>
+          <a:p>
+            <a:endParaRPr lang="en-GB"/>
+          </a:p>
+        </p:txBody>
+      </p:sp>
+      <p:sp>
+        <p:nvSpPr>
+          <p:cNvPr id="4" name="Slide Number Placeholder 3"/>
+          <p:cNvSpPr>
+            <a:spLocks noGrp="1"/>
+          </p:cNvSpPr>
+          <p:nvPr>
+            <p:ph type="sldNum" sz="quarter" idx="10"/>
+          </p:nvPr>
+        </p:nvSpPr>
+        <p:spPr/>
+        <p:txBody>
+          <a:bodyPr/>
+          <a:lstStyle/>
+          <a:p>
+            <a:fld id="{502E1E28-7AF8-4DE0-940C-D91F72FCB220}" type="slidenum">
+              <a:rPr lang="en-GB" smtClean="0"/>
+              <a:t>2</a:t>
+            </a:fld>
+            <a:endParaRPr lang="en-GB"/>
+          </a:p>
+        </p:txBody>
+      </p:sp>
+    </p:spTree>
+    <p:extLst>
+      <p:ext uri="{BB962C8B-B14F-4D97-AF65-F5344CB8AC3E}">
+        <p14:creationId xmlns:p14="http://schemas.microsoft.com/office/powerpoint/2010/main" val="444682051"/>
+      </p:ext>
+    </p:extLst>
+  </p:cSld>
+  <p:clrMapOvr>
+    <a:masterClrMapping/>
+  </p:clrMapOvr>
+</p:notes>
 </file>
 
 <file path=ppt/slideLayouts/slideLayout1.xml><?xml version="1.0" encoding="utf-8"?>
@@ -3098,14 +3535,14 @@
       </p:grpSpPr>
       <p:sp>
         <p:nvSpPr>
-          <p:cNvPr id="46" name="TextBox 45"/>
-          <p:cNvSpPr txBox="1"/>
-          <p:nvPr/>
-        </p:nvSpPr>
-        <p:spPr>
-          <a:xfrm>
-            <a:off x="2771800" y="580955"/>
-            <a:ext cx="6048672" cy="5355312"/>
+          <p:cNvPr id="4" name="TextBox 3"/>
+          <p:cNvSpPr txBox="1"/>
+          <p:nvPr/>
+        </p:nvSpPr>
+        <p:spPr>
+          <a:xfrm>
+            <a:off x="6084168" y="316969"/>
+            <a:ext cx="2736304" cy="5632311"/>
           </a:xfrm>
           <a:prstGeom prst="rect">
             <a:avLst/>
@@ -3126,7 +3563,7 @@
             <a:pPr algn="ctr"/>
             <a:r>
               <a:rPr lang="en-GB" dirty="0" smtClean="0"/>
-              <a:t>                                      HEAP</a:t>
+              <a:t>HEAP</a:t>
             </a:r>
           </a:p>
           <a:p>
@@ -3201,18 +3638,22 @@
             <a:pPr algn="ctr"/>
             <a:endParaRPr lang="en-GB" dirty="0"/>
           </a:p>
-        </p:txBody>
-      </p:sp>
-      <p:sp>
-        <p:nvSpPr>
-          <p:cNvPr id="54" name="TextBox 53"/>
-          <p:cNvSpPr txBox="1"/>
-          <p:nvPr/>
-        </p:nvSpPr>
-        <p:spPr>
-          <a:xfrm>
-            <a:off x="539552" y="580955"/>
-            <a:ext cx="2160240" cy="4247317"/>
+          <a:p>
+            <a:pPr algn="ctr"/>
+            <a:endParaRPr lang="en-GB" dirty="0"/>
+          </a:p>
+        </p:txBody>
+      </p:sp>
+      <p:sp>
+        <p:nvSpPr>
+          <p:cNvPr id="5" name="TextBox 4"/>
+          <p:cNvSpPr txBox="1"/>
+          <p:nvPr/>
+        </p:nvSpPr>
+        <p:spPr>
+          <a:xfrm>
+            <a:off x="539552" y="316968"/>
+            <a:ext cx="2736304" cy="5632311"/>
           </a:xfrm>
           <a:prstGeom prst="rect">
             <a:avLst/>
@@ -3290,20 +3731,40 @@
           </a:p>
           <a:p>
             <a:pPr algn="ctr"/>
+            <a:endParaRPr lang="en-GB" dirty="0" smtClean="0"/>
+          </a:p>
+          <a:p>
+            <a:pPr algn="ctr"/>
             <a:endParaRPr lang="en-GB" dirty="0"/>
           </a:p>
-        </p:txBody>
-      </p:sp>
-      <p:sp>
-        <p:nvSpPr>
-          <p:cNvPr id="35" name="TextBox 34"/>
-          <p:cNvSpPr txBox="1"/>
-          <p:nvPr/>
-        </p:nvSpPr>
-        <p:spPr>
-          <a:xfrm>
-            <a:off x="2926943" y="710503"/>
-            <a:ext cx="1440160" cy="3016210"/>
+          <a:p>
+            <a:pPr algn="ctr"/>
+            <a:endParaRPr lang="en-GB" dirty="0" smtClean="0"/>
+          </a:p>
+          <a:p>
+            <a:pPr algn="ctr"/>
+            <a:endParaRPr lang="en-GB" dirty="0"/>
+          </a:p>
+          <a:p>
+            <a:pPr algn="ctr"/>
+            <a:endParaRPr lang="en-GB" dirty="0"/>
+          </a:p>
+          <a:p>
+            <a:pPr algn="ctr"/>
+            <a:endParaRPr lang="en-GB" dirty="0"/>
+          </a:p>
+        </p:txBody>
+      </p:sp>
+      <p:sp>
+        <p:nvSpPr>
+          <p:cNvPr id="6" name="TextBox 5"/>
+          <p:cNvSpPr txBox="1"/>
+          <p:nvPr/>
+        </p:nvSpPr>
+        <p:spPr>
+          <a:xfrm>
+            <a:off x="6372200" y="764704"/>
+            <a:ext cx="2160240" cy="1815882"/>
           </a:xfrm>
           <a:prstGeom prst="rect">
             <a:avLst/>
@@ -3323,94 +3784,51 @@
           <a:p>
             <a:pPr algn="ctr"/>
             <a:r>
-              <a:rPr lang="en-GB" sz="1000" dirty="0" smtClean="0"/>
-              <a:t>John</a:t>
-            </a:r>
-          </a:p>
-          <a:p>
-            <a:pPr algn="ctr"/>
-            <a:endParaRPr lang="en-GB" sz="1000" dirty="0"/>
-          </a:p>
-          <a:p>
-            <a:pPr algn="ctr"/>
-            <a:endParaRPr lang="en-GB" sz="1000" dirty="0" smtClean="0"/>
-          </a:p>
-          <a:p>
-            <a:pPr algn="ctr"/>
-            <a:endParaRPr lang="en-GB" sz="1000" dirty="0"/>
-          </a:p>
-          <a:p>
-            <a:pPr algn="ctr"/>
-            <a:endParaRPr lang="en-GB" sz="1000" dirty="0" smtClean="0"/>
-          </a:p>
-          <a:p>
-            <a:pPr algn="ctr"/>
-            <a:endParaRPr lang="en-GB" sz="1000" dirty="0"/>
-          </a:p>
-          <a:p>
-            <a:pPr algn="ctr"/>
-            <a:endParaRPr lang="en-GB" sz="1000" dirty="0" smtClean="0"/>
-          </a:p>
-          <a:p>
-            <a:pPr algn="ctr"/>
-            <a:endParaRPr lang="en-GB" sz="1000" dirty="0" smtClean="0"/>
-          </a:p>
-          <a:p>
-            <a:pPr algn="ctr"/>
-            <a:endParaRPr lang="en-GB" sz="1000" dirty="0"/>
-          </a:p>
-          <a:p>
-            <a:pPr algn="ctr"/>
-            <a:endParaRPr lang="en-GB" sz="1000" dirty="0" smtClean="0"/>
-          </a:p>
-          <a:p>
-            <a:pPr algn="ctr"/>
-            <a:endParaRPr lang="en-GB" sz="1000" dirty="0"/>
-          </a:p>
-          <a:p>
-            <a:pPr algn="ctr"/>
-            <a:endParaRPr lang="en-GB" sz="1000" dirty="0" smtClean="0"/>
-          </a:p>
-          <a:p>
-            <a:pPr algn="ctr"/>
-            <a:endParaRPr lang="en-GB" sz="1000" dirty="0" smtClean="0"/>
-          </a:p>
-          <a:p>
-            <a:pPr algn="ctr"/>
-            <a:endParaRPr lang="en-GB" sz="1000" dirty="0" smtClean="0"/>
-          </a:p>
-          <a:p>
-            <a:pPr algn="ctr"/>
-            <a:endParaRPr lang="en-GB" sz="1000" dirty="0" smtClean="0"/>
-          </a:p>
-          <a:p>
-            <a:pPr algn="ctr"/>
-            <a:endParaRPr lang="en-GB" sz="1000" dirty="0"/>
-          </a:p>
-          <a:p>
-            <a:pPr algn="ctr"/>
-            <a:endParaRPr lang="en-GB" sz="1000" dirty="0" smtClean="0"/>
-          </a:p>
-          <a:p>
-            <a:pPr algn="ctr"/>
-            <a:endParaRPr lang="en-GB" sz="1000" dirty="0"/>
-          </a:p>
-          <a:p>
-            <a:pPr algn="ctr"/>
-            <a:endParaRPr lang="en-GB" sz="1000" dirty="0"/>
-          </a:p>
-        </p:txBody>
-      </p:sp>
-      <p:sp>
-        <p:nvSpPr>
-          <p:cNvPr id="38" name="TextBox 37"/>
-          <p:cNvSpPr txBox="1"/>
-          <p:nvPr/>
-        </p:nvSpPr>
-        <p:spPr>
-          <a:xfrm>
-            <a:off x="3725035" y="1718975"/>
-            <a:ext cx="571034" cy="230832"/>
+              <a:rPr lang="en-GB" sz="1400" dirty="0" err="1" smtClean="0"/>
+              <a:t>myPoint</a:t>
+            </a:r>
+            <a:endParaRPr lang="en-GB" sz="1400" dirty="0" smtClean="0"/>
+          </a:p>
+          <a:p>
+            <a:pPr algn="ctr"/>
+            <a:endParaRPr lang="en-GB" sz="1400" dirty="0" smtClean="0"/>
+          </a:p>
+          <a:p>
+            <a:pPr algn="ctr"/>
+            <a:endParaRPr lang="en-GB" sz="1400" dirty="0"/>
+          </a:p>
+          <a:p>
+            <a:pPr algn="ctr"/>
+            <a:endParaRPr lang="en-GB" sz="1400" dirty="0" smtClean="0"/>
+          </a:p>
+          <a:p>
+            <a:pPr algn="ctr"/>
+            <a:endParaRPr lang="en-GB" sz="1400" dirty="0"/>
+          </a:p>
+          <a:p>
+            <a:pPr algn="ctr"/>
+            <a:endParaRPr lang="en-GB" sz="1400" dirty="0" smtClean="0"/>
+          </a:p>
+          <a:p>
+            <a:pPr algn="ctr"/>
+            <a:endParaRPr lang="en-GB" sz="1400" dirty="0" smtClean="0"/>
+          </a:p>
+          <a:p>
+            <a:pPr algn="ctr"/>
+            <a:endParaRPr lang="en-GB" sz="1400" dirty="0"/>
+          </a:p>
+        </p:txBody>
+      </p:sp>
+      <p:sp>
+        <p:nvSpPr>
+          <p:cNvPr id="7" name="TextBox 6"/>
+          <p:cNvSpPr txBox="1"/>
+          <p:nvPr/>
+        </p:nvSpPr>
+        <p:spPr>
+          <a:xfrm>
+            <a:off x="7704348" y="1772816"/>
+            <a:ext cx="648072" cy="276999"/>
           </a:xfrm>
           <a:prstGeom prst="rect">
             <a:avLst/>
@@ -3430,23 +3848,23 @@
           <a:p>
             <a:pPr algn="ctr"/>
             <a:r>
-              <a:rPr lang="en-GB" sz="900" dirty="0" smtClean="0"/>
-              <a:t>string</a:t>
-            </a:r>
-            <a:endParaRPr lang="en-GB" sz="900" dirty="0"/>
-          </a:p>
-        </p:txBody>
-      </p:sp>
-      <p:sp>
-        <p:nvSpPr>
-          <p:cNvPr id="39" name="TextBox 38"/>
-          <p:cNvSpPr txBox="1"/>
-          <p:nvPr/>
-        </p:nvSpPr>
-        <p:spPr>
-          <a:xfrm>
-            <a:off x="3034955" y="1718615"/>
-            <a:ext cx="613042" cy="230832"/>
+              <a:rPr lang="en-GB" sz="1200" dirty="0" err="1" smtClean="0"/>
+              <a:t>int</a:t>
+            </a:r>
+            <a:endParaRPr lang="en-GB" sz="1200" dirty="0"/>
+          </a:p>
+        </p:txBody>
+      </p:sp>
+      <p:sp>
+        <p:nvSpPr>
+          <p:cNvPr id="8" name="TextBox 7"/>
+          <p:cNvSpPr txBox="1"/>
+          <p:nvPr/>
+        </p:nvSpPr>
+        <p:spPr>
+          <a:xfrm>
+            <a:off x="6552220" y="1772816"/>
+            <a:ext cx="613042" cy="276999"/>
           </a:xfrm>
           <a:prstGeom prst="rect">
             <a:avLst/>
@@ -3466,23 +3884,23 @@
           <a:p>
             <a:pPr algn="ctr"/>
             <a:r>
-              <a:rPr lang="en-GB" sz="900" dirty="0" smtClean="0"/>
-              <a:t>name</a:t>
-            </a:r>
-            <a:endParaRPr lang="en-GB" sz="900" dirty="0"/>
-          </a:p>
-        </p:txBody>
-      </p:sp>
-      <p:sp>
-        <p:nvSpPr>
-          <p:cNvPr id="40" name="TextBox 39"/>
-          <p:cNvSpPr txBox="1"/>
-          <p:nvPr/>
-        </p:nvSpPr>
-        <p:spPr>
-          <a:xfrm>
-            <a:off x="3034955" y="1949447"/>
-            <a:ext cx="1260140" cy="230832"/>
+              <a:rPr lang="en-GB" sz="1200" dirty="0" smtClean="0"/>
+              <a:t>y</a:t>
+            </a:r>
+            <a:endParaRPr lang="en-GB" sz="1200" dirty="0"/>
+          </a:p>
+        </p:txBody>
+      </p:sp>
+      <p:sp>
+        <p:nvSpPr>
+          <p:cNvPr id="9" name="TextBox 8"/>
+          <p:cNvSpPr txBox="1"/>
+          <p:nvPr/>
+        </p:nvSpPr>
+        <p:spPr>
+          <a:xfrm>
+            <a:off x="6552220" y="2049815"/>
+            <a:ext cx="1800200" cy="276999"/>
           </a:xfrm>
           <a:prstGeom prst="rect">
             <a:avLst/>
@@ -3501,20 +3919,23 @@
           <a:lstStyle/>
           <a:p>
             <a:pPr algn="ctr"/>
-            <a:endParaRPr lang="en-GB" sz="900" dirty="0"/>
-          </a:p>
-        </p:txBody>
-      </p:sp>
-      <p:sp>
-        <p:nvSpPr>
-          <p:cNvPr id="41" name="TextBox 40"/>
-          <p:cNvSpPr txBox="1"/>
-          <p:nvPr/>
-        </p:nvSpPr>
-        <p:spPr>
-          <a:xfrm>
-            <a:off x="3966029" y="1092213"/>
-            <a:ext cx="329066" cy="230832"/>
+            <a:r>
+              <a:rPr lang="en-GB" sz="1200" dirty="0"/>
+              <a:t>0</a:t>
+            </a:r>
+          </a:p>
+        </p:txBody>
+      </p:sp>
+      <p:sp>
+        <p:nvSpPr>
+          <p:cNvPr id="10" name="TextBox 9"/>
+          <p:cNvSpPr txBox="1"/>
+          <p:nvPr/>
+        </p:nvSpPr>
+        <p:spPr>
+          <a:xfrm>
+            <a:off x="7699318" y="1146809"/>
+            <a:ext cx="648072" cy="276999"/>
           </a:xfrm>
           <a:prstGeom prst="rect">
             <a:avLst/>
@@ -3534,23 +3955,23 @@
           <a:p>
             <a:pPr algn="ctr"/>
             <a:r>
-              <a:rPr lang="en-GB" sz="900" dirty="0" err="1" smtClean="0"/>
+              <a:rPr lang="en-GB" sz="1200" dirty="0" err="1" smtClean="0"/>
               <a:t>int</a:t>
             </a:r>
-            <a:endParaRPr lang="en-GB" sz="900" dirty="0"/>
-          </a:p>
-        </p:txBody>
-      </p:sp>
-      <p:sp>
-        <p:nvSpPr>
-          <p:cNvPr id="42" name="TextBox 41"/>
-          <p:cNvSpPr txBox="1"/>
-          <p:nvPr/>
-        </p:nvSpPr>
-        <p:spPr>
-          <a:xfrm>
-            <a:off x="3034955" y="1092608"/>
-            <a:ext cx="613042" cy="230832"/>
+            <a:endParaRPr lang="en-GB" sz="1200" dirty="0"/>
+          </a:p>
+        </p:txBody>
+      </p:sp>
+      <p:sp>
+        <p:nvSpPr>
+          <p:cNvPr id="11" name="TextBox 10"/>
+          <p:cNvSpPr txBox="1"/>
+          <p:nvPr/>
+        </p:nvSpPr>
+        <p:spPr>
+          <a:xfrm>
+            <a:off x="6552220" y="1146809"/>
+            <a:ext cx="613042" cy="276999"/>
           </a:xfrm>
           <a:prstGeom prst="rect">
             <a:avLst/>
@@ -3570,23 +3991,23 @@
           <a:p>
             <a:pPr algn="ctr"/>
             <a:r>
-              <a:rPr lang="en-GB" sz="900" dirty="0" smtClean="0"/>
-              <a:t>age</a:t>
-            </a:r>
-            <a:endParaRPr lang="en-GB" sz="900" dirty="0"/>
-          </a:p>
-        </p:txBody>
-      </p:sp>
-      <p:sp>
-        <p:nvSpPr>
-          <p:cNvPr id="43" name="TextBox 42"/>
-          <p:cNvSpPr txBox="1"/>
-          <p:nvPr/>
-        </p:nvSpPr>
-        <p:spPr>
-          <a:xfrm>
-            <a:off x="3034955" y="1323440"/>
-            <a:ext cx="1260140" cy="230832"/>
+              <a:rPr lang="en-GB" sz="1200" dirty="0" smtClean="0"/>
+              <a:t>x</a:t>
+            </a:r>
+            <a:endParaRPr lang="en-GB" sz="1200" dirty="0"/>
+          </a:p>
+        </p:txBody>
+      </p:sp>
+      <p:sp>
+        <p:nvSpPr>
+          <p:cNvPr id="12" name="TextBox 11"/>
+          <p:cNvSpPr txBox="1"/>
+          <p:nvPr/>
+        </p:nvSpPr>
+        <p:spPr>
+          <a:xfrm>
+            <a:off x="6552220" y="1423808"/>
+            <a:ext cx="1800200" cy="276999"/>
           </a:xfrm>
           <a:prstGeom prst="rect">
             <a:avLst/>
@@ -3606,23 +4027,22 @@
           <a:p>
             <a:pPr algn="ctr"/>
             <a:r>
-              <a:rPr lang="en-GB" sz="900" dirty="0" smtClean="0"/>
-              <a:t>35</a:t>
-            </a:r>
-            <a:endParaRPr lang="en-GB" sz="900" dirty="0"/>
-          </a:p>
-        </p:txBody>
-      </p:sp>
-      <p:sp>
-        <p:nvSpPr>
-          <p:cNvPr id="51" name="TextBox 50"/>
-          <p:cNvSpPr txBox="1"/>
-          <p:nvPr/>
-        </p:nvSpPr>
-        <p:spPr>
-          <a:xfrm>
-            <a:off x="1794777" y="1564621"/>
-            <a:ext cx="755110" cy="215444"/>
+              <a:rPr lang="en-GB" sz="1200" dirty="0"/>
+              <a:t>0</a:t>
+            </a:r>
+          </a:p>
+        </p:txBody>
+      </p:sp>
+      <p:sp>
+        <p:nvSpPr>
+          <p:cNvPr id="13" name="TextBox 12"/>
+          <p:cNvSpPr txBox="1"/>
+          <p:nvPr/>
+        </p:nvSpPr>
+        <p:spPr>
+          <a:xfrm>
+            <a:off x="2051720" y="1844824"/>
+            <a:ext cx="755110" cy="307777"/>
           </a:xfrm>
           <a:prstGeom prst="rect">
             <a:avLst/>
@@ -3642,23 +4062,23 @@
           <a:p>
             <a:pPr algn="ctr"/>
             <a:r>
-              <a:rPr lang="en-GB" sz="800" dirty="0" smtClean="0"/>
-              <a:t>Person</a:t>
-            </a:r>
-            <a:endParaRPr lang="en-GB" sz="1000" dirty="0"/>
-          </a:p>
-        </p:txBody>
-      </p:sp>
-      <p:sp>
-        <p:nvSpPr>
-          <p:cNvPr id="52" name="TextBox 51"/>
-          <p:cNvSpPr txBox="1"/>
-          <p:nvPr/>
-        </p:nvSpPr>
-        <p:spPr>
-          <a:xfrm>
-            <a:off x="748713" y="1563005"/>
-            <a:ext cx="890706" cy="215444"/>
+              <a:rPr lang="en-GB" sz="1400" dirty="0" smtClean="0"/>
+              <a:t>Point</a:t>
+            </a:r>
+            <a:endParaRPr lang="en-GB" dirty="0"/>
+          </a:p>
+        </p:txBody>
+      </p:sp>
+      <p:sp>
+        <p:nvSpPr>
+          <p:cNvPr id="14" name="TextBox 13"/>
+          <p:cNvSpPr txBox="1"/>
+          <p:nvPr/>
+        </p:nvSpPr>
+        <p:spPr>
+          <a:xfrm>
+            <a:off x="1006630" y="1844824"/>
+            <a:ext cx="900100" cy="307777"/>
           </a:xfrm>
           <a:prstGeom prst="rect">
             <a:avLst/>
@@ -3678,23 +4098,23 @@
           <a:p>
             <a:pPr algn="ctr"/>
             <a:r>
-              <a:rPr lang="en-GB" sz="800" dirty="0" smtClean="0"/>
-              <a:t>John</a:t>
-            </a:r>
-            <a:endParaRPr lang="en-GB" sz="1000" dirty="0"/>
-          </a:p>
-        </p:txBody>
-      </p:sp>
-      <p:sp>
-        <p:nvSpPr>
-          <p:cNvPr id="53" name="TextBox 52"/>
-          <p:cNvSpPr txBox="1"/>
-          <p:nvPr/>
-        </p:nvSpPr>
-        <p:spPr>
-          <a:xfrm>
-            <a:off x="738832" y="1780065"/>
-            <a:ext cx="1801174" cy="246221"/>
+              <a:rPr lang="en-GB" sz="1400" dirty="0" err="1" smtClean="0"/>
+              <a:t>myPoint</a:t>
+            </a:r>
+            <a:endParaRPr lang="en-GB" dirty="0"/>
+          </a:p>
+        </p:txBody>
+      </p:sp>
+      <p:sp>
+        <p:nvSpPr>
+          <p:cNvPr id="15" name="TextBox 14"/>
+          <p:cNvSpPr txBox="1"/>
+          <p:nvPr/>
+        </p:nvSpPr>
+        <p:spPr>
+          <a:xfrm>
+            <a:off x="1006630" y="2152601"/>
+            <a:ext cx="1794358" cy="369332"/>
           </a:xfrm>
           <a:prstGeom prst="rect">
             <a:avLst/>
@@ -3713,1600 +4133,133 @@
           <a:lstStyle/>
           <a:p>
             <a:pPr algn="ctr"/>
-            <a:endParaRPr lang="en-GB" sz="1000" dirty="0"/>
+            <a:endParaRPr lang="en-GB" dirty="0"/>
+          </a:p>
+        </p:txBody>
+      </p:sp>
+      <p:sp>
+        <p:nvSpPr>
+          <p:cNvPr id="16" name="TextBox 15"/>
+          <p:cNvSpPr txBox="1"/>
+          <p:nvPr/>
+        </p:nvSpPr>
+        <p:spPr>
+          <a:xfrm>
+            <a:off x="2158758" y="908720"/>
+            <a:ext cx="648072" cy="307777"/>
+          </a:xfrm>
+          <a:prstGeom prst="rect">
+            <a:avLst/>
+          </a:prstGeom>
+          <a:noFill/>
+          <a:ln w="3175">
+            <a:solidFill>
+              <a:schemeClr val="tx1"/>
+            </a:solidFill>
+          </a:ln>
+        </p:spPr>
+        <p:txBody>
+          <a:bodyPr wrap="square" rtlCol="0">
+            <a:spAutoFit/>
+          </a:bodyPr>
+          <a:lstStyle/>
+          <a:p>
+            <a:pPr algn="ctr"/>
+            <a:r>
+              <a:rPr lang="en-GB" sz="1400" dirty="0" err="1" smtClean="0"/>
+              <a:t>int</a:t>
+            </a:r>
+            <a:endParaRPr lang="en-GB" sz="1400" dirty="0"/>
+          </a:p>
+        </p:txBody>
+      </p:sp>
+      <p:sp>
+        <p:nvSpPr>
+          <p:cNvPr id="17" name="TextBox 16"/>
+          <p:cNvSpPr txBox="1"/>
+          <p:nvPr/>
+        </p:nvSpPr>
+        <p:spPr>
+          <a:xfrm>
+            <a:off x="1006630" y="908720"/>
+            <a:ext cx="757058" cy="307777"/>
+          </a:xfrm>
+          <a:prstGeom prst="rect">
+            <a:avLst/>
+          </a:prstGeom>
+          <a:noFill/>
+          <a:ln w="3175">
+            <a:solidFill>
+              <a:schemeClr val="tx1"/>
+            </a:solidFill>
+          </a:ln>
+        </p:spPr>
+        <p:txBody>
+          <a:bodyPr wrap="square" rtlCol="0">
+            <a:spAutoFit/>
+          </a:bodyPr>
+          <a:lstStyle/>
+          <a:p>
+            <a:pPr algn="ctr"/>
+            <a:r>
+              <a:rPr lang="en-GB" sz="1400" dirty="0" err="1" smtClean="0"/>
+              <a:t>myInt</a:t>
+            </a:r>
+            <a:endParaRPr lang="en-GB" sz="1400" dirty="0"/>
+          </a:p>
+        </p:txBody>
+      </p:sp>
+      <p:sp>
+        <p:nvSpPr>
+          <p:cNvPr id="18" name="TextBox 17"/>
+          <p:cNvSpPr txBox="1"/>
+          <p:nvPr/>
+        </p:nvSpPr>
+        <p:spPr>
+          <a:xfrm>
+            <a:off x="1007604" y="1216497"/>
+            <a:ext cx="1800200" cy="307777"/>
+          </a:xfrm>
+          <a:prstGeom prst="rect">
+            <a:avLst/>
+          </a:prstGeom>
+          <a:noFill/>
+          <a:ln w="3175">
+            <a:solidFill>
+              <a:schemeClr val="tx1"/>
+            </a:solidFill>
+          </a:ln>
+        </p:spPr>
+        <p:txBody>
+          <a:bodyPr wrap="square" rtlCol="0">
+            <a:spAutoFit/>
+          </a:bodyPr>
+          <a:lstStyle/>
+          <a:p>
+            <a:pPr algn="ctr"/>
+            <a:r>
+              <a:rPr lang="en-GB" sz="1400" dirty="0"/>
+              <a:t>0</a:t>
+            </a:r>
           </a:p>
         </p:txBody>
       </p:sp>
       <p:cxnSp>
         <p:nvCxnSpPr>
-          <p:cNvPr id="59" name="Curved Connector 58"/>
+          <p:cNvPr id="19" name="Curved Connector 18"/>
           <p:cNvCxnSpPr>
-            <a:stCxn id="53" idx="3"/>
-            <a:endCxn id="35" idx="1"/>
+            <a:stCxn id="15" idx="3"/>
+            <a:endCxn id="6" idx="1"/>
           </p:cNvCxnSpPr>
           <p:nvPr/>
         </p:nvCxnSpPr>
         <p:spPr>
-          <a:xfrm>
-            <a:off x="2540006" y="1903176"/>
-            <a:ext cx="386937" cy="315432"/>
+          <a:xfrm flipV="1">
+            <a:off x="2800988" y="1672645"/>
+            <a:ext cx="3571212" cy="664622"/>
           </a:xfrm>
           <a:prstGeom prst="curvedConnector3">
             <a:avLst/>
-          </a:prstGeom>
-          <a:ln>
-            <a:tailEnd type="arrow"/>
-          </a:ln>
-        </p:spPr>
-        <p:style>
-          <a:lnRef idx="1">
-            <a:schemeClr val="accent1"/>
-          </a:lnRef>
-          <a:fillRef idx="0">
-            <a:schemeClr val="accent1"/>
-          </a:fillRef>
-          <a:effectRef idx="0">
-            <a:schemeClr val="accent1"/>
-          </a:effectRef>
-          <a:fontRef idx="minor">
-            <a:schemeClr val="tx1"/>
-          </a:fontRef>
-        </p:style>
-      </p:cxnSp>
-      <p:sp>
-        <p:nvSpPr>
-          <p:cNvPr id="79" name="TextBox 78"/>
-          <p:cNvSpPr txBox="1"/>
-          <p:nvPr/>
-        </p:nvSpPr>
-        <p:spPr>
-          <a:xfrm>
-            <a:off x="107504" y="132302"/>
-            <a:ext cx="1512168" cy="369332"/>
-          </a:xfrm>
-          <a:prstGeom prst="rect">
-            <a:avLst/>
-          </a:prstGeom>
-          <a:noFill/>
-        </p:spPr>
-        <p:txBody>
-          <a:bodyPr wrap="square" rtlCol="0">
-            <a:spAutoFit/>
-          </a:bodyPr>
-          <a:lstStyle/>
-          <a:p>
-            <a:pPr algn="ctr"/>
-            <a:r>
-              <a:rPr lang="en-GB" dirty="0" smtClean="0"/>
-              <a:t>2.1b</a:t>
-            </a:r>
-          </a:p>
-        </p:txBody>
-      </p:sp>
-      <p:sp>
-        <p:nvSpPr>
-          <p:cNvPr id="117" name="TextBox 116"/>
-          <p:cNvSpPr txBox="1"/>
-          <p:nvPr/>
-        </p:nvSpPr>
-        <p:spPr>
-          <a:xfrm>
-            <a:off x="3756009" y="3045086"/>
-            <a:ext cx="540060" cy="230832"/>
-          </a:xfrm>
-          <a:prstGeom prst="rect">
-            <a:avLst/>
-          </a:prstGeom>
-          <a:noFill/>
-          <a:ln w="3175">
-            <a:solidFill>
-              <a:schemeClr val="tx1"/>
-            </a:solidFill>
-          </a:ln>
-        </p:spPr>
-        <p:txBody>
-          <a:bodyPr wrap="square" rtlCol="0">
-            <a:spAutoFit/>
-          </a:bodyPr>
-          <a:lstStyle/>
-          <a:p>
-            <a:pPr algn="ctr"/>
-            <a:r>
-              <a:rPr lang="en-GB" sz="900" dirty="0" smtClean="0"/>
-              <a:t>person</a:t>
-            </a:r>
-            <a:endParaRPr lang="en-GB" sz="900" dirty="0"/>
-          </a:p>
-        </p:txBody>
-      </p:sp>
-      <p:sp>
-        <p:nvSpPr>
-          <p:cNvPr id="118" name="TextBox 117"/>
-          <p:cNvSpPr txBox="1"/>
-          <p:nvPr/>
-        </p:nvSpPr>
-        <p:spPr>
-          <a:xfrm>
-            <a:off x="3034955" y="3045588"/>
-            <a:ext cx="684076" cy="230832"/>
-          </a:xfrm>
-          <a:prstGeom prst="rect">
-            <a:avLst/>
-          </a:prstGeom>
-          <a:noFill/>
-          <a:ln w="3175">
-            <a:solidFill>
-              <a:schemeClr val="tx1"/>
-            </a:solidFill>
-          </a:ln>
-        </p:spPr>
-        <p:txBody>
-          <a:bodyPr wrap="square" rtlCol="0">
-            <a:spAutoFit/>
-          </a:bodyPr>
-          <a:lstStyle/>
-          <a:p>
-            <a:pPr algn="ctr"/>
-            <a:r>
-              <a:rPr lang="en-GB" sz="900" dirty="0" smtClean="0"/>
-              <a:t>mother</a:t>
-            </a:r>
-            <a:endParaRPr lang="en-GB" sz="900" dirty="0"/>
-          </a:p>
-        </p:txBody>
-      </p:sp>
-      <p:sp>
-        <p:nvSpPr>
-          <p:cNvPr id="119" name="TextBox 118"/>
-          <p:cNvSpPr txBox="1"/>
-          <p:nvPr/>
-        </p:nvSpPr>
-        <p:spPr>
-          <a:xfrm>
-            <a:off x="3034955" y="3276420"/>
-            <a:ext cx="1260140" cy="230832"/>
-          </a:xfrm>
-          <a:prstGeom prst="rect">
-            <a:avLst/>
-          </a:prstGeom>
-          <a:noFill/>
-          <a:ln w="3175">
-            <a:solidFill>
-              <a:schemeClr val="tx1"/>
-            </a:solidFill>
-          </a:ln>
-        </p:spPr>
-        <p:txBody>
-          <a:bodyPr wrap="square" rtlCol="0">
-            <a:spAutoFit/>
-          </a:bodyPr>
-          <a:lstStyle/>
-          <a:p>
-            <a:pPr algn="ctr"/>
-            <a:endParaRPr lang="en-GB" sz="900" dirty="0"/>
-          </a:p>
-        </p:txBody>
-      </p:sp>
-      <p:sp>
-        <p:nvSpPr>
-          <p:cNvPr id="121" name="TextBox 120"/>
-          <p:cNvSpPr txBox="1"/>
-          <p:nvPr/>
-        </p:nvSpPr>
-        <p:spPr>
-          <a:xfrm>
-            <a:off x="3034955" y="2419581"/>
-            <a:ext cx="613042" cy="230832"/>
-          </a:xfrm>
-          <a:prstGeom prst="rect">
-            <a:avLst/>
-          </a:prstGeom>
-          <a:noFill/>
-          <a:ln w="3175">
-            <a:solidFill>
-              <a:schemeClr val="tx1"/>
-            </a:solidFill>
-          </a:ln>
-        </p:spPr>
-        <p:txBody>
-          <a:bodyPr wrap="square" rtlCol="0">
-            <a:spAutoFit/>
-          </a:bodyPr>
-          <a:lstStyle/>
-          <a:p>
-            <a:pPr algn="ctr"/>
-            <a:r>
-              <a:rPr lang="en-GB" sz="900" dirty="0" smtClean="0"/>
-              <a:t>father</a:t>
-            </a:r>
-            <a:endParaRPr lang="en-GB" sz="900" dirty="0"/>
-          </a:p>
-        </p:txBody>
-      </p:sp>
-      <p:sp>
-        <p:nvSpPr>
-          <p:cNvPr id="122" name="TextBox 121"/>
-          <p:cNvSpPr txBox="1"/>
-          <p:nvPr/>
-        </p:nvSpPr>
-        <p:spPr>
-          <a:xfrm>
-            <a:off x="3034955" y="2650413"/>
-            <a:ext cx="1260140" cy="230832"/>
-          </a:xfrm>
-          <a:prstGeom prst="rect">
-            <a:avLst/>
-          </a:prstGeom>
-          <a:noFill/>
-          <a:ln w="3175">
-            <a:solidFill>
-              <a:schemeClr val="tx1"/>
-            </a:solidFill>
-          </a:ln>
-        </p:spPr>
-        <p:txBody>
-          <a:bodyPr wrap="square" rtlCol="0">
-            <a:spAutoFit/>
-          </a:bodyPr>
-          <a:lstStyle/>
-          <a:p>
-            <a:pPr algn="ctr"/>
-            <a:endParaRPr lang="en-GB" sz="900" dirty="0"/>
-          </a:p>
-        </p:txBody>
-      </p:sp>
-      <p:sp>
-        <p:nvSpPr>
-          <p:cNvPr id="124" name="TextBox 123"/>
-          <p:cNvSpPr txBox="1"/>
-          <p:nvPr/>
-        </p:nvSpPr>
-        <p:spPr>
-          <a:xfrm>
-            <a:off x="1794777" y="2212870"/>
-            <a:ext cx="755110" cy="215444"/>
-          </a:xfrm>
-          <a:prstGeom prst="rect">
-            <a:avLst/>
-          </a:prstGeom>
-          <a:noFill/>
-          <a:ln w="3175">
-            <a:solidFill>
-              <a:schemeClr val="tx1"/>
-            </a:solidFill>
-          </a:ln>
-        </p:spPr>
-        <p:txBody>
-          <a:bodyPr wrap="square" rtlCol="0">
-            <a:spAutoFit/>
-          </a:bodyPr>
-          <a:lstStyle/>
-          <a:p>
-            <a:pPr algn="ctr"/>
-            <a:r>
-              <a:rPr lang="en-GB" sz="800" dirty="0" smtClean="0"/>
-              <a:t>Person</a:t>
-            </a:r>
-            <a:endParaRPr lang="en-GB" sz="1000" dirty="0"/>
-          </a:p>
-        </p:txBody>
-      </p:sp>
-      <p:sp>
-        <p:nvSpPr>
-          <p:cNvPr id="125" name="TextBox 124"/>
-          <p:cNvSpPr txBox="1"/>
-          <p:nvPr/>
-        </p:nvSpPr>
-        <p:spPr>
-          <a:xfrm>
-            <a:off x="748713" y="2211254"/>
-            <a:ext cx="890706" cy="215444"/>
-          </a:xfrm>
-          <a:prstGeom prst="rect">
-            <a:avLst/>
-          </a:prstGeom>
-          <a:noFill/>
-          <a:ln w="3175">
-            <a:solidFill>
-              <a:schemeClr val="tx1"/>
-            </a:solidFill>
-          </a:ln>
-        </p:spPr>
-        <p:txBody>
-          <a:bodyPr wrap="square" rtlCol="0">
-            <a:spAutoFit/>
-          </a:bodyPr>
-          <a:lstStyle/>
-          <a:p>
-            <a:pPr algn="ctr"/>
-            <a:r>
-              <a:rPr lang="en-GB" sz="800" dirty="0" smtClean="0"/>
-              <a:t>Mary</a:t>
-            </a:r>
-            <a:endParaRPr lang="en-GB" sz="1000" dirty="0"/>
-          </a:p>
-        </p:txBody>
-      </p:sp>
-      <p:sp>
-        <p:nvSpPr>
-          <p:cNvPr id="126" name="TextBox 125"/>
-          <p:cNvSpPr txBox="1"/>
-          <p:nvPr/>
-        </p:nvSpPr>
-        <p:spPr>
-          <a:xfrm>
-            <a:off x="738832" y="2428314"/>
-            <a:ext cx="1801174" cy="246221"/>
-          </a:xfrm>
-          <a:prstGeom prst="rect">
-            <a:avLst/>
-          </a:prstGeom>
-          <a:noFill/>
-          <a:ln w="3175">
-            <a:solidFill>
-              <a:schemeClr val="tx1"/>
-            </a:solidFill>
-          </a:ln>
-        </p:spPr>
-        <p:txBody>
-          <a:bodyPr wrap="square" rtlCol="0">
-            <a:spAutoFit/>
-          </a:bodyPr>
-          <a:lstStyle/>
-          <a:p>
-            <a:pPr algn="ctr"/>
-            <a:endParaRPr lang="en-GB" sz="1000" dirty="0"/>
-          </a:p>
-        </p:txBody>
-      </p:sp>
-      <p:sp>
-        <p:nvSpPr>
-          <p:cNvPr id="143" name="TextBox 142"/>
-          <p:cNvSpPr txBox="1"/>
-          <p:nvPr/>
-        </p:nvSpPr>
-        <p:spPr>
-          <a:xfrm>
-            <a:off x="3755035" y="2419581"/>
-            <a:ext cx="540060" cy="230832"/>
-          </a:xfrm>
-          <a:prstGeom prst="rect">
-            <a:avLst/>
-          </a:prstGeom>
-          <a:noFill/>
-          <a:ln w="3175">
-            <a:solidFill>
-              <a:schemeClr val="tx1"/>
-            </a:solidFill>
-          </a:ln>
-        </p:spPr>
-        <p:txBody>
-          <a:bodyPr wrap="square" rtlCol="0">
-            <a:spAutoFit/>
-          </a:bodyPr>
-          <a:lstStyle/>
-          <a:p>
-            <a:pPr algn="ctr"/>
-            <a:r>
-              <a:rPr lang="en-GB" sz="900" dirty="0" smtClean="0"/>
-              <a:t>person</a:t>
-            </a:r>
-            <a:endParaRPr lang="en-GB" sz="900" dirty="0"/>
-          </a:p>
-        </p:txBody>
-      </p:sp>
-      <p:sp>
-        <p:nvSpPr>
-          <p:cNvPr id="148" name="TextBox 147"/>
-          <p:cNvSpPr txBox="1"/>
-          <p:nvPr/>
-        </p:nvSpPr>
-        <p:spPr>
-          <a:xfrm>
-            <a:off x="4975109" y="1462578"/>
-            <a:ext cx="1440160" cy="3016210"/>
-          </a:xfrm>
-          <a:prstGeom prst="rect">
-            <a:avLst/>
-          </a:prstGeom>
-          <a:noFill/>
-          <a:ln w="3175">
-            <a:solidFill>
-              <a:schemeClr val="tx1"/>
-            </a:solidFill>
-          </a:ln>
-        </p:spPr>
-        <p:txBody>
-          <a:bodyPr wrap="square" rtlCol="0">
-            <a:spAutoFit/>
-          </a:bodyPr>
-          <a:lstStyle/>
-          <a:p>
-            <a:pPr algn="ctr"/>
-            <a:r>
-              <a:rPr lang="en-GB" sz="1000" dirty="0" smtClean="0"/>
-              <a:t>Mary</a:t>
-            </a:r>
-          </a:p>
-          <a:p>
-            <a:pPr algn="ctr"/>
-            <a:endParaRPr lang="en-GB" sz="1000" dirty="0"/>
-          </a:p>
-          <a:p>
-            <a:pPr algn="ctr"/>
-            <a:endParaRPr lang="en-GB" sz="1000" dirty="0" smtClean="0"/>
-          </a:p>
-          <a:p>
-            <a:pPr algn="ctr"/>
-            <a:endParaRPr lang="en-GB" sz="1000" dirty="0"/>
-          </a:p>
-          <a:p>
-            <a:pPr algn="ctr"/>
-            <a:endParaRPr lang="en-GB" sz="1000" dirty="0" smtClean="0"/>
-          </a:p>
-          <a:p>
-            <a:pPr algn="ctr"/>
-            <a:endParaRPr lang="en-GB" sz="1000" dirty="0"/>
-          </a:p>
-          <a:p>
-            <a:pPr algn="ctr"/>
-            <a:endParaRPr lang="en-GB" sz="1000" dirty="0" smtClean="0"/>
-          </a:p>
-          <a:p>
-            <a:pPr algn="ctr"/>
-            <a:endParaRPr lang="en-GB" sz="1000" dirty="0" smtClean="0"/>
-          </a:p>
-          <a:p>
-            <a:pPr algn="ctr"/>
-            <a:endParaRPr lang="en-GB" sz="1000" dirty="0"/>
-          </a:p>
-          <a:p>
-            <a:pPr algn="ctr"/>
-            <a:endParaRPr lang="en-GB" sz="1000" dirty="0" smtClean="0"/>
-          </a:p>
-          <a:p>
-            <a:pPr algn="ctr"/>
-            <a:endParaRPr lang="en-GB" sz="1000" dirty="0"/>
-          </a:p>
-          <a:p>
-            <a:pPr algn="ctr"/>
-            <a:endParaRPr lang="en-GB" sz="1000" dirty="0" smtClean="0"/>
-          </a:p>
-          <a:p>
-            <a:pPr algn="ctr"/>
-            <a:endParaRPr lang="en-GB" sz="1000" dirty="0" smtClean="0"/>
-          </a:p>
-          <a:p>
-            <a:pPr algn="ctr"/>
-            <a:endParaRPr lang="en-GB" sz="1000" dirty="0" smtClean="0"/>
-          </a:p>
-          <a:p>
-            <a:pPr algn="ctr"/>
-            <a:endParaRPr lang="en-GB" sz="1000" dirty="0" smtClean="0"/>
-          </a:p>
-          <a:p>
-            <a:pPr algn="ctr"/>
-            <a:endParaRPr lang="en-GB" sz="1000" dirty="0"/>
-          </a:p>
-          <a:p>
-            <a:pPr algn="ctr"/>
-            <a:endParaRPr lang="en-GB" sz="1000" dirty="0" smtClean="0"/>
-          </a:p>
-          <a:p>
-            <a:pPr algn="ctr"/>
-            <a:endParaRPr lang="en-GB" sz="1000" dirty="0"/>
-          </a:p>
-          <a:p>
-            <a:pPr algn="ctr"/>
-            <a:endParaRPr lang="en-GB" sz="1000" dirty="0"/>
-          </a:p>
-        </p:txBody>
-      </p:sp>
-      <p:sp>
-        <p:nvSpPr>
-          <p:cNvPr id="149" name="TextBox 148"/>
-          <p:cNvSpPr txBox="1"/>
-          <p:nvPr/>
-        </p:nvSpPr>
-        <p:spPr>
-          <a:xfrm>
-            <a:off x="5773201" y="2471050"/>
-            <a:ext cx="570060" cy="230832"/>
-          </a:xfrm>
-          <a:prstGeom prst="rect">
-            <a:avLst/>
-          </a:prstGeom>
-          <a:noFill/>
-          <a:ln w="3175">
-            <a:solidFill>
-              <a:schemeClr val="tx1"/>
-            </a:solidFill>
-          </a:ln>
-        </p:spPr>
-        <p:txBody>
-          <a:bodyPr wrap="square" rtlCol="0">
-            <a:spAutoFit/>
-          </a:bodyPr>
-          <a:lstStyle/>
-          <a:p>
-            <a:pPr algn="ctr"/>
-            <a:r>
-              <a:rPr lang="en-GB" sz="900" dirty="0" smtClean="0"/>
-              <a:t>string</a:t>
-            </a:r>
-            <a:endParaRPr lang="en-GB" sz="900" dirty="0"/>
-          </a:p>
-        </p:txBody>
-      </p:sp>
-      <p:sp>
-        <p:nvSpPr>
-          <p:cNvPr id="150" name="TextBox 149"/>
-          <p:cNvSpPr txBox="1"/>
-          <p:nvPr/>
-        </p:nvSpPr>
-        <p:spPr>
-          <a:xfrm>
-            <a:off x="5083121" y="2470690"/>
-            <a:ext cx="613042" cy="230832"/>
-          </a:xfrm>
-          <a:prstGeom prst="rect">
-            <a:avLst/>
-          </a:prstGeom>
-          <a:noFill/>
-          <a:ln w="3175">
-            <a:solidFill>
-              <a:schemeClr val="tx1"/>
-            </a:solidFill>
-          </a:ln>
-        </p:spPr>
-        <p:txBody>
-          <a:bodyPr wrap="square" rtlCol="0">
-            <a:spAutoFit/>
-          </a:bodyPr>
-          <a:lstStyle/>
-          <a:p>
-            <a:pPr algn="ctr"/>
-            <a:r>
-              <a:rPr lang="en-GB" sz="900" dirty="0" smtClean="0"/>
-              <a:t>name</a:t>
-            </a:r>
-            <a:endParaRPr lang="en-GB" sz="900" dirty="0"/>
-          </a:p>
-        </p:txBody>
-      </p:sp>
-      <p:sp>
-        <p:nvSpPr>
-          <p:cNvPr id="151" name="TextBox 150"/>
-          <p:cNvSpPr txBox="1"/>
-          <p:nvPr/>
-        </p:nvSpPr>
-        <p:spPr>
-          <a:xfrm>
-            <a:off x="5083121" y="2701522"/>
-            <a:ext cx="1260140" cy="230832"/>
-          </a:xfrm>
-          <a:prstGeom prst="rect">
-            <a:avLst/>
-          </a:prstGeom>
-          <a:noFill/>
-          <a:ln w="3175">
-            <a:solidFill>
-              <a:schemeClr val="tx1"/>
-            </a:solidFill>
-          </a:ln>
-        </p:spPr>
-        <p:txBody>
-          <a:bodyPr wrap="square" rtlCol="0">
-            <a:spAutoFit/>
-          </a:bodyPr>
-          <a:lstStyle/>
-          <a:p>
-            <a:pPr algn="ctr"/>
-            <a:endParaRPr lang="en-GB" sz="900" dirty="0"/>
-          </a:p>
-        </p:txBody>
-      </p:sp>
-      <p:sp>
-        <p:nvSpPr>
-          <p:cNvPr id="152" name="TextBox 151"/>
-          <p:cNvSpPr txBox="1"/>
-          <p:nvPr/>
-        </p:nvSpPr>
-        <p:spPr>
-          <a:xfrm>
-            <a:off x="6014195" y="1844288"/>
-            <a:ext cx="329066" cy="230832"/>
-          </a:xfrm>
-          <a:prstGeom prst="rect">
-            <a:avLst/>
-          </a:prstGeom>
-          <a:noFill/>
-          <a:ln w="3175">
-            <a:solidFill>
-              <a:schemeClr val="tx1"/>
-            </a:solidFill>
-          </a:ln>
-        </p:spPr>
-        <p:txBody>
-          <a:bodyPr wrap="square" rtlCol="0">
-            <a:spAutoFit/>
-          </a:bodyPr>
-          <a:lstStyle/>
-          <a:p>
-            <a:pPr algn="ctr"/>
-            <a:r>
-              <a:rPr lang="en-GB" sz="900" dirty="0" err="1" smtClean="0"/>
-              <a:t>int</a:t>
-            </a:r>
-            <a:endParaRPr lang="en-GB" sz="900" dirty="0"/>
-          </a:p>
-        </p:txBody>
-      </p:sp>
-      <p:sp>
-        <p:nvSpPr>
-          <p:cNvPr id="153" name="TextBox 152"/>
-          <p:cNvSpPr txBox="1"/>
-          <p:nvPr/>
-        </p:nvSpPr>
-        <p:spPr>
-          <a:xfrm>
-            <a:off x="5083121" y="1844683"/>
-            <a:ext cx="613042" cy="230832"/>
-          </a:xfrm>
-          <a:prstGeom prst="rect">
-            <a:avLst/>
-          </a:prstGeom>
-          <a:noFill/>
-          <a:ln w="3175">
-            <a:solidFill>
-              <a:schemeClr val="tx1"/>
-            </a:solidFill>
-          </a:ln>
-        </p:spPr>
-        <p:txBody>
-          <a:bodyPr wrap="square" rtlCol="0">
-            <a:spAutoFit/>
-          </a:bodyPr>
-          <a:lstStyle/>
-          <a:p>
-            <a:pPr algn="ctr"/>
-            <a:r>
-              <a:rPr lang="en-GB" sz="900" dirty="0" smtClean="0"/>
-              <a:t>age</a:t>
-            </a:r>
-            <a:endParaRPr lang="en-GB" sz="900" dirty="0"/>
-          </a:p>
-        </p:txBody>
-      </p:sp>
-      <p:sp>
-        <p:nvSpPr>
-          <p:cNvPr id="154" name="TextBox 153"/>
-          <p:cNvSpPr txBox="1"/>
-          <p:nvPr/>
-        </p:nvSpPr>
-        <p:spPr>
-          <a:xfrm>
-            <a:off x="5083121" y="2075515"/>
-            <a:ext cx="1260140" cy="230832"/>
-          </a:xfrm>
-          <a:prstGeom prst="rect">
-            <a:avLst/>
-          </a:prstGeom>
-          <a:noFill/>
-          <a:ln w="3175">
-            <a:solidFill>
-              <a:schemeClr val="tx1"/>
-            </a:solidFill>
-          </a:ln>
-        </p:spPr>
-        <p:txBody>
-          <a:bodyPr wrap="square" rtlCol="0">
-            <a:spAutoFit/>
-          </a:bodyPr>
-          <a:lstStyle/>
-          <a:p>
-            <a:pPr algn="ctr"/>
-            <a:r>
-              <a:rPr lang="en-GB" sz="900" dirty="0" smtClean="0"/>
-              <a:t>32</a:t>
-            </a:r>
-            <a:endParaRPr lang="en-GB" sz="900" dirty="0"/>
-          </a:p>
-        </p:txBody>
-      </p:sp>
-      <p:sp>
-        <p:nvSpPr>
-          <p:cNvPr id="155" name="TextBox 154"/>
-          <p:cNvSpPr txBox="1"/>
-          <p:nvPr/>
-        </p:nvSpPr>
-        <p:spPr>
-          <a:xfrm>
-            <a:off x="5804175" y="3797161"/>
-            <a:ext cx="539086" cy="230832"/>
-          </a:xfrm>
-          <a:prstGeom prst="rect">
-            <a:avLst/>
-          </a:prstGeom>
-          <a:noFill/>
-          <a:ln w="3175">
-            <a:solidFill>
-              <a:schemeClr val="tx1"/>
-            </a:solidFill>
-          </a:ln>
-        </p:spPr>
-        <p:txBody>
-          <a:bodyPr wrap="square" rtlCol="0">
-            <a:spAutoFit/>
-          </a:bodyPr>
-          <a:lstStyle/>
-          <a:p>
-            <a:pPr algn="ctr"/>
-            <a:r>
-              <a:rPr lang="en-GB" sz="900" dirty="0" smtClean="0"/>
-              <a:t>person</a:t>
-            </a:r>
-            <a:endParaRPr lang="en-GB" sz="900" dirty="0"/>
-          </a:p>
-        </p:txBody>
-      </p:sp>
-      <p:sp>
-        <p:nvSpPr>
-          <p:cNvPr id="156" name="TextBox 155"/>
-          <p:cNvSpPr txBox="1"/>
-          <p:nvPr/>
-        </p:nvSpPr>
-        <p:spPr>
-          <a:xfrm>
-            <a:off x="5083121" y="3797663"/>
-            <a:ext cx="684076" cy="230832"/>
-          </a:xfrm>
-          <a:prstGeom prst="rect">
-            <a:avLst/>
-          </a:prstGeom>
-          <a:noFill/>
-          <a:ln w="3175">
-            <a:solidFill>
-              <a:schemeClr val="tx1"/>
-            </a:solidFill>
-          </a:ln>
-        </p:spPr>
-        <p:txBody>
-          <a:bodyPr wrap="square" rtlCol="0">
-            <a:spAutoFit/>
-          </a:bodyPr>
-          <a:lstStyle/>
-          <a:p>
-            <a:pPr algn="ctr"/>
-            <a:r>
-              <a:rPr lang="en-GB" sz="900" dirty="0" smtClean="0"/>
-              <a:t>mother</a:t>
-            </a:r>
-            <a:endParaRPr lang="en-GB" sz="900" dirty="0"/>
-          </a:p>
-        </p:txBody>
-      </p:sp>
-      <p:sp>
-        <p:nvSpPr>
-          <p:cNvPr id="157" name="TextBox 156"/>
-          <p:cNvSpPr txBox="1"/>
-          <p:nvPr/>
-        </p:nvSpPr>
-        <p:spPr>
-          <a:xfrm>
-            <a:off x="5083121" y="4028495"/>
-            <a:ext cx="1260140" cy="230832"/>
-          </a:xfrm>
-          <a:prstGeom prst="rect">
-            <a:avLst/>
-          </a:prstGeom>
-          <a:noFill/>
-          <a:ln w="3175">
-            <a:solidFill>
-              <a:schemeClr val="tx1"/>
-            </a:solidFill>
-          </a:ln>
-        </p:spPr>
-        <p:txBody>
-          <a:bodyPr wrap="square" rtlCol="0">
-            <a:spAutoFit/>
-          </a:bodyPr>
-          <a:lstStyle/>
-          <a:p>
-            <a:pPr algn="ctr"/>
-            <a:endParaRPr lang="en-GB" sz="900" dirty="0"/>
-          </a:p>
-        </p:txBody>
-      </p:sp>
-      <p:sp>
-        <p:nvSpPr>
-          <p:cNvPr id="158" name="TextBox 157"/>
-          <p:cNvSpPr txBox="1"/>
-          <p:nvPr/>
-        </p:nvSpPr>
-        <p:spPr>
-          <a:xfrm>
-            <a:off x="5083121" y="3171656"/>
-            <a:ext cx="613042" cy="230832"/>
-          </a:xfrm>
-          <a:prstGeom prst="rect">
-            <a:avLst/>
-          </a:prstGeom>
-          <a:noFill/>
-          <a:ln w="3175">
-            <a:solidFill>
-              <a:schemeClr val="tx1"/>
-            </a:solidFill>
-          </a:ln>
-        </p:spPr>
-        <p:txBody>
-          <a:bodyPr wrap="square" rtlCol="0">
-            <a:spAutoFit/>
-          </a:bodyPr>
-          <a:lstStyle/>
-          <a:p>
-            <a:pPr algn="ctr"/>
-            <a:r>
-              <a:rPr lang="en-GB" sz="900" dirty="0" smtClean="0"/>
-              <a:t>father</a:t>
-            </a:r>
-            <a:endParaRPr lang="en-GB" sz="900" dirty="0"/>
-          </a:p>
-        </p:txBody>
-      </p:sp>
-      <p:sp>
-        <p:nvSpPr>
-          <p:cNvPr id="159" name="TextBox 158"/>
-          <p:cNvSpPr txBox="1"/>
-          <p:nvPr/>
-        </p:nvSpPr>
-        <p:spPr>
-          <a:xfrm>
-            <a:off x="5083121" y="3402488"/>
-            <a:ext cx="1260140" cy="230832"/>
-          </a:xfrm>
-          <a:prstGeom prst="rect">
-            <a:avLst/>
-          </a:prstGeom>
-          <a:noFill/>
-          <a:ln w="3175">
-            <a:solidFill>
-              <a:schemeClr val="tx1"/>
-            </a:solidFill>
-          </a:ln>
-        </p:spPr>
-        <p:txBody>
-          <a:bodyPr wrap="square" rtlCol="0">
-            <a:spAutoFit/>
-          </a:bodyPr>
-          <a:lstStyle/>
-          <a:p>
-            <a:pPr algn="ctr"/>
-            <a:endParaRPr lang="en-GB" sz="900" dirty="0"/>
-          </a:p>
-        </p:txBody>
-      </p:sp>
-      <p:sp>
-        <p:nvSpPr>
-          <p:cNvPr id="160" name="TextBox 159"/>
-          <p:cNvSpPr txBox="1"/>
-          <p:nvPr/>
-        </p:nvSpPr>
-        <p:spPr>
-          <a:xfrm>
-            <a:off x="5803201" y="3171656"/>
-            <a:ext cx="540060" cy="230832"/>
-          </a:xfrm>
-          <a:prstGeom prst="rect">
-            <a:avLst/>
-          </a:prstGeom>
-          <a:noFill/>
-          <a:ln w="3175">
-            <a:solidFill>
-              <a:schemeClr val="tx1"/>
-            </a:solidFill>
-          </a:ln>
-        </p:spPr>
-        <p:txBody>
-          <a:bodyPr wrap="square" rtlCol="0">
-            <a:spAutoFit/>
-          </a:bodyPr>
-          <a:lstStyle/>
-          <a:p>
-            <a:pPr algn="ctr"/>
-            <a:r>
-              <a:rPr lang="en-GB" sz="900" dirty="0" smtClean="0"/>
-              <a:t>person</a:t>
-            </a:r>
-            <a:endParaRPr lang="en-GB" sz="900" dirty="0"/>
-          </a:p>
-        </p:txBody>
-      </p:sp>
-      <p:cxnSp>
-        <p:nvCxnSpPr>
-          <p:cNvPr id="162" name="Curved Connector 161"/>
-          <p:cNvCxnSpPr>
-            <a:stCxn id="126" idx="3"/>
-            <a:endCxn id="148" idx="1"/>
-          </p:cNvCxnSpPr>
-          <p:nvPr/>
-        </p:nvCxnSpPr>
-        <p:spPr>
-          <a:xfrm>
-            <a:off x="2540006" y="2551425"/>
-            <a:ext cx="2435103" cy="419258"/>
-          </a:xfrm>
-          <a:prstGeom prst="curvedConnector3">
-            <a:avLst/>
-          </a:prstGeom>
-          <a:ln>
-            <a:tailEnd type="arrow"/>
-          </a:ln>
-        </p:spPr>
-        <p:style>
-          <a:lnRef idx="1">
-            <a:schemeClr val="accent1"/>
-          </a:lnRef>
-          <a:fillRef idx="0">
-            <a:schemeClr val="accent1"/>
-          </a:fillRef>
-          <a:effectRef idx="0">
-            <a:schemeClr val="accent1"/>
-          </a:effectRef>
-          <a:fontRef idx="minor">
-            <a:schemeClr val="tx1"/>
-          </a:fontRef>
-        </p:style>
-      </p:cxnSp>
-      <p:sp>
-        <p:nvSpPr>
-          <p:cNvPr id="167" name="TextBox 166"/>
-          <p:cNvSpPr txBox="1"/>
-          <p:nvPr/>
-        </p:nvSpPr>
-        <p:spPr>
-          <a:xfrm>
-            <a:off x="6915262" y="2513749"/>
-            <a:ext cx="1440160" cy="3016210"/>
-          </a:xfrm>
-          <a:prstGeom prst="rect">
-            <a:avLst/>
-          </a:prstGeom>
-          <a:noFill/>
-          <a:ln w="3175">
-            <a:solidFill>
-              <a:schemeClr val="tx1"/>
-            </a:solidFill>
-          </a:ln>
-        </p:spPr>
-        <p:txBody>
-          <a:bodyPr wrap="square" rtlCol="0">
-            <a:spAutoFit/>
-          </a:bodyPr>
-          <a:lstStyle/>
-          <a:p>
-            <a:pPr algn="ctr"/>
-            <a:r>
-              <a:rPr lang="en-GB" sz="1000" dirty="0" smtClean="0"/>
-              <a:t>Student</a:t>
-            </a:r>
-          </a:p>
-          <a:p>
-            <a:pPr algn="ctr"/>
-            <a:endParaRPr lang="en-GB" sz="1000" dirty="0"/>
-          </a:p>
-          <a:p>
-            <a:pPr algn="ctr"/>
-            <a:endParaRPr lang="en-GB" sz="1000" dirty="0" smtClean="0"/>
-          </a:p>
-          <a:p>
-            <a:pPr algn="ctr"/>
-            <a:endParaRPr lang="en-GB" sz="1000" dirty="0"/>
-          </a:p>
-          <a:p>
-            <a:pPr algn="ctr"/>
-            <a:endParaRPr lang="en-GB" sz="1000" dirty="0" smtClean="0"/>
-          </a:p>
-          <a:p>
-            <a:pPr algn="ctr"/>
-            <a:endParaRPr lang="en-GB" sz="1000" dirty="0"/>
-          </a:p>
-          <a:p>
-            <a:pPr algn="ctr"/>
-            <a:endParaRPr lang="en-GB" sz="1000" dirty="0" smtClean="0"/>
-          </a:p>
-          <a:p>
-            <a:pPr algn="ctr"/>
-            <a:endParaRPr lang="en-GB" sz="1000" dirty="0" smtClean="0"/>
-          </a:p>
-          <a:p>
-            <a:pPr algn="ctr"/>
-            <a:endParaRPr lang="en-GB" sz="1000" dirty="0"/>
-          </a:p>
-          <a:p>
-            <a:pPr algn="ctr"/>
-            <a:endParaRPr lang="en-GB" sz="1000" dirty="0" smtClean="0"/>
-          </a:p>
-          <a:p>
-            <a:pPr algn="ctr"/>
-            <a:endParaRPr lang="en-GB" sz="1000" dirty="0"/>
-          </a:p>
-          <a:p>
-            <a:pPr algn="ctr"/>
-            <a:endParaRPr lang="en-GB" sz="1000" dirty="0" smtClean="0"/>
-          </a:p>
-          <a:p>
-            <a:pPr algn="ctr"/>
-            <a:endParaRPr lang="en-GB" sz="1000" dirty="0" smtClean="0"/>
-          </a:p>
-          <a:p>
-            <a:pPr algn="ctr"/>
-            <a:endParaRPr lang="en-GB" sz="1000" dirty="0" smtClean="0"/>
-          </a:p>
-          <a:p>
-            <a:pPr algn="ctr"/>
-            <a:endParaRPr lang="en-GB" sz="1000" dirty="0" smtClean="0"/>
-          </a:p>
-          <a:p>
-            <a:pPr algn="ctr"/>
-            <a:endParaRPr lang="en-GB" sz="1000" dirty="0"/>
-          </a:p>
-          <a:p>
-            <a:pPr algn="ctr"/>
-            <a:endParaRPr lang="en-GB" sz="1000" dirty="0" smtClean="0"/>
-          </a:p>
-          <a:p>
-            <a:pPr algn="ctr"/>
-            <a:endParaRPr lang="en-GB" sz="1000" dirty="0"/>
-          </a:p>
-          <a:p>
-            <a:pPr algn="ctr"/>
-            <a:endParaRPr lang="en-GB" sz="1000" dirty="0"/>
-          </a:p>
-        </p:txBody>
-      </p:sp>
-      <p:sp>
-        <p:nvSpPr>
-          <p:cNvPr id="168" name="TextBox 167"/>
-          <p:cNvSpPr txBox="1"/>
-          <p:nvPr/>
-        </p:nvSpPr>
-        <p:spPr>
-          <a:xfrm>
-            <a:off x="7713354" y="3513135"/>
-            <a:ext cx="570060" cy="239557"/>
-          </a:xfrm>
-          <a:prstGeom prst="rect">
-            <a:avLst/>
-          </a:prstGeom>
-          <a:noFill/>
-          <a:ln w="3175">
-            <a:solidFill>
-              <a:schemeClr val="tx1"/>
-            </a:solidFill>
-          </a:ln>
-        </p:spPr>
-        <p:txBody>
-          <a:bodyPr wrap="square" rtlCol="0">
-            <a:spAutoFit/>
-          </a:bodyPr>
-          <a:lstStyle/>
-          <a:p>
-            <a:pPr algn="ctr"/>
-            <a:r>
-              <a:rPr lang="en-GB" sz="900" dirty="0" smtClean="0"/>
-              <a:t>string</a:t>
-            </a:r>
-            <a:endParaRPr lang="en-GB" sz="900" dirty="0"/>
-          </a:p>
-        </p:txBody>
-      </p:sp>
-      <p:sp>
-        <p:nvSpPr>
-          <p:cNvPr id="169" name="TextBox 168"/>
-          <p:cNvSpPr txBox="1"/>
-          <p:nvPr/>
-        </p:nvSpPr>
-        <p:spPr>
-          <a:xfrm>
-            <a:off x="7023274" y="3521861"/>
-            <a:ext cx="613042" cy="230832"/>
-          </a:xfrm>
-          <a:prstGeom prst="rect">
-            <a:avLst/>
-          </a:prstGeom>
-          <a:noFill/>
-          <a:ln w="3175">
-            <a:solidFill>
-              <a:schemeClr val="tx1"/>
-            </a:solidFill>
-          </a:ln>
-        </p:spPr>
-        <p:txBody>
-          <a:bodyPr wrap="square" rtlCol="0">
-            <a:spAutoFit/>
-          </a:bodyPr>
-          <a:lstStyle/>
-          <a:p>
-            <a:pPr algn="ctr"/>
-            <a:r>
-              <a:rPr lang="en-GB" sz="900" dirty="0" smtClean="0"/>
-              <a:t>name</a:t>
-            </a:r>
-            <a:endParaRPr lang="en-GB" sz="900" dirty="0"/>
-          </a:p>
-        </p:txBody>
-      </p:sp>
-      <p:sp>
-        <p:nvSpPr>
-          <p:cNvPr id="170" name="TextBox 169"/>
-          <p:cNvSpPr txBox="1"/>
-          <p:nvPr/>
-        </p:nvSpPr>
-        <p:spPr>
-          <a:xfrm>
-            <a:off x="7023274" y="3752693"/>
-            <a:ext cx="1260140" cy="230832"/>
-          </a:xfrm>
-          <a:prstGeom prst="rect">
-            <a:avLst/>
-          </a:prstGeom>
-          <a:noFill/>
-          <a:ln w="3175">
-            <a:solidFill>
-              <a:schemeClr val="tx1"/>
-            </a:solidFill>
-          </a:ln>
-        </p:spPr>
-        <p:txBody>
-          <a:bodyPr wrap="square" rtlCol="0">
-            <a:spAutoFit/>
-          </a:bodyPr>
-          <a:lstStyle/>
-          <a:p>
-            <a:pPr algn="ctr"/>
-            <a:endParaRPr lang="en-GB" sz="900" dirty="0"/>
-          </a:p>
-        </p:txBody>
-      </p:sp>
-      <p:sp>
-        <p:nvSpPr>
-          <p:cNvPr id="171" name="TextBox 170"/>
-          <p:cNvSpPr txBox="1"/>
-          <p:nvPr/>
-        </p:nvSpPr>
-        <p:spPr>
-          <a:xfrm>
-            <a:off x="7954348" y="2895459"/>
-            <a:ext cx="329066" cy="230832"/>
-          </a:xfrm>
-          <a:prstGeom prst="rect">
-            <a:avLst/>
-          </a:prstGeom>
-          <a:noFill/>
-          <a:ln w="3175">
-            <a:solidFill>
-              <a:schemeClr val="tx1"/>
-            </a:solidFill>
-          </a:ln>
-        </p:spPr>
-        <p:txBody>
-          <a:bodyPr wrap="square" rtlCol="0">
-            <a:spAutoFit/>
-          </a:bodyPr>
-          <a:lstStyle/>
-          <a:p>
-            <a:pPr algn="ctr"/>
-            <a:r>
-              <a:rPr lang="en-GB" sz="900" dirty="0" err="1" smtClean="0"/>
-              <a:t>int</a:t>
-            </a:r>
-            <a:endParaRPr lang="en-GB" sz="900" dirty="0"/>
-          </a:p>
-        </p:txBody>
-      </p:sp>
-      <p:sp>
-        <p:nvSpPr>
-          <p:cNvPr id="172" name="TextBox 171"/>
-          <p:cNvSpPr txBox="1"/>
-          <p:nvPr/>
-        </p:nvSpPr>
-        <p:spPr>
-          <a:xfrm>
-            <a:off x="7023274" y="2895854"/>
-            <a:ext cx="613042" cy="230832"/>
-          </a:xfrm>
-          <a:prstGeom prst="rect">
-            <a:avLst/>
-          </a:prstGeom>
-          <a:noFill/>
-          <a:ln w="3175">
-            <a:solidFill>
-              <a:schemeClr val="tx1"/>
-            </a:solidFill>
-          </a:ln>
-        </p:spPr>
-        <p:txBody>
-          <a:bodyPr wrap="square" rtlCol="0">
-            <a:spAutoFit/>
-          </a:bodyPr>
-          <a:lstStyle/>
-          <a:p>
-            <a:pPr algn="ctr"/>
-            <a:r>
-              <a:rPr lang="en-GB" sz="900" dirty="0" smtClean="0"/>
-              <a:t>age</a:t>
-            </a:r>
-            <a:endParaRPr lang="en-GB" sz="900" dirty="0"/>
-          </a:p>
-        </p:txBody>
-      </p:sp>
-      <p:sp>
-        <p:nvSpPr>
-          <p:cNvPr id="173" name="TextBox 172"/>
-          <p:cNvSpPr txBox="1"/>
-          <p:nvPr/>
-        </p:nvSpPr>
-        <p:spPr>
-          <a:xfrm>
-            <a:off x="7023274" y="3126686"/>
-            <a:ext cx="1260140" cy="230832"/>
-          </a:xfrm>
-          <a:prstGeom prst="rect">
-            <a:avLst/>
-          </a:prstGeom>
-          <a:noFill/>
-          <a:ln w="3175">
-            <a:solidFill>
-              <a:schemeClr val="tx1"/>
-            </a:solidFill>
-          </a:ln>
-        </p:spPr>
-        <p:txBody>
-          <a:bodyPr wrap="square" rtlCol="0">
-            <a:spAutoFit/>
-          </a:bodyPr>
-          <a:lstStyle/>
-          <a:p>
-            <a:pPr algn="ctr"/>
-            <a:r>
-              <a:rPr lang="en-GB" sz="900" dirty="0" smtClean="0"/>
-              <a:t>5</a:t>
-            </a:r>
-            <a:endParaRPr lang="en-GB" sz="900" dirty="0"/>
-          </a:p>
-        </p:txBody>
-      </p:sp>
-      <p:sp>
-        <p:nvSpPr>
-          <p:cNvPr id="177" name="TextBox 176"/>
-          <p:cNvSpPr txBox="1"/>
-          <p:nvPr/>
-        </p:nvSpPr>
-        <p:spPr>
-          <a:xfrm>
-            <a:off x="7023274" y="4222827"/>
-            <a:ext cx="613042" cy="230832"/>
-          </a:xfrm>
-          <a:prstGeom prst="rect">
-            <a:avLst/>
-          </a:prstGeom>
-          <a:noFill/>
-          <a:ln w="3175">
-            <a:solidFill>
-              <a:schemeClr val="tx1"/>
-            </a:solidFill>
-          </a:ln>
-        </p:spPr>
-        <p:txBody>
-          <a:bodyPr wrap="square" rtlCol="0">
-            <a:spAutoFit/>
-          </a:bodyPr>
-          <a:lstStyle/>
-          <a:p>
-            <a:pPr algn="ctr"/>
-            <a:r>
-              <a:rPr lang="en-GB" sz="900" dirty="0" smtClean="0"/>
-              <a:t>father</a:t>
-            </a:r>
-            <a:endParaRPr lang="en-GB" sz="900" dirty="0"/>
-          </a:p>
-        </p:txBody>
-      </p:sp>
-      <p:sp>
-        <p:nvSpPr>
-          <p:cNvPr id="178" name="TextBox 177"/>
-          <p:cNvSpPr txBox="1"/>
-          <p:nvPr/>
-        </p:nvSpPr>
-        <p:spPr>
-          <a:xfrm>
-            <a:off x="7023274" y="4453659"/>
-            <a:ext cx="1260140" cy="230832"/>
-          </a:xfrm>
-          <a:prstGeom prst="rect">
-            <a:avLst/>
-          </a:prstGeom>
-          <a:noFill/>
-          <a:ln w="3175">
-            <a:solidFill>
-              <a:schemeClr val="tx1"/>
-            </a:solidFill>
-          </a:ln>
-        </p:spPr>
-        <p:txBody>
-          <a:bodyPr wrap="square" rtlCol="0">
-            <a:spAutoFit/>
-          </a:bodyPr>
-          <a:lstStyle/>
-          <a:p>
-            <a:pPr algn="ctr"/>
-            <a:endParaRPr lang="en-GB" sz="900" dirty="0"/>
-          </a:p>
-        </p:txBody>
-      </p:sp>
-      <p:sp>
-        <p:nvSpPr>
-          <p:cNvPr id="179" name="TextBox 178"/>
-          <p:cNvSpPr txBox="1"/>
-          <p:nvPr/>
-        </p:nvSpPr>
-        <p:spPr>
-          <a:xfrm>
-            <a:off x="7743354" y="4222827"/>
-            <a:ext cx="540060" cy="230832"/>
-          </a:xfrm>
-          <a:prstGeom prst="rect">
-            <a:avLst/>
-          </a:prstGeom>
-          <a:noFill/>
-          <a:ln w="3175">
-            <a:solidFill>
-              <a:schemeClr val="tx1"/>
-            </a:solidFill>
-          </a:ln>
-        </p:spPr>
-        <p:txBody>
-          <a:bodyPr wrap="square" rtlCol="0">
-            <a:spAutoFit/>
-          </a:bodyPr>
-          <a:lstStyle/>
-          <a:p>
-            <a:pPr algn="ctr"/>
-            <a:r>
-              <a:rPr lang="en-GB" sz="900" dirty="0" smtClean="0"/>
-              <a:t>person</a:t>
-            </a:r>
-            <a:endParaRPr lang="en-GB" sz="900" dirty="0"/>
-          </a:p>
-        </p:txBody>
-      </p:sp>
-      <p:sp>
-        <p:nvSpPr>
-          <p:cNvPr id="180" name="TextBox 179"/>
-          <p:cNvSpPr txBox="1"/>
-          <p:nvPr/>
-        </p:nvSpPr>
-        <p:spPr>
-          <a:xfrm>
-            <a:off x="1779967" y="2887925"/>
-            <a:ext cx="755110" cy="215444"/>
-          </a:xfrm>
-          <a:prstGeom prst="rect">
-            <a:avLst/>
-          </a:prstGeom>
-          <a:noFill/>
-          <a:ln w="3175">
-            <a:solidFill>
-              <a:schemeClr val="tx1"/>
-            </a:solidFill>
-          </a:ln>
-        </p:spPr>
-        <p:txBody>
-          <a:bodyPr wrap="square" rtlCol="0">
-            <a:spAutoFit/>
-          </a:bodyPr>
-          <a:lstStyle/>
-          <a:p>
-            <a:pPr algn="ctr"/>
-            <a:r>
-              <a:rPr lang="en-GB" sz="800" dirty="0" smtClean="0"/>
-              <a:t>Person</a:t>
-            </a:r>
-            <a:endParaRPr lang="en-GB" sz="1000" dirty="0"/>
-          </a:p>
-        </p:txBody>
-      </p:sp>
-      <p:sp>
-        <p:nvSpPr>
-          <p:cNvPr id="181" name="TextBox 180"/>
-          <p:cNvSpPr txBox="1"/>
-          <p:nvPr/>
-        </p:nvSpPr>
-        <p:spPr>
-          <a:xfrm>
-            <a:off x="744779" y="2896027"/>
-            <a:ext cx="890706" cy="215444"/>
-          </a:xfrm>
-          <a:prstGeom prst="rect">
-            <a:avLst/>
-          </a:prstGeom>
-          <a:noFill/>
-          <a:ln w="3175">
-            <a:solidFill>
-              <a:schemeClr val="tx1"/>
-            </a:solidFill>
-          </a:ln>
-        </p:spPr>
-        <p:txBody>
-          <a:bodyPr wrap="square" rtlCol="0">
-            <a:spAutoFit/>
-          </a:bodyPr>
-          <a:lstStyle/>
-          <a:p>
-            <a:pPr algn="ctr"/>
-            <a:r>
-              <a:rPr lang="en-GB" sz="800" dirty="0" smtClean="0"/>
-              <a:t>Student</a:t>
-            </a:r>
-            <a:endParaRPr lang="en-GB" sz="1000" dirty="0"/>
-          </a:p>
-        </p:txBody>
-      </p:sp>
-      <p:sp>
-        <p:nvSpPr>
-          <p:cNvPr id="182" name="TextBox 181"/>
-          <p:cNvSpPr txBox="1"/>
-          <p:nvPr/>
-        </p:nvSpPr>
-        <p:spPr>
-          <a:xfrm>
-            <a:off x="733903" y="3111471"/>
-            <a:ext cx="1801174" cy="246221"/>
-          </a:xfrm>
-          <a:prstGeom prst="rect">
-            <a:avLst/>
-          </a:prstGeom>
-          <a:noFill/>
-          <a:ln w="3175">
-            <a:solidFill>
-              <a:schemeClr val="tx1"/>
-            </a:solidFill>
-          </a:ln>
-        </p:spPr>
-        <p:txBody>
-          <a:bodyPr wrap="square" rtlCol="0">
-            <a:spAutoFit/>
-          </a:bodyPr>
-          <a:lstStyle/>
-          <a:p>
-            <a:pPr algn="ctr"/>
-            <a:endParaRPr lang="en-GB" sz="1000" dirty="0"/>
-          </a:p>
-        </p:txBody>
-      </p:sp>
-      <p:sp>
-        <p:nvSpPr>
-          <p:cNvPr id="183" name="TextBox 182"/>
-          <p:cNvSpPr txBox="1"/>
-          <p:nvPr/>
-        </p:nvSpPr>
-        <p:spPr>
-          <a:xfrm>
-            <a:off x="7022300" y="4848136"/>
-            <a:ext cx="613042" cy="230832"/>
-          </a:xfrm>
-          <a:prstGeom prst="rect">
-            <a:avLst/>
-          </a:prstGeom>
-          <a:noFill/>
-          <a:ln w="3175">
-            <a:solidFill>
-              <a:schemeClr val="tx1"/>
-            </a:solidFill>
-          </a:ln>
-        </p:spPr>
-        <p:txBody>
-          <a:bodyPr wrap="square" rtlCol="0">
-            <a:spAutoFit/>
-          </a:bodyPr>
-          <a:lstStyle/>
-          <a:p>
-            <a:pPr algn="ctr"/>
-            <a:r>
-              <a:rPr lang="en-GB" sz="900" dirty="0" smtClean="0"/>
-              <a:t>mother</a:t>
-            </a:r>
-            <a:endParaRPr lang="en-GB" sz="900" dirty="0"/>
-          </a:p>
-        </p:txBody>
-      </p:sp>
-      <p:sp>
-        <p:nvSpPr>
-          <p:cNvPr id="184" name="TextBox 183"/>
-          <p:cNvSpPr txBox="1"/>
-          <p:nvPr/>
-        </p:nvSpPr>
-        <p:spPr>
-          <a:xfrm>
-            <a:off x="7022300" y="5078968"/>
-            <a:ext cx="1260140" cy="230832"/>
-          </a:xfrm>
-          <a:prstGeom prst="rect">
-            <a:avLst/>
-          </a:prstGeom>
-          <a:noFill/>
-          <a:ln w="3175">
-            <a:solidFill>
-              <a:schemeClr val="tx1"/>
-            </a:solidFill>
-          </a:ln>
-        </p:spPr>
-        <p:txBody>
-          <a:bodyPr wrap="square" rtlCol="0">
-            <a:spAutoFit/>
-          </a:bodyPr>
-          <a:lstStyle/>
-          <a:p>
-            <a:pPr algn="ctr"/>
-            <a:endParaRPr lang="en-GB" sz="900" dirty="0"/>
-          </a:p>
-        </p:txBody>
-      </p:sp>
-      <p:sp>
-        <p:nvSpPr>
-          <p:cNvPr id="185" name="TextBox 184"/>
-          <p:cNvSpPr txBox="1"/>
-          <p:nvPr/>
-        </p:nvSpPr>
-        <p:spPr>
-          <a:xfrm>
-            <a:off x="7742380" y="4848136"/>
-            <a:ext cx="540060" cy="230832"/>
-          </a:xfrm>
-          <a:prstGeom prst="rect">
-            <a:avLst/>
-          </a:prstGeom>
-          <a:noFill/>
-          <a:ln w="3175">
-            <a:solidFill>
-              <a:schemeClr val="tx1"/>
-            </a:solidFill>
-          </a:ln>
-        </p:spPr>
-        <p:txBody>
-          <a:bodyPr wrap="square" rtlCol="0">
-            <a:spAutoFit/>
-          </a:bodyPr>
-          <a:lstStyle/>
-          <a:p>
-            <a:pPr algn="ctr"/>
-            <a:r>
-              <a:rPr lang="en-GB" sz="900" dirty="0" smtClean="0"/>
-              <a:t>person</a:t>
-            </a:r>
-            <a:endParaRPr lang="en-GB" sz="900" dirty="0"/>
-          </a:p>
-        </p:txBody>
-      </p:sp>
-      <p:cxnSp>
-        <p:nvCxnSpPr>
-          <p:cNvPr id="187" name="Curved Connector 186"/>
-          <p:cNvCxnSpPr>
-            <a:stCxn id="178" idx="1"/>
-            <a:endCxn id="35" idx="3"/>
-          </p:cNvCxnSpPr>
-          <p:nvPr/>
-        </p:nvCxnSpPr>
-        <p:spPr>
-          <a:xfrm rot="10800000">
-            <a:off x="4367104" y="2218609"/>
-            <a:ext cx="2656171" cy="2350467"/>
-          </a:xfrm>
-          <a:prstGeom prst="curvedConnector3">
-            <a:avLst>
-              <a:gd name="adj1" fmla="val 8556"/>
-            </a:avLst>
           </a:prstGeom>
           <a:ln>
             <a:tailEnd type="arrow"/>
@@ -5329,26 +4282,18 @@
       </p:cxnSp>
       <p:cxnSp>
         <p:nvCxnSpPr>
-          <p:cNvPr id="190" name="Curved Connector 189"/>
-          <p:cNvCxnSpPr>
-            <a:stCxn id="184" idx="1"/>
-            <a:endCxn id="148" idx="3"/>
-          </p:cNvCxnSpPr>
+          <p:cNvPr id="20" name="Straight Connector 19"/>
+          <p:cNvCxnSpPr/>
           <p:nvPr/>
         </p:nvCxnSpPr>
         <p:spPr>
-          <a:xfrm rot="10800000">
-            <a:off x="6415270" y="2970684"/>
-            <a:ext cx="607031" cy="2223701"/>
-          </a:xfrm>
-          <a:prstGeom prst="curvedConnector3">
-            <a:avLst>
-              <a:gd name="adj1" fmla="val 50000"/>
-            </a:avLst>
-          </a:prstGeom>
-          <a:ln>
-            <a:tailEnd type="arrow"/>
-          </a:ln>
+          <a:xfrm>
+            <a:off x="107504" y="2661155"/>
+            <a:ext cx="8784976" cy="0"/>
+          </a:xfrm>
+          <a:prstGeom prst="line">
+            <a:avLst/>
+          </a:prstGeom>
         </p:spPr>
         <p:style>
           <a:lnRef idx="1">
@@ -5365,24 +4310,233 @@
           </a:fontRef>
         </p:style>
       </p:cxnSp>
+      <p:sp>
+        <p:nvSpPr>
+          <p:cNvPr id="21" name="TextBox 20"/>
+          <p:cNvSpPr txBox="1"/>
+          <p:nvPr/>
+        </p:nvSpPr>
+        <p:spPr>
+          <a:xfrm>
+            <a:off x="2060104" y="3832011"/>
+            <a:ext cx="755110" cy="307777"/>
+          </a:xfrm>
+          <a:prstGeom prst="rect">
+            <a:avLst/>
+          </a:prstGeom>
+          <a:noFill/>
+          <a:ln w="3175">
+            <a:solidFill>
+              <a:schemeClr val="tx1"/>
+            </a:solidFill>
+          </a:ln>
+        </p:spPr>
+        <p:txBody>
+          <a:bodyPr wrap="square" rtlCol="0">
+            <a:spAutoFit/>
+          </a:bodyPr>
+          <a:lstStyle/>
+          <a:p>
+            <a:pPr algn="ctr"/>
+            <a:r>
+              <a:rPr lang="en-GB" sz="1400" dirty="0" smtClean="0"/>
+              <a:t>Point</a:t>
+            </a:r>
+            <a:endParaRPr lang="en-GB" dirty="0"/>
+          </a:p>
+        </p:txBody>
+      </p:sp>
+      <p:sp>
+        <p:nvSpPr>
+          <p:cNvPr id="22" name="TextBox 21"/>
+          <p:cNvSpPr txBox="1"/>
+          <p:nvPr/>
+        </p:nvSpPr>
+        <p:spPr>
+          <a:xfrm>
+            <a:off x="1015014" y="3832011"/>
+            <a:ext cx="900100" cy="307777"/>
+          </a:xfrm>
+          <a:prstGeom prst="rect">
+            <a:avLst/>
+          </a:prstGeom>
+          <a:noFill/>
+          <a:ln w="3175">
+            <a:solidFill>
+              <a:schemeClr val="tx1"/>
+            </a:solidFill>
+          </a:ln>
+        </p:spPr>
+        <p:txBody>
+          <a:bodyPr wrap="square" rtlCol="0">
+            <a:spAutoFit/>
+          </a:bodyPr>
+          <a:lstStyle/>
+          <a:p>
+            <a:pPr algn="ctr"/>
+            <a:r>
+              <a:rPr lang="en-GB" sz="1400" dirty="0" smtClean="0"/>
+              <a:t>Point</a:t>
+            </a:r>
+            <a:endParaRPr lang="en-GB" dirty="0"/>
+          </a:p>
+        </p:txBody>
+      </p:sp>
+      <p:sp>
+        <p:nvSpPr>
+          <p:cNvPr id="23" name="TextBox 22"/>
+          <p:cNvSpPr txBox="1"/>
+          <p:nvPr/>
+        </p:nvSpPr>
+        <p:spPr>
+          <a:xfrm>
+            <a:off x="1015014" y="4139788"/>
+            <a:ext cx="1794358" cy="369332"/>
+          </a:xfrm>
+          <a:prstGeom prst="rect">
+            <a:avLst/>
+          </a:prstGeom>
+          <a:noFill/>
+          <a:ln w="3175">
+            <a:solidFill>
+              <a:schemeClr val="tx1"/>
+            </a:solidFill>
+          </a:ln>
+        </p:spPr>
+        <p:txBody>
+          <a:bodyPr wrap="square" rtlCol="0">
+            <a:spAutoFit/>
+          </a:bodyPr>
+          <a:lstStyle/>
+          <a:p>
+            <a:pPr algn="ctr"/>
+            <a:endParaRPr lang="en-GB" dirty="0"/>
+          </a:p>
+        </p:txBody>
+      </p:sp>
+      <p:sp>
+        <p:nvSpPr>
+          <p:cNvPr id="24" name="TextBox 23"/>
+          <p:cNvSpPr txBox="1"/>
+          <p:nvPr/>
+        </p:nvSpPr>
+        <p:spPr>
+          <a:xfrm>
+            <a:off x="2167142" y="2895907"/>
+            <a:ext cx="648072" cy="307777"/>
+          </a:xfrm>
+          <a:prstGeom prst="rect">
+            <a:avLst/>
+          </a:prstGeom>
+          <a:noFill/>
+          <a:ln w="3175">
+            <a:solidFill>
+              <a:schemeClr val="tx1"/>
+            </a:solidFill>
+          </a:ln>
+        </p:spPr>
+        <p:txBody>
+          <a:bodyPr wrap="square" rtlCol="0">
+            <a:spAutoFit/>
+          </a:bodyPr>
+          <a:lstStyle/>
+          <a:p>
+            <a:pPr algn="ctr"/>
+            <a:r>
+              <a:rPr lang="en-GB" sz="1400" dirty="0" err="1" smtClean="0"/>
+              <a:t>int</a:t>
+            </a:r>
+            <a:endParaRPr lang="en-GB" sz="1400" dirty="0"/>
+          </a:p>
+        </p:txBody>
+      </p:sp>
+      <p:sp>
+        <p:nvSpPr>
+          <p:cNvPr id="25" name="TextBox 24"/>
+          <p:cNvSpPr txBox="1"/>
+          <p:nvPr/>
+        </p:nvSpPr>
+        <p:spPr>
+          <a:xfrm>
+            <a:off x="1015014" y="2895907"/>
+            <a:ext cx="757058" cy="307777"/>
+          </a:xfrm>
+          <a:prstGeom prst="rect">
+            <a:avLst/>
+          </a:prstGeom>
+          <a:noFill/>
+          <a:ln w="3175">
+            <a:solidFill>
+              <a:schemeClr val="tx1"/>
+            </a:solidFill>
+          </a:ln>
+        </p:spPr>
+        <p:txBody>
+          <a:bodyPr wrap="square" rtlCol="0">
+            <a:spAutoFit/>
+          </a:bodyPr>
+          <a:lstStyle/>
+          <a:p>
+            <a:pPr algn="ctr"/>
+            <a:r>
+              <a:rPr lang="en-GB" sz="1400" dirty="0" smtClean="0"/>
+              <a:t>n</a:t>
+            </a:r>
+            <a:endParaRPr lang="en-GB" sz="1400" dirty="0"/>
+          </a:p>
+        </p:txBody>
+      </p:sp>
+      <p:sp>
+        <p:nvSpPr>
+          <p:cNvPr id="26" name="TextBox 25"/>
+          <p:cNvSpPr txBox="1"/>
+          <p:nvPr/>
+        </p:nvSpPr>
+        <p:spPr>
+          <a:xfrm>
+            <a:off x="1015988" y="3203684"/>
+            <a:ext cx="1800200" cy="307777"/>
+          </a:xfrm>
+          <a:prstGeom prst="rect">
+            <a:avLst/>
+          </a:prstGeom>
+          <a:noFill/>
+          <a:ln w="3175">
+            <a:solidFill>
+              <a:schemeClr val="tx1"/>
+            </a:solidFill>
+          </a:ln>
+        </p:spPr>
+        <p:txBody>
+          <a:bodyPr wrap="square" rtlCol="0">
+            <a:spAutoFit/>
+          </a:bodyPr>
+          <a:lstStyle/>
+          <a:p>
+            <a:pPr algn="ctr"/>
+            <a:r>
+              <a:rPr lang="en-GB" sz="1400" dirty="0"/>
+              <a:t>0</a:t>
+            </a:r>
+          </a:p>
+        </p:txBody>
+      </p:sp>
       <p:cxnSp>
         <p:nvCxnSpPr>
-          <p:cNvPr id="195" name="Curved Connector 194"/>
+          <p:cNvPr id="27" name="Curved Connector 26"/>
           <p:cNvCxnSpPr>
-            <a:stCxn id="182" idx="3"/>
-            <a:endCxn id="167" idx="1"/>
+            <a:stCxn id="23" idx="3"/>
+            <a:endCxn id="6" idx="1"/>
           </p:cNvCxnSpPr>
           <p:nvPr/>
         </p:nvCxnSpPr>
         <p:spPr>
-          <a:xfrm>
-            <a:off x="2535077" y="3234582"/>
-            <a:ext cx="4380185" cy="787272"/>
+          <a:xfrm flipV="1">
+            <a:off x="2809372" y="1672645"/>
+            <a:ext cx="3562828" cy="2651809"/>
           </a:xfrm>
           <a:prstGeom prst="curvedConnector3">
-            <a:avLst>
-              <a:gd name="adj1" fmla="val 49392"/>
-            </a:avLst>
+            <a:avLst/>
           </a:prstGeom>
           <a:ln>
             <a:tailEnd type="arrow"/>
@@ -5405,454 +4559,38 @@
       </p:cxnSp>
       <p:sp>
         <p:nvSpPr>
-          <p:cNvPr id="203" name="TextBox 202"/>
-          <p:cNvSpPr txBox="1"/>
-          <p:nvPr/>
-        </p:nvSpPr>
-        <p:spPr>
-          <a:xfrm>
-            <a:off x="7697599" y="826928"/>
-            <a:ext cx="571034" cy="230832"/>
-          </a:xfrm>
-          <a:prstGeom prst="rect">
-            <a:avLst/>
-          </a:prstGeom>
-          <a:noFill/>
-          <a:ln w="3175">
-            <a:solidFill>
-              <a:schemeClr val="tx1"/>
-            </a:solidFill>
-          </a:ln>
-        </p:spPr>
-        <p:txBody>
-          <a:bodyPr wrap="square" rtlCol="0">
-            <a:spAutoFit/>
-          </a:bodyPr>
-          <a:lstStyle/>
-          <a:p>
-            <a:pPr algn="ctr"/>
-            <a:r>
-              <a:rPr lang="en-GB" sz="900" dirty="0" smtClean="0"/>
-              <a:t>string</a:t>
-            </a:r>
-            <a:endParaRPr lang="en-GB" sz="900" dirty="0"/>
-          </a:p>
-        </p:txBody>
-      </p:sp>
-      <p:sp>
-        <p:nvSpPr>
-          <p:cNvPr id="204" name="TextBox 203"/>
-          <p:cNvSpPr txBox="1"/>
-          <p:nvPr/>
-        </p:nvSpPr>
-        <p:spPr>
-          <a:xfrm>
-            <a:off x="7007519" y="826568"/>
-            <a:ext cx="613042" cy="230832"/>
-          </a:xfrm>
-          <a:prstGeom prst="rect">
-            <a:avLst/>
-          </a:prstGeom>
-          <a:noFill/>
-          <a:ln w="3175">
-            <a:solidFill>
-              <a:schemeClr val="tx1"/>
-            </a:solidFill>
-          </a:ln>
-        </p:spPr>
-        <p:txBody>
-          <a:bodyPr wrap="square" rtlCol="0">
-            <a:spAutoFit/>
-          </a:bodyPr>
-          <a:lstStyle/>
-          <a:p>
-            <a:pPr algn="ctr"/>
-            <a:r>
-              <a:rPr lang="en-GB" sz="900" dirty="0" smtClean="0"/>
-              <a:t>name</a:t>
-            </a:r>
-            <a:endParaRPr lang="en-GB" sz="900" dirty="0"/>
-          </a:p>
-        </p:txBody>
-      </p:sp>
-      <p:sp>
-        <p:nvSpPr>
-          <p:cNvPr id="205" name="TextBox 204"/>
-          <p:cNvSpPr txBox="1"/>
-          <p:nvPr/>
-        </p:nvSpPr>
-        <p:spPr>
-          <a:xfrm>
-            <a:off x="7007519" y="1057400"/>
-            <a:ext cx="1260140" cy="230832"/>
-          </a:xfrm>
-          <a:prstGeom prst="rect">
-            <a:avLst/>
-          </a:prstGeom>
-          <a:noFill/>
-          <a:ln w="3175">
-            <a:solidFill>
-              <a:schemeClr val="tx1"/>
-            </a:solidFill>
-          </a:ln>
-        </p:spPr>
-        <p:txBody>
-          <a:bodyPr wrap="square" rtlCol="0">
-            <a:spAutoFit/>
-          </a:bodyPr>
-          <a:lstStyle/>
-          <a:p>
-            <a:pPr algn="ctr"/>
-            <a:r>
-              <a:rPr lang="en-GB" sz="900" dirty="0" smtClean="0"/>
-              <a:t>“John Smith”</a:t>
-            </a:r>
-            <a:endParaRPr lang="en-GB" sz="900" dirty="0"/>
-          </a:p>
-        </p:txBody>
-      </p:sp>
-      <p:cxnSp>
-        <p:nvCxnSpPr>
-          <p:cNvPr id="207" name="Curved Connector 206"/>
-          <p:cNvCxnSpPr>
-            <a:stCxn id="40" idx="3"/>
-            <a:endCxn id="205" idx="1"/>
-          </p:cNvCxnSpPr>
-          <p:nvPr/>
-        </p:nvCxnSpPr>
-        <p:spPr>
-          <a:xfrm flipV="1">
-            <a:off x="4295095" y="1172816"/>
-            <a:ext cx="2712424" cy="892047"/>
-          </a:xfrm>
-          <a:prstGeom prst="curvedConnector3">
-            <a:avLst>
-              <a:gd name="adj1" fmla="val 15634"/>
-            </a:avLst>
-          </a:prstGeom>
-          <a:ln>
-            <a:tailEnd type="arrow"/>
-          </a:ln>
-        </p:spPr>
-        <p:style>
-          <a:lnRef idx="1">
-            <a:schemeClr val="accent1"/>
-          </a:lnRef>
-          <a:fillRef idx="0">
-            <a:schemeClr val="accent1"/>
-          </a:fillRef>
-          <a:effectRef idx="0">
-            <a:schemeClr val="accent1"/>
-          </a:effectRef>
-          <a:fontRef idx="minor">
-            <a:schemeClr val="tx1"/>
-          </a:fontRef>
-        </p:style>
-      </p:cxnSp>
-      <p:sp>
-        <p:nvSpPr>
-          <p:cNvPr id="208" name="TextBox 207"/>
-          <p:cNvSpPr txBox="1"/>
-          <p:nvPr/>
-        </p:nvSpPr>
-        <p:spPr>
-          <a:xfrm>
-            <a:off x="7697599" y="1449565"/>
-            <a:ext cx="571034" cy="230832"/>
-          </a:xfrm>
-          <a:prstGeom prst="rect">
-            <a:avLst/>
-          </a:prstGeom>
-          <a:noFill/>
-          <a:ln w="3175">
-            <a:solidFill>
-              <a:schemeClr val="tx1"/>
-            </a:solidFill>
-          </a:ln>
-        </p:spPr>
-        <p:txBody>
-          <a:bodyPr wrap="square" rtlCol="0">
-            <a:spAutoFit/>
-          </a:bodyPr>
-          <a:lstStyle/>
-          <a:p>
-            <a:pPr algn="ctr"/>
-            <a:r>
-              <a:rPr lang="en-GB" sz="900" dirty="0" smtClean="0"/>
-              <a:t>string</a:t>
-            </a:r>
-            <a:endParaRPr lang="en-GB" sz="900" dirty="0"/>
-          </a:p>
-        </p:txBody>
-      </p:sp>
-      <p:sp>
-        <p:nvSpPr>
-          <p:cNvPr id="209" name="TextBox 208"/>
-          <p:cNvSpPr txBox="1"/>
-          <p:nvPr/>
-        </p:nvSpPr>
-        <p:spPr>
-          <a:xfrm>
-            <a:off x="7007519" y="1449205"/>
-            <a:ext cx="613042" cy="230832"/>
-          </a:xfrm>
-          <a:prstGeom prst="rect">
-            <a:avLst/>
-          </a:prstGeom>
-          <a:noFill/>
-          <a:ln w="3175">
-            <a:solidFill>
-              <a:schemeClr val="tx1"/>
-            </a:solidFill>
-          </a:ln>
-        </p:spPr>
-        <p:txBody>
-          <a:bodyPr wrap="square" rtlCol="0">
-            <a:spAutoFit/>
-          </a:bodyPr>
-          <a:lstStyle/>
-          <a:p>
-            <a:pPr algn="ctr"/>
-            <a:r>
-              <a:rPr lang="en-GB" sz="900" dirty="0" smtClean="0"/>
-              <a:t>name</a:t>
-            </a:r>
-            <a:endParaRPr lang="en-GB" sz="900" dirty="0"/>
-          </a:p>
-        </p:txBody>
-      </p:sp>
-      <p:sp>
-        <p:nvSpPr>
-          <p:cNvPr id="210" name="TextBox 209"/>
-          <p:cNvSpPr txBox="1"/>
-          <p:nvPr/>
-        </p:nvSpPr>
-        <p:spPr>
-          <a:xfrm>
-            <a:off x="7007519" y="1680037"/>
-            <a:ext cx="1260140" cy="230832"/>
-          </a:xfrm>
-          <a:prstGeom prst="rect">
-            <a:avLst/>
-          </a:prstGeom>
-          <a:noFill/>
-          <a:ln w="3175">
-            <a:solidFill>
-              <a:schemeClr val="tx1"/>
-            </a:solidFill>
-          </a:ln>
-        </p:spPr>
-        <p:txBody>
-          <a:bodyPr wrap="square" rtlCol="0">
-            <a:spAutoFit/>
-          </a:bodyPr>
-          <a:lstStyle/>
-          <a:p>
-            <a:pPr algn="ctr"/>
-            <a:r>
-              <a:rPr lang="en-GB" sz="900" dirty="0" smtClean="0"/>
-              <a:t>“Mary Smith”</a:t>
-            </a:r>
-            <a:endParaRPr lang="en-GB" sz="900" dirty="0"/>
-          </a:p>
-        </p:txBody>
-      </p:sp>
-      <p:cxnSp>
-        <p:nvCxnSpPr>
-          <p:cNvPr id="212" name="Curved Connector 211"/>
-          <p:cNvCxnSpPr>
-            <a:stCxn id="151" idx="3"/>
-            <a:endCxn id="210" idx="1"/>
-          </p:cNvCxnSpPr>
-          <p:nvPr/>
-        </p:nvCxnSpPr>
-        <p:spPr>
-          <a:xfrm flipV="1">
-            <a:off x="6343261" y="1795453"/>
-            <a:ext cx="664258" cy="1021485"/>
-          </a:xfrm>
-          <a:prstGeom prst="curvedConnector3">
-            <a:avLst>
-              <a:gd name="adj1" fmla="val 50000"/>
-            </a:avLst>
-          </a:prstGeom>
-          <a:ln>
-            <a:tailEnd type="arrow"/>
-          </a:ln>
-        </p:spPr>
-        <p:style>
-          <a:lnRef idx="1">
-            <a:schemeClr val="accent1"/>
-          </a:lnRef>
-          <a:fillRef idx="0">
-            <a:schemeClr val="accent1"/>
-          </a:fillRef>
-          <a:effectRef idx="0">
-            <a:schemeClr val="accent1"/>
-          </a:effectRef>
-          <a:fontRef idx="minor">
-            <a:schemeClr val="tx1"/>
-          </a:fontRef>
-        </p:style>
-      </p:cxnSp>
-      <p:sp>
-        <p:nvSpPr>
-          <p:cNvPr id="215" name="TextBox 214"/>
-          <p:cNvSpPr txBox="1"/>
-          <p:nvPr/>
-        </p:nvSpPr>
-        <p:spPr>
-          <a:xfrm>
-            <a:off x="7697599" y="2010186"/>
-            <a:ext cx="571034" cy="230832"/>
-          </a:xfrm>
-          <a:prstGeom prst="rect">
-            <a:avLst/>
-          </a:prstGeom>
-          <a:noFill/>
-          <a:ln w="3175">
-            <a:solidFill>
-              <a:schemeClr val="tx1"/>
-            </a:solidFill>
-          </a:ln>
-        </p:spPr>
-        <p:txBody>
-          <a:bodyPr wrap="square" rtlCol="0">
-            <a:spAutoFit/>
-          </a:bodyPr>
-          <a:lstStyle/>
-          <a:p>
-            <a:pPr algn="ctr"/>
-            <a:r>
-              <a:rPr lang="en-GB" sz="900" dirty="0" smtClean="0"/>
-              <a:t>string</a:t>
-            </a:r>
-            <a:endParaRPr lang="en-GB" sz="900" dirty="0"/>
-          </a:p>
-        </p:txBody>
-      </p:sp>
-      <p:sp>
-        <p:nvSpPr>
-          <p:cNvPr id="216" name="TextBox 215"/>
-          <p:cNvSpPr txBox="1"/>
-          <p:nvPr/>
-        </p:nvSpPr>
-        <p:spPr>
-          <a:xfrm>
-            <a:off x="7007519" y="2009826"/>
-            <a:ext cx="613042" cy="230832"/>
-          </a:xfrm>
-          <a:prstGeom prst="rect">
-            <a:avLst/>
-          </a:prstGeom>
-          <a:noFill/>
-          <a:ln w="3175">
-            <a:solidFill>
-              <a:schemeClr val="tx1"/>
-            </a:solidFill>
-          </a:ln>
-        </p:spPr>
-        <p:txBody>
-          <a:bodyPr wrap="square" rtlCol="0">
-            <a:spAutoFit/>
-          </a:bodyPr>
-          <a:lstStyle/>
-          <a:p>
-            <a:pPr algn="ctr"/>
-            <a:r>
-              <a:rPr lang="en-GB" sz="900" dirty="0" smtClean="0"/>
-              <a:t>name</a:t>
-            </a:r>
-            <a:endParaRPr lang="en-GB" sz="900" dirty="0"/>
-          </a:p>
-        </p:txBody>
-      </p:sp>
-      <p:sp>
-        <p:nvSpPr>
-          <p:cNvPr id="217" name="TextBox 216"/>
-          <p:cNvSpPr txBox="1"/>
-          <p:nvPr/>
-        </p:nvSpPr>
-        <p:spPr>
-          <a:xfrm>
-            <a:off x="7007519" y="2240658"/>
-            <a:ext cx="1260140" cy="230832"/>
-          </a:xfrm>
-          <a:prstGeom prst="rect">
-            <a:avLst/>
-          </a:prstGeom>
-          <a:noFill/>
-          <a:ln w="3175">
-            <a:solidFill>
-              <a:schemeClr val="tx1"/>
-            </a:solidFill>
-          </a:ln>
-        </p:spPr>
-        <p:txBody>
-          <a:bodyPr wrap="square" rtlCol="0">
-            <a:spAutoFit/>
-          </a:bodyPr>
-          <a:lstStyle/>
-          <a:p>
-            <a:pPr algn="ctr"/>
-            <a:r>
-              <a:rPr lang="en-GB" sz="900" dirty="0" smtClean="0"/>
-              <a:t>“John Smith, </a:t>
-            </a:r>
-            <a:r>
-              <a:rPr lang="en-GB" sz="900" dirty="0" err="1" smtClean="0"/>
-              <a:t>Jr</a:t>
-            </a:r>
-            <a:r>
-              <a:rPr lang="en-GB" sz="900" dirty="0" smtClean="0"/>
-              <a:t>”</a:t>
-            </a:r>
-            <a:endParaRPr lang="en-GB" sz="900" dirty="0"/>
-          </a:p>
-        </p:txBody>
-      </p:sp>
-      <p:cxnSp>
-        <p:nvCxnSpPr>
-          <p:cNvPr id="219" name="Curved Connector 218"/>
-          <p:cNvCxnSpPr>
-            <a:stCxn id="170" idx="3"/>
-            <a:endCxn id="217" idx="3"/>
-          </p:cNvCxnSpPr>
-          <p:nvPr/>
-        </p:nvCxnSpPr>
-        <p:spPr>
-          <a:xfrm flipH="1" flipV="1">
-            <a:off x="8267659" y="2356074"/>
-            <a:ext cx="15755" cy="1512035"/>
-          </a:xfrm>
-          <a:prstGeom prst="curvedConnector3">
-            <a:avLst>
-              <a:gd name="adj1" fmla="val -1450968"/>
-            </a:avLst>
-          </a:prstGeom>
-          <a:ln>
-            <a:tailEnd type="arrow"/>
-          </a:ln>
-        </p:spPr>
-        <p:style>
-          <a:lnRef idx="1">
-            <a:schemeClr val="accent1"/>
-          </a:lnRef>
-          <a:fillRef idx="0">
-            <a:schemeClr val="accent1"/>
-          </a:fillRef>
-          <a:effectRef idx="0">
-            <a:schemeClr val="accent1"/>
-          </a:effectRef>
-          <a:fontRef idx="minor">
-            <a:schemeClr val="tx1"/>
-          </a:fontRef>
-        </p:style>
-      </p:cxnSp>
+          <p:cNvPr id="28" name="TextBox 27"/>
+          <p:cNvSpPr txBox="1"/>
+          <p:nvPr/>
+        </p:nvSpPr>
+        <p:spPr>
+          <a:xfrm>
+            <a:off x="3995936" y="476672"/>
+            <a:ext cx="1512168" cy="369332"/>
+          </a:xfrm>
+          <a:prstGeom prst="rect">
+            <a:avLst/>
+          </a:prstGeom>
+          <a:noFill/>
+        </p:spPr>
+        <p:txBody>
+          <a:bodyPr wrap="square" rtlCol="0">
+            <a:spAutoFit/>
+          </a:bodyPr>
+          <a:lstStyle/>
+          <a:p>
+            <a:pPr algn="ctr"/>
+            <a:r>
+              <a:rPr lang="en-GB" dirty="0" smtClean="0"/>
+              <a:t>2.1a</a:t>
+            </a:r>
+          </a:p>
+        </p:txBody>
+      </p:sp>
     </p:spTree>
     <p:extLst>
       <p:ext uri="{BB962C8B-B14F-4D97-AF65-F5344CB8AC3E}">
-        <p14:creationId xmlns:p14="http://schemas.microsoft.com/office/powerpoint/2010/main" val="4280981398"/>
+        <p14:creationId xmlns:p14="http://schemas.microsoft.com/office/powerpoint/2010/main" val="2456716594"/>
       </p:ext>
     </p:extLst>
   </p:cSld>
@@ -5888,14 +4626,14 @@
       </p:grpSpPr>
       <p:sp>
         <p:nvSpPr>
-          <p:cNvPr id="4" name="TextBox 3"/>
-          <p:cNvSpPr txBox="1"/>
-          <p:nvPr/>
-        </p:nvSpPr>
-        <p:spPr>
-          <a:xfrm>
-            <a:off x="6084168" y="316969"/>
-            <a:ext cx="2736304" cy="5632311"/>
+          <p:cNvPr id="46" name="TextBox 45"/>
+          <p:cNvSpPr txBox="1"/>
+          <p:nvPr/>
+        </p:nvSpPr>
+        <p:spPr>
+          <a:xfrm>
+            <a:off x="2771800" y="580955"/>
+            <a:ext cx="6048672" cy="5355312"/>
           </a:xfrm>
           <a:prstGeom prst="rect">
             <a:avLst/>
@@ -5916,7 +4654,7 @@
             <a:pPr algn="ctr"/>
             <a:r>
               <a:rPr lang="en-GB" dirty="0" smtClean="0"/>
-              <a:t>HEAP</a:t>
+              <a:t>                                      HEAP</a:t>
             </a:r>
           </a:p>
           <a:p>
@@ -5991,22 +4729,18 @@
             <a:pPr algn="ctr"/>
             <a:endParaRPr lang="en-GB" dirty="0"/>
           </a:p>
-          <a:p>
-            <a:pPr algn="ctr"/>
-            <a:endParaRPr lang="en-GB" dirty="0"/>
-          </a:p>
-        </p:txBody>
-      </p:sp>
-      <p:sp>
-        <p:nvSpPr>
-          <p:cNvPr id="5" name="TextBox 4"/>
-          <p:cNvSpPr txBox="1"/>
-          <p:nvPr/>
-        </p:nvSpPr>
-        <p:spPr>
-          <a:xfrm>
-            <a:off x="539552" y="316968"/>
-            <a:ext cx="2736304" cy="5632311"/>
+        </p:txBody>
+      </p:sp>
+      <p:sp>
+        <p:nvSpPr>
+          <p:cNvPr id="54" name="TextBox 53"/>
+          <p:cNvSpPr txBox="1"/>
+          <p:nvPr/>
+        </p:nvSpPr>
+        <p:spPr>
+          <a:xfrm>
+            <a:off x="539552" y="580955"/>
+            <a:ext cx="2160240" cy="4247317"/>
           </a:xfrm>
           <a:prstGeom prst="rect">
             <a:avLst/>
@@ -6084,40 +4818,20 @@
           </a:p>
           <a:p>
             <a:pPr algn="ctr"/>
-            <a:endParaRPr lang="en-GB" dirty="0" smtClean="0"/>
-          </a:p>
-          <a:p>
-            <a:pPr algn="ctr"/>
             <a:endParaRPr lang="en-GB" dirty="0"/>
           </a:p>
-          <a:p>
-            <a:pPr algn="ctr"/>
-            <a:endParaRPr lang="en-GB" dirty="0" smtClean="0"/>
-          </a:p>
-          <a:p>
-            <a:pPr algn="ctr"/>
-            <a:endParaRPr lang="en-GB" dirty="0"/>
-          </a:p>
-          <a:p>
-            <a:pPr algn="ctr"/>
-            <a:endParaRPr lang="en-GB" dirty="0"/>
-          </a:p>
-          <a:p>
-            <a:pPr algn="ctr"/>
-            <a:endParaRPr lang="en-GB" dirty="0"/>
-          </a:p>
-        </p:txBody>
-      </p:sp>
-      <p:sp>
-        <p:nvSpPr>
-          <p:cNvPr id="6" name="TextBox 5"/>
-          <p:cNvSpPr txBox="1"/>
-          <p:nvPr/>
-        </p:nvSpPr>
-        <p:spPr>
-          <a:xfrm>
-            <a:off x="6372200" y="764704"/>
-            <a:ext cx="2160240" cy="1815882"/>
+        </p:txBody>
+      </p:sp>
+      <p:sp>
+        <p:nvSpPr>
+          <p:cNvPr id="35" name="TextBox 34"/>
+          <p:cNvSpPr txBox="1"/>
+          <p:nvPr/>
+        </p:nvSpPr>
+        <p:spPr>
+          <a:xfrm>
+            <a:off x="2926943" y="710503"/>
+            <a:ext cx="1440160" cy="3016210"/>
           </a:xfrm>
           <a:prstGeom prst="rect">
             <a:avLst/>
@@ -6137,51 +4851,94 @@
           <a:p>
             <a:pPr algn="ctr"/>
             <a:r>
-              <a:rPr lang="en-GB" sz="1400" dirty="0" err="1" smtClean="0"/>
-              <a:t>myPoint</a:t>
-            </a:r>
-            <a:endParaRPr lang="en-GB" sz="1400" dirty="0" smtClean="0"/>
-          </a:p>
-          <a:p>
-            <a:pPr algn="ctr"/>
-            <a:endParaRPr lang="en-GB" sz="1400" dirty="0" smtClean="0"/>
-          </a:p>
-          <a:p>
-            <a:pPr algn="ctr"/>
-            <a:endParaRPr lang="en-GB" sz="1400" dirty="0"/>
-          </a:p>
-          <a:p>
-            <a:pPr algn="ctr"/>
-            <a:endParaRPr lang="en-GB" sz="1400" dirty="0" smtClean="0"/>
-          </a:p>
-          <a:p>
-            <a:pPr algn="ctr"/>
-            <a:endParaRPr lang="en-GB" sz="1400" dirty="0"/>
-          </a:p>
-          <a:p>
-            <a:pPr algn="ctr"/>
-            <a:endParaRPr lang="en-GB" sz="1400" dirty="0" smtClean="0"/>
-          </a:p>
-          <a:p>
-            <a:pPr algn="ctr"/>
-            <a:endParaRPr lang="en-GB" sz="1400" dirty="0" smtClean="0"/>
-          </a:p>
-          <a:p>
-            <a:pPr algn="ctr"/>
-            <a:endParaRPr lang="en-GB" sz="1400" dirty="0"/>
-          </a:p>
-        </p:txBody>
-      </p:sp>
-      <p:sp>
-        <p:nvSpPr>
-          <p:cNvPr id="7" name="TextBox 6"/>
-          <p:cNvSpPr txBox="1"/>
-          <p:nvPr/>
-        </p:nvSpPr>
-        <p:spPr>
-          <a:xfrm>
-            <a:off x="7704348" y="1772816"/>
-            <a:ext cx="648072" cy="276999"/>
+              <a:rPr lang="en-GB" sz="1000" dirty="0" smtClean="0"/>
+              <a:t>John</a:t>
+            </a:r>
+          </a:p>
+          <a:p>
+            <a:pPr algn="ctr"/>
+            <a:endParaRPr lang="en-GB" sz="1000" dirty="0"/>
+          </a:p>
+          <a:p>
+            <a:pPr algn="ctr"/>
+            <a:endParaRPr lang="en-GB" sz="1000" dirty="0" smtClean="0"/>
+          </a:p>
+          <a:p>
+            <a:pPr algn="ctr"/>
+            <a:endParaRPr lang="en-GB" sz="1000" dirty="0"/>
+          </a:p>
+          <a:p>
+            <a:pPr algn="ctr"/>
+            <a:endParaRPr lang="en-GB" sz="1000" dirty="0" smtClean="0"/>
+          </a:p>
+          <a:p>
+            <a:pPr algn="ctr"/>
+            <a:endParaRPr lang="en-GB" sz="1000" dirty="0"/>
+          </a:p>
+          <a:p>
+            <a:pPr algn="ctr"/>
+            <a:endParaRPr lang="en-GB" sz="1000" dirty="0" smtClean="0"/>
+          </a:p>
+          <a:p>
+            <a:pPr algn="ctr"/>
+            <a:endParaRPr lang="en-GB" sz="1000" dirty="0" smtClean="0"/>
+          </a:p>
+          <a:p>
+            <a:pPr algn="ctr"/>
+            <a:endParaRPr lang="en-GB" sz="1000" dirty="0"/>
+          </a:p>
+          <a:p>
+            <a:pPr algn="ctr"/>
+            <a:endParaRPr lang="en-GB" sz="1000" dirty="0" smtClean="0"/>
+          </a:p>
+          <a:p>
+            <a:pPr algn="ctr"/>
+            <a:endParaRPr lang="en-GB" sz="1000" dirty="0"/>
+          </a:p>
+          <a:p>
+            <a:pPr algn="ctr"/>
+            <a:endParaRPr lang="en-GB" sz="1000" dirty="0" smtClean="0"/>
+          </a:p>
+          <a:p>
+            <a:pPr algn="ctr"/>
+            <a:endParaRPr lang="en-GB" sz="1000" dirty="0" smtClean="0"/>
+          </a:p>
+          <a:p>
+            <a:pPr algn="ctr"/>
+            <a:endParaRPr lang="en-GB" sz="1000" dirty="0" smtClean="0"/>
+          </a:p>
+          <a:p>
+            <a:pPr algn="ctr"/>
+            <a:endParaRPr lang="en-GB" sz="1000" dirty="0" smtClean="0"/>
+          </a:p>
+          <a:p>
+            <a:pPr algn="ctr"/>
+            <a:endParaRPr lang="en-GB" sz="1000" dirty="0"/>
+          </a:p>
+          <a:p>
+            <a:pPr algn="ctr"/>
+            <a:endParaRPr lang="en-GB" sz="1000" dirty="0" smtClean="0"/>
+          </a:p>
+          <a:p>
+            <a:pPr algn="ctr"/>
+            <a:endParaRPr lang="en-GB" sz="1000" dirty="0"/>
+          </a:p>
+          <a:p>
+            <a:pPr algn="ctr"/>
+            <a:endParaRPr lang="en-GB" sz="1000" dirty="0"/>
+          </a:p>
+        </p:txBody>
+      </p:sp>
+      <p:sp>
+        <p:nvSpPr>
+          <p:cNvPr id="38" name="TextBox 37"/>
+          <p:cNvSpPr txBox="1"/>
+          <p:nvPr/>
+        </p:nvSpPr>
+        <p:spPr>
+          <a:xfrm>
+            <a:off x="3725035" y="1718975"/>
+            <a:ext cx="571034" cy="230832"/>
           </a:xfrm>
           <a:prstGeom prst="rect">
             <a:avLst/>
@@ -6201,23 +4958,127 @@
           <a:p>
             <a:pPr algn="ctr"/>
             <a:r>
-              <a:rPr lang="en-GB" sz="1200" dirty="0" err="1" smtClean="0"/>
+              <a:rPr lang="en-GB" sz="900" dirty="0" smtClean="0"/>
+              <a:t>string</a:t>
+            </a:r>
+            <a:endParaRPr lang="en-GB" sz="900" dirty="0"/>
+          </a:p>
+        </p:txBody>
+      </p:sp>
+      <p:sp>
+        <p:nvSpPr>
+          <p:cNvPr id="39" name="TextBox 38"/>
+          <p:cNvSpPr txBox="1"/>
+          <p:nvPr/>
+        </p:nvSpPr>
+        <p:spPr>
+          <a:xfrm>
+            <a:off x="3034955" y="1718615"/>
+            <a:ext cx="613042" cy="230832"/>
+          </a:xfrm>
+          <a:prstGeom prst="rect">
+            <a:avLst/>
+          </a:prstGeom>
+          <a:noFill/>
+          <a:ln w="3175">
+            <a:solidFill>
+              <a:schemeClr val="tx1"/>
+            </a:solidFill>
+          </a:ln>
+        </p:spPr>
+        <p:txBody>
+          <a:bodyPr wrap="square" rtlCol="0">
+            <a:spAutoFit/>
+          </a:bodyPr>
+          <a:lstStyle/>
+          <a:p>
+            <a:pPr algn="ctr"/>
+            <a:r>
+              <a:rPr lang="en-GB" sz="900" dirty="0" smtClean="0"/>
+              <a:t>name</a:t>
+            </a:r>
+            <a:endParaRPr lang="en-GB" sz="900" dirty="0"/>
+          </a:p>
+        </p:txBody>
+      </p:sp>
+      <p:sp>
+        <p:nvSpPr>
+          <p:cNvPr id="40" name="TextBox 39"/>
+          <p:cNvSpPr txBox="1"/>
+          <p:nvPr/>
+        </p:nvSpPr>
+        <p:spPr>
+          <a:xfrm>
+            <a:off x="3034955" y="1949447"/>
+            <a:ext cx="1260140" cy="230832"/>
+          </a:xfrm>
+          <a:prstGeom prst="rect">
+            <a:avLst/>
+          </a:prstGeom>
+          <a:noFill/>
+          <a:ln w="3175">
+            <a:solidFill>
+              <a:schemeClr val="tx1"/>
+            </a:solidFill>
+          </a:ln>
+        </p:spPr>
+        <p:txBody>
+          <a:bodyPr wrap="square" rtlCol="0">
+            <a:spAutoFit/>
+          </a:bodyPr>
+          <a:lstStyle/>
+          <a:p>
+            <a:pPr algn="ctr"/>
+            <a:endParaRPr lang="en-GB" sz="900" dirty="0"/>
+          </a:p>
+        </p:txBody>
+      </p:sp>
+      <p:sp>
+        <p:nvSpPr>
+          <p:cNvPr id="41" name="TextBox 40"/>
+          <p:cNvSpPr txBox="1"/>
+          <p:nvPr/>
+        </p:nvSpPr>
+        <p:spPr>
+          <a:xfrm>
+            <a:off x="3966029" y="1092213"/>
+            <a:ext cx="329066" cy="230832"/>
+          </a:xfrm>
+          <a:prstGeom prst="rect">
+            <a:avLst/>
+          </a:prstGeom>
+          <a:noFill/>
+          <a:ln w="3175">
+            <a:solidFill>
+              <a:schemeClr val="tx1"/>
+            </a:solidFill>
+          </a:ln>
+        </p:spPr>
+        <p:txBody>
+          <a:bodyPr wrap="square" rtlCol="0">
+            <a:spAutoFit/>
+          </a:bodyPr>
+          <a:lstStyle/>
+          <a:p>
+            <a:pPr algn="ctr"/>
+            <a:r>
+              <a:rPr lang="en-GB" sz="900" dirty="0" err="1" smtClean="0"/>
               <a:t>int</a:t>
             </a:r>
-            <a:endParaRPr lang="en-GB" sz="1200" dirty="0"/>
-          </a:p>
-        </p:txBody>
-      </p:sp>
-      <p:sp>
-        <p:nvSpPr>
-          <p:cNvPr id="8" name="TextBox 7"/>
-          <p:cNvSpPr txBox="1"/>
-          <p:nvPr/>
-        </p:nvSpPr>
-        <p:spPr>
-          <a:xfrm>
-            <a:off x="6552220" y="1772816"/>
-            <a:ext cx="613042" cy="276999"/>
+            <a:endParaRPr lang="en-GB" sz="900" dirty="0"/>
+          </a:p>
+        </p:txBody>
+      </p:sp>
+      <p:sp>
+        <p:nvSpPr>
+          <p:cNvPr id="42" name="TextBox 41"/>
+          <p:cNvSpPr txBox="1"/>
+          <p:nvPr/>
+        </p:nvSpPr>
+        <p:spPr>
+          <a:xfrm>
+            <a:off x="3034955" y="1092608"/>
+            <a:ext cx="613042" cy="230832"/>
           </a:xfrm>
           <a:prstGeom prst="rect">
             <a:avLst/>
@@ -6237,23 +5098,23 @@
           <a:p>
             <a:pPr algn="ctr"/>
             <a:r>
-              <a:rPr lang="en-GB" sz="1200" dirty="0" smtClean="0"/>
-              <a:t>y</a:t>
-            </a:r>
-            <a:endParaRPr lang="en-GB" sz="1200" dirty="0"/>
-          </a:p>
-        </p:txBody>
-      </p:sp>
-      <p:sp>
-        <p:nvSpPr>
-          <p:cNvPr id="9" name="TextBox 8"/>
-          <p:cNvSpPr txBox="1"/>
-          <p:nvPr/>
-        </p:nvSpPr>
-        <p:spPr>
-          <a:xfrm>
-            <a:off x="6552220" y="2049815"/>
-            <a:ext cx="1800200" cy="276999"/>
+              <a:rPr lang="en-GB" sz="900" dirty="0" smtClean="0"/>
+              <a:t>age</a:t>
+            </a:r>
+            <a:endParaRPr lang="en-GB" sz="900" dirty="0"/>
+          </a:p>
+        </p:txBody>
+      </p:sp>
+      <p:sp>
+        <p:nvSpPr>
+          <p:cNvPr id="43" name="TextBox 42"/>
+          <p:cNvSpPr txBox="1"/>
+          <p:nvPr/>
+        </p:nvSpPr>
+        <p:spPr>
+          <a:xfrm>
+            <a:off x="3034955" y="1323440"/>
+            <a:ext cx="1260140" cy="230832"/>
           </a:xfrm>
           <a:prstGeom prst="rect">
             <a:avLst/>
@@ -6273,23 +5134,23 @@
           <a:p>
             <a:pPr algn="ctr"/>
             <a:r>
-              <a:rPr lang="en-GB" sz="1200" dirty="0"/>
-              <a:t>0</a:t>
-            </a:r>
-            <a:endParaRPr lang="en-GB" sz="1200" dirty="0"/>
-          </a:p>
-        </p:txBody>
-      </p:sp>
-      <p:sp>
-        <p:nvSpPr>
-          <p:cNvPr id="10" name="TextBox 9"/>
-          <p:cNvSpPr txBox="1"/>
-          <p:nvPr/>
-        </p:nvSpPr>
-        <p:spPr>
-          <a:xfrm>
-            <a:off x="7699318" y="1146809"/>
-            <a:ext cx="648072" cy="276999"/>
+              <a:rPr lang="en-GB" sz="900" dirty="0" smtClean="0"/>
+              <a:t>35</a:t>
+            </a:r>
+            <a:endParaRPr lang="en-GB" sz="900" dirty="0"/>
+          </a:p>
+        </p:txBody>
+      </p:sp>
+      <p:sp>
+        <p:nvSpPr>
+          <p:cNvPr id="51" name="TextBox 50"/>
+          <p:cNvSpPr txBox="1"/>
+          <p:nvPr/>
+        </p:nvSpPr>
+        <p:spPr>
+          <a:xfrm>
+            <a:off x="1794777" y="1564621"/>
+            <a:ext cx="755110" cy="215444"/>
           </a:xfrm>
           <a:prstGeom prst="rect">
             <a:avLst/>
@@ -6309,23 +5170,23 @@
           <a:p>
             <a:pPr algn="ctr"/>
             <a:r>
-              <a:rPr lang="en-GB" sz="1200" dirty="0" err="1" smtClean="0"/>
-              <a:t>int</a:t>
-            </a:r>
-            <a:endParaRPr lang="en-GB" sz="1200" dirty="0"/>
-          </a:p>
-        </p:txBody>
-      </p:sp>
-      <p:sp>
-        <p:nvSpPr>
-          <p:cNvPr id="11" name="TextBox 10"/>
-          <p:cNvSpPr txBox="1"/>
-          <p:nvPr/>
-        </p:nvSpPr>
-        <p:spPr>
-          <a:xfrm>
-            <a:off x="6552220" y="1146809"/>
-            <a:ext cx="613042" cy="276999"/>
+              <a:rPr lang="en-GB" sz="800" dirty="0" smtClean="0"/>
+              <a:t>Person</a:t>
+            </a:r>
+            <a:endParaRPr lang="en-GB" sz="1000" dirty="0"/>
+          </a:p>
+        </p:txBody>
+      </p:sp>
+      <p:sp>
+        <p:nvSpPr>
+          <p:cNvPr id="52" name="TextBox 51"/>
+          <p:cNvSpPr txBox="1"/>
+          <p:nvPr/>
+        </p:nvSpPr>
+        <p:spPr>
+          <a:xfrm>
+            <a:off x="748713" y="1563005"/>
+            <a:ext cx="890706" cy="215444"/>
           </a:xfrm>
           <a:prstGeom prst="rect">
             <a:avLst/>
@@ -6345,23 +5206,23 @@
           <a:p>
             <a:pPr algn="ctr"/>
             <a:r>
-              <a:rPr lang="en-GB" sz="1200" dirty="0" smtClean="0"/>
-              <a:t>x</a:t>
-            </a:r>
-            <a:endParaRPr lang="en-GB" sz="1200" dirty="0"/>
-          </a:p>
-        </p:txBody>
-      </p:sp>
-      <p:sp>
-        <p:nvSpPr>
-          <p:cNvPr id="12" name="TextBox 11"/>
-          <p:cNvSpPr txBox="1"/>
-          <p:nvPr/>
-        </p:nvSpPr>
-        <p:spPr>
-          <a:xfrm>
-            <a:off x="6552220" y="1423808"/>
-            <a:ext cx="1800200" cy="276999"/>
+              <a:rPr lang="en-GB" sz="800" dirty="0" smtClean="0"/>
+              <a:t>John</a:t>
+            </a:r>
+            <a:endParaRPr lang="en-GB" sz="1000" dirty="0"/>
+          </a:p>
+        </p:txBody>
+      </p:sp>
+      <p:sp>
+        <p:nvSpPr>
+          <p:cNvPr id="53" name="TextBox 52"/>
+          <p:cNvSpPr txBox="1"/>
+          <p:nvPr/>
+        </p:nvSpPr>
+        <p:spPr>
+          <a:xfrm>
+            <a:off x="738832" y="1780065"/>
+            <a:ext cx="1801174" cy="246221"/>
           </a:xfrm>
           <a:prstGeom prst="rect">
             <a:avLst/>
@@ -6380,242 +5241,1600 @@
           <a:lstStyle/>
           <a:p>
             <a:pPr algn="ctr"/>
-            <a:r>
-              <a:rPr lang="en-GB" sz="1200" dirty="0"/>
-              <a:t>0</a:t>
-            </a:r>
-            <a:endParaRPr lang="en-GB" sz="1200" dirty="0"/>
-          </a:p>
-        </p:txBody>
-      </p:sp>
-      <p:sp>
-        <p:nvSpPr>
-          <p:cNvPr id="13" name="TextBox 12"/>
-          <p:cNvSpPr txBox="1"/>
-          <p:nvPr/>
-        </p:nvSpPr>
-        <p:spPr>
-          <a:xfrm>
-            <a:off x="2051720" y="1844824"/>
-            <a:ext cx="755110" cy="307777"/>
-          </a:xfrm>
-          <a:prstGeom prst="rect">
-            <a:avLst/>
-          </a:prstGeom>
-          <a:noFill/>
-          <a:ln w="3175">
-            <a:solidFill>
-              <a:schemeClr val="tx1"/>
-            </a:solidFill>
-          </a:ln>
-        </p:spPr>
-        <p:txBody>
-          <a:bodyPr wrap="square" rtlCol="0">
-            <a:spAutoFit/>
-          </a:bodyPr>
-          <a:lstStyle/>
-          <a:p>
-            <a:pPr algn="ctr"/>
-            <a:r>
-              <a:rPr lang="en-GB" sz="1400" dirty="0" smtClean="0"/>
-              <a:t>Point</a:t>
-            </a:r>
-            <a:endParaRPr lang="en-GB" dirty="0"/>
-          </a:p>
-        </p:txBody>
-      </p:sp>
-      <p:sp>
-        <p:nvSpPr>
-          <p:cNvPr id="14" name="TextBox 13"/>
-          <p:cNvSpPr txBox="1"/>
-          <p:nvPr/>
-        </p:nvSpPr>
-        <p:spPr>
-          <a:xfrm>
-            <a:off x="1006630" y="1844824"/>
-            <a:ext cx="900100" cy="307777"/>
-          </a:xfrm>
-          <a:prstGeom prst="rect">
-            <a:avLst/>
-          </a:prstGeom>
-          <a:noFill/>
-          <a:ln w="3175">
-            <a:solidFill>
-              <a:schemeClr val="tx1"/>
-            </a:solidFill>
-          </a:ln>
-        </p:spPr>
-        <p:txBody>
-          <a:bodyPr wrap="square" rtlCol="0">
-            <a:spAutoFit/>
-          </a:bodyPr>
-          <a:lstStyle/>
-          <a:p>
-            <a:pPr algn="ctr"/>
-            <a:r>
-              <a:rPr lang="en-GB" sz="1400" dirty="0" err="1" smtClean="0"/>
-              <a:t>myPoint</a:t>
-            </a:r>
-            <a:endParaRPr lang="en-GB" dirty="0"/>
-          </a:p>
-        </p:txBody>
-      </p:sp>
-      <p:sp>
-        <p:nvSpPr>
-          <p:cNvPr id="15" name="TextBox 14"/>
-          <p:cNvSpPr txBox="1"/>
-          <p:nvPr/>
-        </p:nvSpPr>
-        <p:spPr>
-          <a:xfrm>
-            <a:off x="1006630" y="2152601"/>
-            <a:ext cx="1794358" cy="369332"/>
-          </a:xfrm>
-          <a:prstGeom prst="rect">
-            <a:avLst/>
-          </a:prstGeom>
-          <a:noFill/>
-          <a:ln w="3175">
-            <a:solidFill>
-              <a:schemeClr val="tx1"/>
-            </a:solidFill>
-          </a:ln>
-        </p:spPr>
-        <p:txBody>
-          <a:bodyPr wrap="square" rtlCol="0">
-            <a:spAutoFit/>
-          </a:bodyPr>
-          <a:lstStyle/>
-          <a:p>
-            <a:pPr algn="ctr"/>
-            <a:endParaRPr lang="en-GB" dirty="0"/>
-          </a:p>
-        </p:txBody>
-      </p:sp>
-      <p:sp>
-        <p:nvSpPr>
-          <p:cNvPr id="16" name="TextBox 15"/>
-          <p:cNvSpPr txBox="1"/>
-          <p:nvPr/>
-        </p:nvSpPr>
-        <p:spPr>
-          <a:xfrm>
-            <a:off x="2158758" y="908720"/>
-            <a:ext cx="648072" cy="307777"/>
-          </a:xfrm>
-          <a:prstGeom prst="rect">
-            <a:avLst/>
-          </a:prstGeom>
-          <a:noFill/>
-          <a:ln w="3175">
-            <a:solidFill>
-              <a:schemeClr val="tx1"/>
-            </a:solidFill>
-          </a:ln>
-        </p:spPr>
-        <p:txBody>
-          <a:bodyPr wrap="square" rtlCol="0">
-            <a:spAutoFit/>
-          </a:bodyPr>
-          <a:lstStyle/>
-          <a:p>
-            <a:pPr algn="ctr"/>
-            <a:r>
-              <a:rPr lang="en-GB" sz="1400" dirty="0" err="1" smtClean="0"/>
-              <a:t>int</a:t>
-            </a:r>
-            <a:endParaRPr lang="en-GB" sz="1400" dirty="0"/>
-          </a:p>
-        </p:txBody>
-      </p:sp>
-      <p:sp>
-        <p:nvSpPr>
-          <p:cNvPr id="17" name="TextBox 16"/>
-          <p:cNvSpPr txBox="1"/>
-          <p:nvPr/>
-        </p:nvSpPr>
-        <p:spPr>
-          <a:xfrm>
-            <a:off x="1006630" y="908720"/>
-            <a:ext cx="757058" cy="307777"/>
-          </a:xfrm>
-          <a:prstGeom prst="rect">
-            <a:avLst/>
-          </a:prstGeom>
-          <a:noFill/>
-          <a:ln w="3175">
-            <a:solidFill>
-              <a:schemeClr val="tx1"/>
-            </a:solidFill>
-          </a:ln>
-        </p:spPr>
-        <p:txBody>
-          <a:bodyPr wrap="square" rtlCol="0">
-            <a:spAutoFit/>
-          </a:bodyPr>
-          <a:lstStyle/>
-          <a:p>
-            <a:pPr algn="ctr"/>
-            <a:r>
-              <a:rPr lang="en-GB" sz="1400" dirty="0" err="1" smtClean="0"/>
-              <a:t>myInt</a:t>
-            </a:r>
-            <a:endParaRPr lang="en-GB" sz="1400" dirty="0"/>
-          </a:p>
-        </p:txBody>
-      </p:sp>
-      <p:sp>
-        <p:nvSpPr>
-          <p:cNvPr id="18" name="TextBox 17"/>
-          <p:cNvSpPr txBox="1"/>
-          <p:nvPr/>
-        </p:nvSpPr>
-        <p:spPr>
-          <a:xfrm>
-            <a:off x="1007604" y="1216497"/>
-            <a:ext cx="1800200" cy="307777"/>
-          </a:xfrm>
-          <a:prstGeom prst="rect">
-            <a:avLst/>
-          </a:prstGeom>
-          <a:noFill/>
-          <a:ln w="3175">
-            <a:solidFill>
-              <a:schemeClr val="tx1"/>
-            </a:solidFill>
-          </a:ln>
-        </p:spPr>
-        <p:txBody>
-          <a:bodyPr wrap="square" rtlCol="0">
-            <a:spAutoFit/>
-          </a:bodyPr>
-          <a:lstStyle/>
-          <a:p>
-            <a:pPr algn="ctr"/>
-            <a:r>
-              <a:rPr lang="en-GB" sz="1400" dirty="0"/>
-              <a:t>0</a:t>
-            </a:r>
-            <a:endParaRPr lang="en-GB" sz="1400" dirty="0"/>
+            <a:endParaRPr lang="en-GB" sz="1000" dirty="0"/>
           </a:p>
         </p:txBody>
       </p:sp>
       <p:cxnSp>
         <p:nvCxnSpPr>
-          <p:cNvPr id="19" name="Curved Connector 18"/>
+          <p:cNvPr id="59" name="Curved Connector 58"/>
           <p:cNvCxnSpPr>
-            <a:stCxn id="15" idx="3"/>
-            <a:endCxn id="6" idx="1"/>
+            <a:stCxn id="53" idx="3"/>
+            <a:endCxn id="35" idx="1"/>
           </p:cNvCxnSpPr>
           <p:nvPr/>
         </p:nvCxnSpPr>
         <p:spPr>
-          <a:xfrm flipV="1">
-            <a:off x="2800988" y="1672645"/>
-            <a:ext cx="3571212" cy="664622"/>
+          <a:xfrm>
+            <a:off x="2540006" y="1903176"/>
+            <a:ext cx="386937" cy="315432"/>
           </a:xfrm>
           <a:prstGeom prst="curvedConnector3">
             <a:avLst/>
+          </a:prstGeom>
+          <a:ln>
+            <a:tailEnd type="arrow"/>
+          </a:ln>
+        </p:spPr>
+        <p:style>
+          <a:lnRef idx="1">
+            <a:schemeClr val="accent1"/>
+          </a:lnRef>
+          <a:fillRef idx="0">
+            <a:schemeClr val="accent1"/>
+          </a:fillRef>
+          <a:effectRef idx="0">
+            <a:schemeClr val="accent1"/>
+          </a:effectRef>
+          <a:fontRef idx="minor">
+            <a:schemeClr val="tx1"/>
+          </a:fontRef>
+        </p:style>
+      </p:cxnSp>
+      <p:sp>
+        <p:nvSpPr>
+          <p:cNvPr id="79" name="TextBox 78"/>
+          <p:cNvSpPr txBox="1"/>
+          <p:nvPr/>
+        </p:nvSpPr>
+        <p:spPr>
+          <a:xfrm>
+            <a:off x="107504" y="132302"/>
+            <a:ext cx="1512168" cy="369332"/>
+          </a:xfrm>
+          <a:prstGeom prst="rect">
+            <a:avLst/>
+          </a:prstGeom>
+          <a:noFill/>
+        </p:spPr>
+        <p:txBody>
+          <a:bodyPr wrap="square" rtlCol="0">
+            <a:spAutoFit/>
+          </a:bodyPr>
+          <a:lstStyle/>
+          <a:p>
+            <a:pPr algn="ctr"/>
+            <a:r>
+              <a:rPr lang="en-GB" dirty="0" smtClean="0"/>
+              <a:t>2.1b</a:t>
+            </a:r>
+          </a:p>
+        </p:txBody>
+      </p:sp>
+      <p:sp>
+        <p:nvSpPr>
+          <p:cNvPr id="117" name="TextBox 116"/>
+          <p:cNvSpPr txBox="1"/>
+          <p:nvPr/>
+        </p:nvSpPr>
+        <p:spPr>
+          <a:xfrm>
+            <a:off x="3756009" y="3045086"/>
+            <a:ext cx="540060" cy="230832"/>
+          </a:xfrm>
+          <a:prstGeom prst="rect">
+            <a:avLst/>
+          </a:prstGeom>
+          <a:noFill/>
+          <a:ln w="3175">
+            <a:solidFill>
+              <a:schemeClr val="tx1"/>
+            </a:solidFill>
+          </a:ln>
+        </p:spPr>
+        <p:txBody>
+          <a:bodyPr wrap="square" rtlCol="0">
+            <a:spAutoFit/>
+          </a:bodyPr>
+          <a:lstStyle/>
+          <a:p>
+            <a:pPr algn="ctr"/>
+            <a:r>
+              <a:rPr lang="en-GB" sz="900" dirty="0" smtClean="0"/>
+              <a:t>person</a:t>
+            </a:r>
+            <a:endParaRPr lang="en-GB" sz="900" dirty="0"/>
+          </a:p>
+        </p:txBody>
+      </p:sp>
+      <p:sp>
+        <p:nvSpPr>
+          <p:cNvPr id="118" name="TextBox 117"/>
+          <p:cNvSpPr txBox="1"/>
+          <p:nvPr/>
+        </p:nvSpPr>
+        <p:spPr>
+          <a:xfrm>
+            <a:off x="3034955" y="3045588"/>
+            <a:ext cx="684076" cy="230832"/>
+          </a:xfrm>
+          <a:prstGeom prst="rect">
+            <a:avLst/>
+          </a:prstGeom>
+          <a:noFill/>
+          <a:ln w="3175">
+            <a:solidFill>
+              <a:schemeClr val="tx1"/>
+            </a:solidFill>
+          </a:ln>
+        </p:spPr>
+        <p:txBody>
+          <a:bodyPr wrap="square" rtlCol="0">
+            <a:spAutoFit/>
+          </a:bodyPr>
+          <a:lstStyle/>
+          <a:p>
+            <a:pPr algn="ctr"/>
+            <a:r>
+              <a:rPr lang="en-GB" sz="900" dirty="0" smtClean="0"/>
+              <a:t>mother</a:t>
+            </a:r>
+            <a:endParaRPr lang="en-GB" sz="900" dirty="0"/>
+          </a:p>
+        </p:txBody>
+      </p:sp>
+      <p:sp>
+        <p:nvSpPr>
+          <p:cNvPr id="119" name="TextBox 118"/>
+          <p:cNvSpPr txBox="1"/>
+          <p:nvPr/>
+        </p:nvSpPr>
+        <p:spPr>
+          <a:xfrm>
+            <a:off x="3034955" y="3276420"/>
+            <a:ext cx="1260140" cy="230832"/>
+          </a:xfrm>
+          <a:prstGeom prst="rect">
+            <a:avLst/>
+          </a:prstGeom>
+          <a:noFill/>
+          <a:ln w="3175">
+            <a:solidFill>
+              <a:schemeClr val="tx1"/>
+            </a:solidFill>
+          </a:ln>
+        </p:spPr>
+        <p:txBody>
+          <a:bodyPr wrap="square" rtlCol="0">
+            <a:spAutoFit/>
+          </a:bodyPr>
+          <a:lstStyle/>
+          <a:p>
+            <a:pPr algn="ctr"/>
+            <a:endParaRPr lang="en-GB" sz="900" dirty="0"/>
+          </a:p>
+        </p:txBody>
+      </p:sp>
+      <p:sp>
+        <p:nvSpPr>
+          <p:cNvPr id="121" name="TextBox 120"/>
+          <p:cNvSpPr txBox="1"/>
+          <p:nvPr/>
+        </p:nvSpPr>
+        <p:spPr>
+          <a:xfrm>
+            <a:off x="3034955" y="2419581"/>
+            <a:ext cx="613042" cy="230832"/>
+          </a:xfrm>
+          <a:prstGeom prst="rect">
+            <a:avLst/>
+          </a:prstGeom>
+          <a:noFill/>
+          <a:ln w="3175">
+            <a:solidFill>
+              <a:schemeClr val="tx1"/>
+            </a:solidFill>
+          </a:ln>
+        </p:spPr>
+        <p:txBody>
+          <a:bodyPr wrap="square" rtlCol="0">
+            <a:spAutoFit/>
+          </a:bodyPr>
+          <a:lstStyle/>
+          <a:p>
+            <a:pPr algn="ctr"/>
+            <a:r>
+              <a:rPr lang="en-GB" sz="900" dirty="0" smtClean="0"/>
+              <a:t>father</a:t>
+            </a:r>
+            <a:endParaRPr lang="en-GB" sz="900" dirty="0"/>
+          </a:p>
+        </p:txBody>
+      </p:sp>
+      <p:sp>
+        <p:nvSpPr>
+          <p:cNvPr id="122" name="TextBox 121"/>
+          <p:cNvSpPr txBox="1"/>
+          <p:nvPr/>
+        </p:nvSpPr>
+        <p:spPr>
+          <a:xfrm>
+            <a:off x="3034955" y="2650413"/>
+            <a:ext cx="1260140" cy="230832"/>
+          </a:xfrm>
+          <a:prstGeom prst="rect">
+            <a:avLst/>
+          </a:prstGeom>
+          <a:noFill/>
+          <a:ln w="3175">
+            <a:solidFill>
+              <a:schemeClr val="tx1"/>
+            </a:solidFill>
+          </a:ln>
+        </p:spPr>
+        <p:txBody>
+          <a:bodyPr wrap="square" rtlCol="0">
+            <a:spAutoFit/>
+          </a:bodyPr>
+          <a:lstStyle/>
+          <a:p>
+            <a:pPr algn="ctr"/>
+            <a:endParaRPr lang="en-GB" sz="900" dirty="0"/>
+          </a:p>
+        </p:txBody>
+      </p:sp>
+      <p:sp>
+        <p:nvSpPr>
+          <p:cNvPr id="124" name="TextBox 123"/>
+          <p:cNvSpPr txBox="1"/>
+          <p:nvPr/>
+        </p:nvSpPr>
+        <p:spPr>
+          <a:xfrm>
+            <a:off x="1794777" y="2212870"/>
+            <a:ext cx="755110" cy="215444"/>
+          </a:xfrm>
+          <a:prstGeom prst="rect">
+            <a:avLst/>
+          </a:prstGeom>
+          <a:noFill/>
+          <a:ln w="3175">
+            <a:solidFill>
+              <a:schemeClr val="tx1"/>
+            </a:solidFill>
+          </a:ln>
+        </p:spPr>
+        <p:txBody>
+          <a:bodyPr wrap="square" rtlCol="0">
+            <a:spAutoFit/>
+          </a:bodyPr>
+          <a:lstStyle/>
+          <a:p>
+            <a:pPr algn="ctr"/>
+            <a:r>
+              <a:rPr lang="en-GB" sz="800" dirty="0" smtClean="0"/>
+              <a:t>Person</a:t>
+            </a:r>
+            <a:endParaRPr lang="en-GB" sz="1000" dirty="0"/>
+          </a:p>
+        </p:txBody>
+      </p:sp>
+      <p:sp>
+        <p:nvSpPr>
+          <p:cNvPr id="125" name="TextBox 124"/>
+          <p:cNvSpPr txBox="1"/>
+          <p:nvPr/>
+        </p:nvSpPr>
+        <p:spPr>
+          <a:xfrm>
+            <a:off x="748713" y="2211254"/>
+            <a:ext cx="890706" cy="215444"/>
+          </a:xfrm>
+          <a:prstGeom prst="rect">
+            <a:avLst/>
+          </a:prstGeom>
+          <a:noFill/>
+          <a:ln w="3175">
+            <a:solidFill>
+              <a:schemeClr val="tx1"/>
+            </a:solidFill>
+          </a:ln>
+        </p:spPr>
+        <p:txBody>
+          <a:bodyPr wrap="square" rtlCol="0">
+            <a:spAutoFit/>
+          </a:bodyPr>
+          <a:lstStyle/>
+          <a:p>
+            <a:pPr algn="ctr"/>
+            <a:r>
+              <a:rPr lang="en-GB" sz="800" dirty="0" smtClean="0"/>
+              <a:t>Mary</a:t>
+            </a:r>
+            <a:endParaRPr lang="en-GB" sz="1000" dirty="0"/>
+          </a:p>
+        </p:txBody>
+      </p:sp>
+      <p:sp>
+        <p:nvSpPr>
+          <p:cNvPr id="126" name="TextBox 125"/>
+          <p:cNvSpPr txBox="1"/>
+          <p:nvPr/>
+        </p:nvSpPr>
+        <p:spPr>
+          <a:xfrm>
+            <a:off x="738832" y="2428314"/>
+            <a:ext cx="1801174" cy="246221"/>
+          </a:xfrm>
+          <a:prstGeom prst="rect">
+            <a:avLst/>
+          </a:prstGeom>
+          <a:noFill/>
+          <a:ln w="3175">
+            <a:solidFill>
+              <a:schemeClr val="tx1"/>
+            </a:solidFill>
+          </a:ln>
+        </p:spPr>
+        <p:txBody>
+          <a:bodyPr wrap="square" rtlCol="0">
+            <a:spAutoFit/>
+          </a:bodyPr>
+          <a:lstStyle/>
+          <a:p>
+            <a:pPr algn="ctr"/>
+            <a:endParaRPr lang="en-GB" sz="1000" dirty="0"/>
+          </a:p>
+        </p:txBody>
+      </p:sp>
+      <p:sp>
+        <p:nvSpPr>
+          <p:cNvPr id="143" name="TextBox 142"/>
+          <p:cNvSpPr txBox="1"/>
+          <p:nvPr/>
+        </p:nvSpPr>
+        <p:spPr>
+          <a:xfrm>
+            <a:off x="3755035" y="2419581"/>
+            <a:ext cx="540060" cy="230832"/>
+          </a:xfrm>
+          <a:prstGeom prst="rect">
+            <a:avLst/>
+          </a:prstGeom>
+          <a:noFill/>
+          <a:ln w="3175">
+            <a:solidFill>
+              <a:schemeClr val="tx1"/>
+            </a:solidFill>
+          </a:ln>
+        </p:spPr>
+        <p:txBody>
+          <a:bodyPr wrap="square" rtlCol="0">
+            <a:spAutoFit/>
+          </a:bodyPr>
+          <a:lstStyle/>
+          <a:p>
+            <a:pPr algn="ctr"/>
+            <a:r>
+              <a:rPr lang="en-GB" sz="900" dirty="0" smtClean="0"/>
+              <a:t>person</a:t>
+            </a:r>
+            <a:endParaRPr lang="en-GB" sz="900" dirty="0"/>
+          </a:p>
+        </p:txBody>
+      </p:sp>
+      <p:sp>
+        <p:nvSpPr>
+          <p:cNvPr id="148" name="TextBox 147"/>
+          <p:cNvSpPr txBox="1"/>
+          <p:nvPr/>
+        </p:nvSpPr>
+        <p:spPr>
+          <a:xfrm>
+            <a:off x="4975109" y="1462578"/>
+            <a:ext cx="1440160" cy="3016210"/>
+          </a:xfrm>
+          <a:prstGeom prst="rect">
+            <a:avLst/>
+          </a:prstGeom>
+          <a:noFill/>
+          <a:ln w="3175">
+            <a:solidFill>
+              <a:schemeClr val="tx1"/>
+            </a:solidFill>
+          </a:ln>
+        </p:spPr>
+        <p:txBody>
+          <a:bodyPr wrap="square" rtlCol="0">
+            <a:spAutoFit/>
+          </a:bodyPr>
+          <a:lstStyle/>
+          <a:p>
+            <a:pPr algn="ctr"/>
+            <a:r>
+              <a:rPr lang="en-GB" sz="1000" dirty="0" smtClean="0"/>
+              <a:t>Mary</a:t>
+            </a:r>
+          </a:p>
+          <a:p>
+            <a:pPr algn="ctr"/>
+            <a:endParaRPr lang="en-GB" sz="1000" dirty="0"/>
+          </a:p>
+          <a:p>
+            <a:pPr algn="ctr"/>
+            <a:endParaRPr lang="en-GB" sz="1000" dirty="0" smtClean="0"/>
+          </a:p>
+          <a:p>
+            <a:pPr algn="ctr"/>
+            <a:endParaRPr lang="en-GB" sz="1000" dirty="0"/>
+          </a:p>
+          <a:p>
+            <a:pPr algn="ctr"/>
+            <a:endParaRPr lang="en-GB" sz="1000" dirty="0" smtClean="0"/>
+          </a:p>
+          <a:p>
+            <a:pPr algn="ctr"/>
+            <a:endParaRPr lang="en-GB" sz="1000" dirty="0"/>
+          </a:p>
+          <a:p>
+            <a:pPr algn="ctr"/>
+            <a:endParaRPr lang="en-GB" sz="1000" dirty="0" smtClean="0"/>
+          </a:p>
+          <a:p>
+            <a:pPr algn="ctr"/>
+            <a:endParaRPr lang="en-GB" sz="1000" dirty="0" smtClean="0"/>
+          </a:p>
+          <a:p>
+            <a:pPr algn="ctr"/>
+            <a:endParaRPr lang="en-GB" sz="1000" dirty="0"/>
+          </a:p>
+          <a:p>
+            <a:pPr algn="ctr"/>
+            <a:endParaRPr lang="en-GB" sz="1000" dirty="0" smtClean="0"/>
+          </a:p>
+          <a:p>
+            <a:pPr algn="ctr"/>
+            <a:endParaRPr lang="en-GB" sz="1000" dirty="0"/>
+          </a:p>
+          <a:p>
+            <a:pPr algn="ctr"/>
+            <a:endParaRPr lang="en-GB" sz="1000" dirty="0" smtClean="0"/>
+          </a:p>
+          <a:p>
+            <a:pPr algn="ctr"/>
+            <a:endParaRPr lang="en-GB" sz="1000" dirty="0" smtClean="0"/>
+          </a:p>
+          <a:p>
+            <a:pPr algn="ctr"/>
+            <a:endParaRPr lang="en-GB" sz="1000" dirty="0" smtClean="0"/>
+          </a:p>
+          <a:p>
+            <a:pPr algn="ctr"/>
+            <a:endParaRPr lang="en-GB" sz="1000" dirty="0" smtClean="0"/>
+          </a:p>
+          <a:p>
+            <a:pPr algn="ctr"/>
+            <a:endParaRPr lang="en-GB" sz="1000" dirty="0"/>
+          </a:p>
+          <a:p>
+            <a:pPr algn="ctr"/>
+            <a:endParaRPr lang="en-GB" sz="1000" dirty="0" smtClean="0"/>
+          </a:p>
+          <a:p>
+            <a:pPr algn="ctr"/>
+            <a:endParaRPr lang="en-GB" sz="1000" dirty="0"/>
+          </a:p>
+          <a:p>
+            <a:pPr algn="ctr"/>
+            <a:endParaRPr lang="en-GB" sz="1000" dirty="0"/>
+          </a:p>
+        </p:txBody>
+      </p:sp>
+      <p:sp>
+        <p:nvSpPr>
+          <p:cNvPr id="149" name="TextBox 148"/>
+          <p:cNvSpPr txBox="1"/>
+          <p:nvPr/>
+        </p:nvSpPr>
+        <p:spPr>
+          <a:xfrm>
+            <a:off x="5773201" y="2471050"/>
+            <a:ext cx="570060" cy="230832"/>
+          </a:xfrm>
+          <a:prstGeom prst="rect">
+            <a:avLst/>
+          </a:prstGeom>
+          <a:noFill/>
+          <a:ln w="3175">
+            <a:solidFill>
+              <a:schemeClr val="tx1"/>
+            </a:solidFill>
+          </a:ln>
+        </p:spPr>
+        <p:txBody>
+          <a:bodyPr wrap="square" rtlCol="0">
+            <a:spAutoFit/>
+          </a:bodyPr>
+          <a:lstStyle/>
+          <a:p>
+            <a:pPr algn="ctr"/>
+            <a:r>
+              <a:rPr lang="en-GB" sz="900" dirty="0" smtClean="0"/>
+              <a:t>string</a:t>
+            </a:r>
+            <a:endParaRPr lang="en-GB" sz="900" dirty="0"/>
+          </a:p>
+        </p:txBody>
+      </p:sp>
+      <p:sp>
+        <p:nvSpPr>
+          <p:cNvPr id="150" name="TextBox 149"/>
+          <p:cNvSpPr txBox="1"/>
+          <p:nvPr/>
+        </p:nvSpPr>
+        <p:spPr>
+          <a:xfrm>
+            <a:off x="5083121" y="2470690"/>
+            <a:ext cx="613042" cy="230832"/>
+          </a:xfrm>
+          <a:prstGeom prst="rect">
+            <a:avLst/>
+          </a:prstGeom>
+          <a:noFill/>
+          <a:ln w="3175">
+            <a:solidFill>
+              <a:schemeClr val="tx1"/>
+            </a:solidFill>
+          </a:ln>
+        </p:spPr>
+        <p:txBody>
+          <a:bodyPr wrap="square" rtlCol="0">
+            <a:spAutoFit/>
+          </a:bodyPr>
+          <a:lstStyle/>
+          <a:p>
+            <a:pPr algn="ctr"/>
+            <a:r>
+              <a:rPr lang="en-GB" sz="900" dirty="0" smtClean="0"/>
+              <a:t>name</a:t>
+            </a:r>
+            <a:endParaRPr lang="en-GB" sz="900" dirty="0"/>
+          </a:p>
+        </p:txBody>
+      </p:sp>
+      <p:sp>
+        <p:nvSpPr>
+          <p:cNvPr id="151" name="TextBox 150"/>
+          <p:cNvSpPr txBox="1"/>
+          <p:nvPr/>
+        </p:nvSpPr>
+        <p:spPr>
+          <a:xfrm>
+            <a:off x="5083121" y="2701522"/>
+            <a:ext cx="1260140" cy="230832"/>
+          </a:xfrm>
+          <a:prstGeom prst="rect">
+            <a:avLst/>
+          </a:prstGeom>
+          <a:noFill/>
+          <a:ln w="3175">
+            <a:solidFill>
+              <a:schemeClr val="tx1"/>
+            </a:solidFill>
+          </a:ln>
+        </p:spPr>
+        <p:txBody>
+          <a:bodyPr wrap="square" rtlCol="0">
+            <a:spAutoFit/>
+          </a:bodyPr>
+          <a:lstStyle/>
+          <a:p>
+            <a:pPr algn="ctr"/>
+            <a:endParaRPr lang="en-GB" sz="900" dirty="0"/>
+          </a:p>
+        </p:txBody>
+      </p:sp>
+      <p:sp>
+        <p:nvSpPr>
+          <p:cNvPr id="152" name="TextBox 151"/>
+          <p:cNvSpPr txBox="1"/>
+          <p:nvPr/>
+        </p:nvSpPr>
+        <p:spPr>
+          <a:xfrm>
+            <a:off x="6014195" y="1844288"/>
+            <a:ext cx="329066" cy="230832"/>
+          </a:xfrm>
+          <a:prstGeom prst="rect">
+            <a:avLst/>
+          </a:prstGeom>
+          <a:noFill/>
+          <a:ln w="3175">
+            <a:solidFill>
+              <a:schemeClr val="tx1"/>
+            </a:solidFill>
+          </a:ln>
+        </p:spPr>
+        <p:txBody>
+          <a:bodyPr wrap="square" rtlCol="0">
+            <a:spAutoFit/>
+          </a:bodyPr>
+          <a:lstStyle/>
+          <a:p>
+            <a:pPr algn="ctr"/>
+            <a:r>
+              <a:rPr lang="en-GB" sz="900" dirty="0" err="1" smtClean="0"/>
+              <a:t>int</a:t>
+            </a:r>
+            <a:endParaRPr lang="en-GB" sz="900" dirty="0"/>
+          </a:p>
+        </p:txBody>
+      </p:sp>
+      <p:sp>
+        <p:nvSpPr>
+          <p:cNvPr id="153" name="TextBox 152"/>
+          <p:cNvSpPr txBox="1"/>
+          <p:nvPr/>
+        </p:nvSpPr>
+        <p:spPr>
+          <a:xfrm>
+            <a:off x="5083121" y="1844683"/>
+            <a:ext cx="613042" cy="230832"/>
+          </a:xfrm>
+          <a:prstGeom prst="rect">
+            <a:avLst/>
+          </a:prstGeom>
+          <a:noFill/>
+          <a:ln w="3175">
+            <a:solidFill>
+              <a:schemeClr val="tx1"/>
+            </a:solidFill>
+          </a:ln>
+        </p:spPr>
+        <p:txBody>
+          <a:bodyPr wrap="square" rtlCol="0">
+            <a:spAutoFit/>
+          </a:bodyPr>
+          <a:lstStyle/>
+          <a:p>
+            <a:pPr algn="ctr"/>
+            <a:r>
+              <a:rPr lang="en-GB" sz="900" dirty="0" smtClean="0"/>
+              <a:t>age</a:t>
+            </a:r>
+            <a:endParaRPr lang="en-GB" sz="900" dirty="0"/>
+          </a:p>
+        </p:txBody>
+      </p:sp>
+      <p:sp>
+        <p:nvSpPr>
+          <p:cNvPr id="154" name="TextBox 153"/>
+          <p:cNvSpPr txBox="1"/>
+          <p:nvPr/>
+        </p:nvSpPr>
+        <p:spPr>
+          <a:xfrm>
+            <a:off x="5083121" y="2075515"/>
+            <a:ext cx="1260140" cy="230832"/>
+          </a:xfrm>
+          <a:prstGeom prst="rect">
+            <a:avLst/>
+          </a:prstGeom>
+          <a:noFill/>
+          <a:ln w="3175">
+            <a:solidFill>
+              <a:schemeClr val="tx1"/>
+            </a:solidFill>
+          </a:ln>
+        </p:spPr>
+        <p:txBody>
+          <a:bodyPr wrap="square" rtlCol="0">
+            <a:spAutoFit/>
+          </a:bodyPr>
+          <a:lstStyle/>
+          <a:p>
+            <a:pPr algn="ctr"/>
+            <a:r>
+              <a:rPr lang="en-GB" sz="900" dirty="0" smtClean="0"/>
+              <a:t>32</a:t>
+            </a:r>
+            <a:endParaRPr lang="en-GB" sz="900" dirty="0"/>
+          </a:p>
+        </p:txBody>
+      </p:sp>
+      <p:sp>
+        <p:nvSpPr>
+          <p:cNvPr id="155" name="TextBox 154"/>
+          <p:cNvSpPr txBox="1"/>
+          <p:nvPr/>
+        </p:nvSpPr>
+        <p:spPr>
+          <a:xfrm>
+            <a:off x="5804175" y="3797161"/>
+            <a:ext cx="539086" cy="230832"/>
+          </a:xfrm>
+          <a:prstGeom prst="rect">
+            <a:avLst/>
+          </a:prstGeom>
+          <a:noFill/>
+          <a:ln w="3175">
+            <a:solidFill>
+              <a:schemeClr val="tx1"/>
+            </a:solidFill>
+          </a:ln>
+        </p:spPr>
+        <p:txBody>
+          <a:bodyPr wrap="square" rtlCol="0">
+            <a:spAutoFit/>
+          </a:bodyPr>
+          <a:lstStyle/>
+          <a:p>
+            <a:pPr algn="ctr"/>
+            <a:r>
+              <a:rPr lang="en-GB" sz="900" dirty="0" smtClean="0"/>
+              <a:t>person</a:t>
+            </a:r>
+            <a:endParaRPr lang="en-GB" sz="900" dirty="0"/>
+          </a:p>
+        </p:txBody>
+      </p:sp>
+      <p:sp>
+        <p:nvSpPr>
+          <p:cNvPr id="156" name="TextBox 155"/>
+          <p:cNvSpPr txBox="1"/>
+          <p:nvPr/>
+        </p:nvSpPr>
+        <p:spPr>
+          <a:xfrm>
+            <a:off x="5083121" y="3797663"/>
+            <a:ext cx="684076" cy="230832"/>
+          </a:xfrm>
+          <a:prstGeom prst="rect">
+            <a:avLst/>
+          </a:prstGeom>
+          <a:noFill/>
+          <a:ln w="3175">
+            <a:solidFill>
+              <a:schemeClr val="tx1"/>
+            </a:solidFill>
+          </a:ln>
+        </p:spPr>
+        <p:txBody>
+          <a:bodyPr wrap="square" rtlCol="0">
+            <a:spAutoFit/>
+          </a:bodyPr>
+          <a:lstStyle/>
+          <a:p>
+            <a:pPr algn="ctr"/>
+            <a:r>
+              <a:rPr lang="en-GB" sz="900" dirty="0" smtClean="0"/>
+              <a:t>mother</a:t>
+            </a:r>
+            <a:endParaRPr lang="en-GB" sz="900" dirty="0"/>
+          </a:p>
+        </p:txBody>
+      </p:sp>
+      <p:sp>
+        <p:nvSpPr>
+          <p:cNvPr id="157" name="TextBox 156"/>
+          <p:cNvSpPr txBox="1"/>
+          <p:nvPr/>
+        </p:nvSpPr>
+        <p:spPr>
+          <a:xfrm>
+            <a:off x="5083121" y="4028495"/>
+            <a:ext cx="1260140" cy="230832"/>
+          </a:xfrm>
+          <a:prstGeom prst="rect">
+            <a:avLst/>
+          </a:prstGeom>
+          <a:noFill/>
+          <a:ln w="3175">
+            <a:solidFill>
+              <a:schemeClr val="tx1"/>
+            </a:solidFill>
+          </a:ln>
+        </p:spPr>
+        <p:txBody>
+          <a:bodyPr wrap="square" rtlCol="0">
+            <a:spAutoFit/>
+          </a:bodyPr>
+          <a:lstStyle/>
+          <a:p>
+            <a:pPr algn="ctr"/>
+            <a:endParaRPr lang="en-GB" sz="900" dirty="0"/>
+          </a:p>
+        </p:txBody>
+      </p:sp>
+      <p:sp>
+        <p:nvSpPr>
+          <p:cNvPr id="158" name="TextBox 157"/>
+          <p:cNvSpPr txBox="1"/>
+          <p:nvPr/>
+        </p:nvSpPr>
+        <p:spPr>
+          <a:xfrm>
+            <a:off x="5083121" y="3171656"/>
+            <a:ext cx="613042" cy="230832"/>
+          </a:xfrm>
+          <a:prstGeom prst="rect">
+            <a:avLst/>
+          </a:prstGeom>
+          <a:noFill/>
+          <a:ln w="3175">
+            <a:solidFill>
+              <a:schemeClr val="tx1"/>
+            </a:solidFill>
+          </a:ln>
+        </p:spPr>
+        <p:txBody>
+          <a:bodyPr wrap="square" rtlCol="0">
+            <a:spAutoFit/>
+          </a:bodyPr>
+          <a:lstStyle/>
+          <a:p>
+            <a:pPr algn="ctr"/>
+            <a:r>
+              <a:rPr lang="en-GB" sz="900" dirty="0" smtClean="0"/>
+              <a:t>father</a:t>
+            </a:r>
+            <a:endParaRPr lang="en-GB" sz="900" dirty="0"/>
+          </a:p>
+        </p:txBody>
+      </p:sp>
+      <p:sp>
+        <p:nvSpPr>
+          <p:cNvPr id="159" name="TextBox 158"/>
+          <p:cNvSpPr txBox="1"/>
+          <p:nvPr/>
+        </p:nvSpPr>
+        <p:spPr>
+          <a:xfrm>
+            <a:off x="5083121" y="3402488"/>
+            <a:ext cx="1260140" cy="230832"/>
+          </a:xfrm>
+          <a:prstGeom prst="rect">
+            <a:avLst/>
+          </a:prstGeom>
+          <a:noFill/>
+          <a:ln w="3175">
+            <a:solidFill>
+              <a:schemeClr val="tx1"/>
+            </a:solidFill>
+          </a:ln>
+        </p:spPr>
+        <p:txBody>
+          <a:bodyPr wrap="square" rtlCol="0">
+            <a:spAutoFit/>
+          </a:bodyPr>
+          <a:lstStyle/>
+          <a:p>
+            <a:pPr algn="ctr"/>
+            <a:endParaRPr lang="en-GB" sz="900" dirty="0"/>
+          </a:p>
+        </p:txBody>
+      </p:sp>
+      <p:sp>
+        <p:nvSpPr>
+          <p:cNvPr id="160" name="TextBox 159"/>
+          <p:cNvSpPr txBox="1"/>
+          <p:nvPr/>
+        </p:nvSpPr>
+        <p:spPr>
+          <a:xfrm>
+            <a:off x="5803201" y="3171656"/>
+            <a:ext cx="540060" cy="230832"/>
+          </a:xfrm>
+          <a:prstGeom prst="rect">
+            <a:avLst/>
+          </a:prstGeom>
+          <a:noFill/>
+          <a:ln w="3175">
+            <a:solidFill>
+              <a:schemeClr val="tx1"/>
+            </a:solidFill>
+          </a:ln>
+        </p:spPr>
+        <p:txBody>
+          <a:bodyPr wrap="square" rtlCol="0">
+            <a:spAutoFit/>
+          </a:bodyPr>
+          <a:lstStyle/>
+          <a:p>
+            <a:pPr algn="ctr"/>
+            <a:r>
+              <a:rPr lang="en-GB" sz="900" dirty="0" smtClean="0"/>
+              <a:t>person</a:t>
+            </a:r>
+            <a:endParaRPr lang="en-GB" sz="900" dirty="0"/>
+          </a:p>
+        </p:txBody>
+      </p:sp>
+      <p:cxnSp>
+        <p:nvCxnSpPr>
+          <p:cNvPr id="162" name="Curved Connector 161"/>
+          <p:cNvCxnSpPr>
+            <a:stCxn id="126" idx="3"/>
+            <a:endCxn id="148" idx="1"/>
+          </p:cNvCxnSpPr>
+          <p:nvPr/>
+        </p:nvCxnSpPr>
+        <p:spPr>
+          <a:xfrm>
+            <a:off x="2540006" y="2551425"/>
+            <a:ext cx="2435103" cy="419258"/>
+          </a:xfrm>
+          <a:prstGeom prst="curvedConnector3">
+            <a:avLst/>
+          </a:prstGeom>
+          <a:ln>
+            <a:tailEnd type="arrow"/>
+          </a:ln>
+        </p:spPr>
+        <p:style>
+          <a:lnRef idx="1">
+            <a:schemeClr val="accent1"/>
+          </a:lnRef>
+          <a:fillRef idx="0">
+            <a:schemeClr val="accent1"/>
+          </a:fillRef>
+          <a:effectRef idx="0">
+            <a:schemeClr val="accent1"/>
+          </a:effectRef>
+          <a:fontRef idx="minor">
+            <a:schemeClr val="tx1"/>
+          </a:fontRef>
+        </p:style>
+      </p:cxnSp>
+      <p:sp>
+        <p:nvSpPr>
+          <p:cNvPr id="167" name="TextBox 166"/>
+          <p:cNvSpPr txBox="1"/>
+          <p:nvPr/>
+        </p:nvSpPr>
+        <p:spPr>
+          <a:xfrm>
+            <a:off x="6915262" y="2513749"/>
+            <a:ext cx="1440160" cy="3016210"/>
+          </a:xfrm>
+          <a:prstGeom prst="rect">
+            <a:avLst/>
+          </a:prstGeom>
+          <a:noFill/>
+          <a:ln w="3175">
+            <a:solidFill>
+              <a:schemeClr val="tx1"/>
+            </a:solidFill>
+          </a:ln>
+        </p:spPr>
+        <p:txBody>
+          <a:bodyPr wrap="square" rtlCol="0">
+            <a:spAutoFit/>
+          </a:bodyPr>
+          <a:lstStyle/>
+          <a:p>
+            <a:pPr algn="ctr"/>
+            <a:r>
+              <a:rPr lang="en-GB" sz="1000" dirty="0" smtClean="0"/>
+              <a:t>Student</a:t>
+            </a:r>
+          </a:p>
+          <a:p>
+            <a:pPr algn="ctr"/>
+            <a:endParaRPr lang="en-GB" sz="1000" dirty="0"/>
+          </a:p>
+          <a:p>
+            <a:pPr algn="ctr"/>
+            <a:endParaRPr lang="en-GB" sz="1000" dirty="0" smtClean="0"/>
+          </a:p>
+          <a:p>
+            <a:pPr algn="ctr"/>
+            <a:endParaRPr lang="en-GB" sz="1000" dirty="0"/>
+          </a:p>
+          <a:p>
+            <a:pPr algn="ctr"/>
+            <a:endParaRPr lang="en-GB" sz="1000" dirty="0" smtClean="0"/>
+          </a:p>
+          <a:p>
+            <a:pPr algn="ctr"/>
+            <a:endParaRPr lang="en-GB" sz="1000" dirty="0"/>
+          </a:p>
+          <a:p>
+            <a:pPr algn="ctr"/>
+            <a:endParaRPr lang="en-GB" sz="1000" dirty="0" smtClean="0"/>
+          </a:p>
+          <a:p>
+            <a:pPr algn="ctr"/>
+            <a:endParaRPr lang="en-GB" sz="1000" dirty="0" smtClean="0"/>
+          </a:p>
+          <a:p>
+            <a:pPr algn="ctr"/>
+            <a:endParaRPr lang="en-GB" sz="1000" dirty="0"/>
+          </a:p>
+          <a:p>
+            <a:pPr algn="ctr"/>
+            <a:endParaRPr lang="en-GB" sz="1000" dirty="0" smtClean="0"/>
+          </a:p>
+          <a:p>
+            <a:pPr algn="ctr"/>
+            <a:endParaRPr lang="en-GB" sz="1000" dirty="0"/>
+          </a:p>
+          <a:p>
+            <a:pPr algn="ctr"/>
+            <a:endParaRPr lang="en-GB" sz="1000" dirty="0" smtClean="0"/>
+          </a:p>
+          <a:p>
+            <a:pPr algn="ctr"/>
+            <a:endParaRPr lang="en-GB" sz="1000" dirty="0" smtClean="0"/>
+          </a:p>
+          <a:p>
+            <a:pPr algn="ctr"/>
+            <a:endParaRPr lang="en-GB" sz="1000" dirty="0" smtClean="0"/>
+          </a:p>
+          <a:p>
+            <a:pPr algn="ctr"/>
+            <a:endParaRPr lang="en-GB" sz="1000" dirty="0" smtClean="0"/>
+          </a:p>
+          <a:p>
+            <a:pPr algn="ctr"/>
+            <a:endParaRPr lang="en-GB" sz="1000" dirty="0"/>
+          </a:p>
+          <a:p>
+            <a:pPr algn="ctr"/>
+            <a:endParaRPr lang="en-GB" sz="1000" dirty="0" smtClean="0"/>
+          </a:p>
+          <a:p>
+            <a:pPr algn="ctr"/>
+            <a:endParaRPr lang="en-GB" sz="1000" dirty="0"/>
+          </a:p>
+          <a:p>
+            <a:pPr algn="ctr"/>
+            <a:endParaRPr lang="en-GB" sz="1000" dirty="0"/>
+          </a:p>
+        </p:txBody>
+      </p:sp>
+      <p:sp>
+        <p:nvSpPr>
+          <p:cNvPr id="168" name="TextBox 167"/>
+          <p:cNvSpPr txBox="1"/>
+          <p:nvPr/>
+        </p:nvSpPr>
+        <p:spPr>
+          <a:xfrm>
+            <a:off x="7713354" y="3513135"/>
+            <a:ext cx="570060" cy="239557"/>
+          </a:xfrm>
+          <a:prstGeom prst="rect">
+            <a:avLst/>
+          </a:prstGeom>
+          <a:noFill/>
+          <a:ln w="3175">
+            <a:solidFill>
+              <a:schemeClr val="tx1"/>
+            </a:solidFill>
+          </a:ln>
+        </p:spPr>
+        <p:txBody>
+          <a:bodyPr wrap="square" rtlCol="0">
+            <a:spAutoFit/>
+          </a:bodyPr>
+          <a:lstStyle/>
+          <a:p>
+            <a:pPr algn="ctr"/>
+            <a:r>
+              <a:rPr lang="en-GB" sz="900" dirty="0" smtClean="0"/>
+              <a:t>string</a:t>
+            </a:r>
+            <a:endParaRPr lang="en-GB" sz="900" dirty="0"/>
+          </a:p>
+        </p:txBody>
+      </p:sp>
+      <p:sp>
+        <p:nvSpPr>
+          <p:cNvPr id="169" name="TextBox 168"/>
+          <p:cNvSpPr txBox="1"/>
+          <p:nvPr/>
+        </p:nvSpPr>
+        <p:spPr>
+          <a:xfrm>
+            <a:off x="7023274" y="3521861"/>
+            <a:ext cx="613042" cy="230832"/>
+          </a:xfrm>
+          <a:prstGeom prst="rect">
+            <a:avLst/>
+          </a:prstGeom>
+          <a:noFill/>
+          <a:ln w="3175">
+            <a:solidFill>
+              <a:schemeClr val="tx1"/>
+            </a:solidFill>
+          </a:ln>
+        </p:spPr>
+        <p:txBody>
+          <a:bodyPr wrap="square" rtlCol="0">
+            <a:spAutoFit/>
+          </a:bodyPr>
+          <a:lstStyle/>
+          <a:p>
+            <a:pPr algn="ctr"/>
+            <a:r>
+              <a:rPr lang="en-GB" sz="900" dirty="0" smtClean="0"/>
+              <a:t>name</a:t>
+            </a:r>
+            <a:endParaRPr lang="en-GB" sz="900" dirty="0"/>
+          </a:p>
+        </p:txBody>
+      </p:sp>
+      <p:sp>
+        <p:nvSpPr>
+          <p:cNvPr id="170" name="TextBox 169"/>
+          <p:cNvSpPr txBox="1"/>
+          <p:nvPr/>
+        </p:nvSpPr>
+        <p:spPr>
+          <a:xfrm>
+            <a:off x="7023274" y="3752693"/>
+            <a:ext cx="1260140" cy="230832"/>
+          </a:xfrm>
+          <a:prstGeom prst="rect">
+            <a:avLst/>
+          </a:prstGeom>
+          <a:noFill/>
+          <a:ln w="3175">
+            <a:solidFill>
+              <a:schemeClr val="tx1"/>
+            </a:solidFill>
+          </a:ln>
+        </p:spPr>
+        <p:txBody>
+          <a:bodyPr wrap="square" rtlCol="0">
+            <a:spAutoFit/>
+          </a:bodyPr>
+          <a:lstStyle/>
+          <a:p>
+            <a:pPr algn="ctr"/>
+            <a:endParaRPr lang="en-GB" sz="900" dirty="0"/>
+          </a:p>
+        </p:txBody>
+      </p:sp>
+      <p:sp>
+        <p:nvSpPr>
+          <p:cNvPr id="171" name="TextBox 170"/>
+          <p:cNvSpPr txBox="1"/>
+          <p:nvPr/>
+        </p:nvSpPr>
+        <p:spPr>
+          <a:xfrm>
+            <a:off x="7954348" y="2895459"/>
+            <a:ext cx="329066" cy="230832"/>
+          </a:xfrm>
+          <a:prstGeom prst="rect">
+            <a:avLst/>
+          </a:prstGeom>
+          <a:noFill/>
+          <a:ln w="3175">
+            <a:solidFill>
+              <a:schemeClr val="tx1"/>
+            </a:solidFill>
+          </a:ln>
+        </p:spPr>
+        <p:txBody>
+          <a:bodyPr wrap="square" rtlCol="0">
+            <a:spAutoFit/>
+          </a:bodyPr>
+          <a:lstStyle/>
+          <a:p>
+            <a:pPr algn="ctr"/>
+            <a:r>
+              <a:rPr lang="en-GB" sz="900" dirty="0" err="1" smtClean="0"/>
+              <a:t>int</a:t>
+            </a:r>
+            <a:endParaRPr lang="en-GB" sz="900" dirty="0"/>
+          </a:p>
+        </p:txBody>
+      </p:sp>
+      <p:sp>
+        <p:nvSpPr>
+          <p:cNvPr id="172" name="TextBox 171"/>
+          <p:cNvSpPr txBox="1"/>
+          <p:nvPr/>
+        </p:nvSpPr>
+        <p:spPr>
+          <a:xfrm>
+            <a:off x="7023274" y="2895854"/>
+            <a:ext cx="613042" cy="230832"/>
+          </a:xfrm>
+          <a:prstGeom prst="rect">
+            <a:avLst/>
+          </a:prstGeom>
+          <a:noFill/>
+          <a:ln w="3175">
+            <a:solidFill>
+              <a:schemeClr val="tx1"/>
+            </a:solidFill>
+          </a:ln>
+        </p:spPr>
+        <p:txBody>
+          <a:bodyPr wrap="square" rtlCol="0">
+            <a:spAutoFit/>
+          </a:bodyPr>
+          <a:lstStyle/>
+          <a:p>
+            <a:pPr algn="ctr"/>
+            <a:r>
+              <a:rPr lang="en-GB" sz="900" dirty="0" smtClean="0"/>
+              <a:t>age</a:t>
+            </a:r>
+            <a:endParaRPr lang="en-GB" sz="900" dirty="0"/>
+          </a:p>
+        </p:txBody>
+      </p:sp>
+      <p:sp>
+        <p:nvSpPr>
+          <p:cNvPr id="173" name="TextBox 172"/>
+          <p:cNvSpPr txBox="1"/>
+          <p:nvPr/>
+        </p:nvSpPr>
+        <p:spPr>
+          <a:xfrm>
+            <a:off x="7023274" y="3126686"/>
+            <a:ext cx="1260140" cy="230832"/>
+          </a:xfrm>
+          <a:prstGeom prst="rect">
+            <a:avLst/>
+          </a:prstGeom>
+          <a:noFill/>
+          <a:ln w="3175">
+            <a:solidFill>
+              <a:schemeClr val="tx1"/>
+            </a:solidFill>
+          </a:ln>
+        </p:spPr>
+        <p:txBody>
+          <a:bodyPr wrap="square" rtlCol="0">
+            <a:spAutoFit/>
+          </a:bodyPr>
+          <a:lstStyle/>
+          <a:p>
+            <a:pPr algn="ctr"/>
+            <a:r>
+              <a:rPr lang="en-GB" sz="900" dirty="0" smtClean="0"/>
+              <a:t>5</a:t>
+            </a:r>
+            <a:endParaRPr lang="en-GB" sz="900" dirty="0"/>
+          </a:p>
+        </p:txBody>
+      </p:sp>
+      <p:sp>
+        <p:nvSpPr>
+          <p:cNvPr id="177" name="TextBox 176"/>
+          <p:cNvSpPr txBox="1"/>
+          <p:nvPr/>
+        </p:nvSpPr>
+        <p:spPr>
+          <a:xfrm>
+            <a:off x="7023274" y="4222827"/>
+            <a:ext cx="613042" cy="230832"/>
+          </a:xfrm>
+          <a:prstGeom prst="rect">
+            <a:avLst/>
+          </a:prstGeom>
+          <a:noFill/>
+          <a:ln w="3175">
+            <a:solidFill>
+              <a:schemeClr val="tx1"/>
+            </a:solidFill>
+          </a:ln>
+        </p:spPr>
+        <p:txBody>
+          <a:bodyPr wrap="square" rtlCol="0">
+            <a:spAutoFit/>
+          </a:bodyPr>
+          <a:lstStyle/>
+          <a:p>
+            <a:pPr algn="ctr"/>
+            <a:r>
+              <a:rPr lang="en-GB" sz="900" dirty="0" smtClean="0"/>
+              <a:t>father</a:t>
+            </a:r>
+            <a:endParaRPr lang="en-GB" sz="900" dirty="0"/>
+          </a:p>
+        </p:txBody>
+      </p:sp>
+      <p:sp>
+        <p:nvSpPr>
+          <p:cNvPr id="178" name="TextBox 177"/>
+          <p:cNvSpPr txBox="1"/>
+          <p:nvPr/>
+        </p:nvSpPr>
+        <p:spPr>
+          <a:xfrm>
+            <a:off x="7023274" y="4453659"/>
+            <a:ext cx="1260140" cy="230832"/>
+          </a:xfrm>
+          <a:prstGeom prst="rect">
+            <a:avLst/>
+          </a:prstGeom>
+          <a:noFill/>
+          <a:ln w="3175">
+            <a:solidFill>
+              <a:schemeClr val="tx1"/>
+            </a:solidFill>
+          </a:ln>
+        </p:spPr>
+        <p:txBody>
+          <a:bodyPr wrap="square" rtlCol="0">
+            <a:spAutoFit/>
+          </a:bodyPr>
+          <a:lstStyle/>
+          <a:p>
+            <a:pPr algn="ctr"/>
+            <a:endParaRPr lang="en-GB" sz="900" dirty="0"/>
+          </a:p>
+        </p:txBody>
+      </p:sp>
+      <p:sp>
+        <p:nvSpPr>
+          <p:cNvPr id="179" name="TextBox 178"/>
+          <p:cNvSpPr txBox="1"/>
+          <p:nvPr/>
+        </p:nvSpPr>
+        <p:spPr>
+          <a:xfrm>
+            <a:off x="7743354" y="4222827"/>
+            <a:ext cx="540060" cy="230832"/>
+          </a:xfrm>
+          <a:prstGeom prst="rect">
+            <a:avLst/>
+          </a:prstGeom>
+          <a:noFill/>
+          <a:ln w="3175">
+            <a:solidFill>
+              <a:schemeClr val="tx1"/>
+            </a:solidFill>
+          </a:ln>
+        </p:spPr>
+        <p:txBody>
+          <a:bodyPr wrap="square" rtlCol="0">
+            <a:spAutoFit/>
+          </a:bodyPr>
+          <a:lstStyle/>
+          <a:p>
+            <a:pPr algn="ctr"/>
+            <a:r>
+              <a:rPr lang="en-GB" sz="900" dirty="0" smtClean="0"/>
+              <a:t>person</a:t>
+            </a:r>
+            <a:endParaRPr lang="en-GB" sz="900" dirty="0"/>
+          </a:p>
+        </p:txBody>
+      </p:sp>
+      <p:sp>
+        <p:nvSpPr>
+          <p:cNvPr id="180" name="TextBox 179"/>
+          <p:cNvSpPr txBox="1"/>
+          <p:nvPr/>
+        </p:nvSpPr>
+        <p:spPr>
+          <a:xfrm>
+            <a:off x="1779967" y="2887925"/>
+            <a:ext cx="755110" cy="215444"/>
+          </a:xfrm>
+          <a:prstGeom prst="rect">
+            <a:avLst/>
+          </a:prstGeom>
+          <a:noFill/>
+          <a:ln w="3175">
+            <a:solidFill>
+              <a:schemeClr val="tx1"/>
+            </a:solidFill>
+          </a:ln>
+        </p:spPr>
+        <p:txBody>
+          <a:bodyPr wrap="square" rtlCol="0">
+            <a:spAutoFit/>
+          </a:bodyPr>
+          <a:lstStyle/>
+          <a:p>
+            <a:pPr algn="ctr"/>
+            <a:r>
+              <a:rPr lang="en-GB" sz="800" dirty="0" smtClean="0"/>
+              <a:t>Person</a:t>
+            </a:r>
+            <a:endParaRPr lang="en-GB" sz="1000" dirty="0"/>
+          </a:p>
+        </p:txBody>
+      </p:sp>
+      <p:sp>
+        <p:nvSpPr>
+          <p:cNvPr id="181" name="TextBox 180"/>
+          <p:cNvSpPr txBox="1"/>
+          <p:nvPr/>
+        </p:nvSpPr>
+        <p:spPr>
+          <a:xfrm>
+            <a:off x="744779" y="2896027"/>
+            <a:ext cx="890706" cy="215444"/>
+          </a:xfrm>
+          <a:prstGeom prst="rect">
+            <a:avLst/>
+          </a:prstGeom>
+          <a:noFill/>
+          <a:ln w="3175">
+            <a:solidFill>
+              <a:schemeClr val="tx1"/>
+            </a:solidFill>
+          </a:ln>
+        </p:spPr>
+        <p:txBody>
+          <a:bodyPr wrap="square" rtlCol="0">
+            <a:spAutoFit/>
+          </a:bodyPr>
+          <a:lstStyle/>
+          <a:p>
+            <a:pPr algn="ctr"/>
+            <a:r>
+              <a:rPr lang="en-GB" sz="800" dirty="0" smtClean="0"/>
+              <a:t>Student</a:t>
+            </a:r>
+            <a:endParaRPr lang="en-GB" sz="1000" dirty="0"/>
+          </a:p>
+        </p:txBody>
+      </p:sp>
+      <p:sp>
+        <p:nvSpPr>
+          <p:cNvPr id="182" name="TextBox 181"/>
+          <p:cNvSpPr txBox="1"/>
+          <p:nvPr/>
+        </p:nvSpPr>
+        <p:spPr>
+          <a:xfrm>
+            <a:off x="733903" y="3111471"/>
+            <a:ext cx="1801174" cy="246221"/>
+          </a:xfrm>
+          <a:prstGeom prst="rect">
+            <a:avLst/>
+          </a:prstGeom>
+          <a:noFill/>
+          <a:ln w="3175">
+            <a:solidFill>
+              <a:schemeClr val="tx1"/>
+            </a:solidFill>
+          </a:ln>
+        </p:spPr>
+        <p:txBody>
+          <a:bodyPr wrap="square" rtlCol="0">
+            <a:spAutoFit/>
+          </a:bodyPr>
+          <a:lstStyle/>
+          <a:p>
+            <a:pPr algn="ctr"/>
+            <a:endParaRPr lang="en-GB" sz="1000" dirty="0"/>
+          </a:p>
+        </p:txBody>
+      </p:sp>
+      <p:sp>
+        <p:nvSpPr>
+          <p:cNvPr id="183" name="TextBox 182"/>
+          <p:cNvSpPr txBox="1"/>
+          <p:nvPr/>
+        </p:nvSpPr>
+        <p:spPr>
+          <a:xfrm>
+            <a:off x="7022300" y="4848136"/>
+            <a:ext cx="613042" cy="230832"/>
+          </a:xfrm>
+          <a:prstGeom prst="rect">
+            <a:avLst/>
+          </a:prstGeom>
+          <a:noFill/>
+          <a:ln w="3175">
+            <a:solidFill>
+              <a:schemeClr val="tx1"/>
+            </a:solidFill>
+          </a:ln>
+        </p:spPr>
+        <p:txBody>
+          <a:bodyPr wrap="square" rtlCol="0">
+            <a:spAutoFit/>
+          </a:bodyPr>
+          <a:lstStyle/>
+          <a:p>
+            <a:pPr algn="ctr"/>
+            <a:r>
+              <a:rPr lang="en-GB" sz="900" dirty="0" smtClean="0"/>
+              <a:t>mother</a:t>
+            </a:r>
+            <a:endParaRPr lang="en-GB" sz="900" dirty="0"/>
+          </a:p>
+        </p:txBody>
+      </p:sp>
+      <p:sp>
+        <p:nvSpPr>
+          <p:cNvPr id="184" name="TextBox 183"/>
+          <p:cNvSpPr txBox="1"/>
+          <p:nvPr/>
+        </p:nvSpPr>
+        <p:spPr>
+          <a:xfrm>
+            <a:off x="7022300" y="5078968"/>
+            <a:ext cx="1260140" cy="230832"/>
+          </a:xfrm>
+          <a:prstGeom prst="rect">
+            <a:avLst/>
+          </a:prstGeom>
+          <a:noFill/>
+          <a:ln w="3175">
+            <a:solidFill>
+              <a:schemeClr val="tx1"/>
+            </a:solidFill>
+          </a:ln>
+        </p:spPr>
+        <p:txBody>
+          <a:bodyPr wrap="square" rtlCol="0">
+            <a:spAutoFit/>
+          </a:bodyPr>
+          <a:lstStyle/>
+          <a:p>
+            <a:pPr algn="ctr"/>
+            <a:endParaRPr lang="en-GB" sz="900" dirty="0"/>
+          </a:p>
+        </p:txBody>
+      </p:sp>
+      <p:sp>
+        <p:nvSpPr>
+          <p:cNvPr id="185" name="TextBox 184"/>
+          <p:cNvSpPr txBox="1"/>
+          <p:nvPr/>
+        </p:nvSpPr>
+        <p:spPr>
+          <a:xfrm>
+            <a:off x="7742380" y="4848136"/>
+            <a:ext cx="540060" cy="230832"/>
+          </a:xfrm>
+          <a:prstGeom prst="rect">
+            <a:avLst/>
+          </a:prstGeom>
+          <a:noFill/>
+          <a:ln w="3175">
+            <a:solidFill>
+              <a:schemeClr val="tx1"/>
+            </a:solidFill>
+          </a:ln>
+        </p:spPr>
+        <p:txBody>
+          <a:bodyPr wrap="square" rtlCol="0">
+            <a:spAutoFit/>
+          </a:bodyPr>
+          <a:lstStyle/>
+          <a:p>
+            <a:pPr algn="ctr"/>
+            <a:r>
+              <a:rPr lang="en-GB" sz="900" dirty="0" smtClean="0"/>
+              <a:t>person</a:t>
+            </a:r>
+            <a:endParaRPr lang="en-GB" sz="900" dirty="0"/>
+          </a:p>
+        </p:txBody>
+      </p:sp>
+      <p:cxnSp>
+        <p:nvCxnSpPr>
+          <p:cNvPr id="187" name="Curved Connector 186"/>
+          <p:cNvCxnSpPr>
+            <a:stCxn id="178" idx="1"/>
+            <a:endCxn id="35" idx="3"/>
+          </p:cNvCxnSpPr>
+          <p:nvPr/>
+        </p:nvCxnSpPr>
+        <p:spPr>
+          <a:xfrm rot="10800000">
+            <a:off x="4367104" y="2218609"/>
+            <a:ext cx="2656171" cy="2350467"/>
+          </a:xfrm>
+          <a:prstGeom prst="curvedConnector3">
+            <a:avLst>
+              <a:gd name="adj1" fmla="val 8556"/>
+            </a:avLst>
           </a:prstGeom>
           <a:ln>
             <a:tailEnd type="arrow"/>
@@ -6638,18 +6857,26 @@
       </p:cxnSp>
       <p:cxnSp>
         <p:nvCxnSpPr>
-          <p:cNvPr id="20" name="Straight Connector 19"/>
-          <p:cNvCxnSpPr/>
+          <p:cNvPr id="190" name="Curved Connector 189"/>
+          <p:cNvCxnSpPr>
+            <a:stCxn id="184" idx="1"/>
+            <a:endCxn id="148" idx="3"/>
+          </p:cNvCxnSpPr>
           <p:nvPr/>
         </p:nvCxnSpPr>
         <p:spPr>
-          <a:xfrm>
-            <a:off x="107504" y="2661155"/>
-            <a:ext cx="8784976" cy="0"/>
-          </a:xfrm>
-          <a:prstGeom prst="line">
-            <a:avLst/>
-          </a:prstGeom>
+          <a:xfrm rot="10800000">
+            <a:off x="6415270" y="2970684"/>
+            <a:ext cx="607031" cy="2223701"/>
+          </a:xfrm>
+          <a:prstGeom prst="curvedConnector3">
+            <a:avLst>
+              <a:gd name="adj1" fmla="val 50000"/>
+            </a:avLst>
+          </a:prstGeom>
+          <a:ln>
+            <a:tailEnd type="arrow"/>
+          </a:ln>
         </p:spPr>
         <p:style>
           <a:lnRef idx="1">
@@ -6666,234 +6893,24 @@
           </a:fontRef>
         </p:style>
       </p:cxnSp>
-      <p:sp>
-        <p:nvSpPr>
-          <p:cNvPr id="21" name="TextBox 20"/>
-          <p:cNvSpPr txBox="1"/>
-          <p:nvPr/>
-        </p:nvSpPr>
-        <p:spPr>
-          <a:xfrm>
-            <a:off x="2060104" y="3832011"/>
-            <a:ext cx="755110" cy="307777"/>
-          </a:xfrm>
-          <a:prstGeom prst="rect">
-            <a:avLst/>
-          </a:prstGeom>
-          <a:noFill/>
-          <a:ln w="3175">
-            <a:solidFill>
-              <a:schemeClr val="tx1"/>
-            </a:solidFill>
-          </a:ln>
-        </p:spPr>
-        <p:txBody>
-          <a:bodyPr wrap="square" rtlCol="0">
-            <a:spAutoFit/>
-          </a:bodyPr>
-          <a:lstStyle/>
-          <a:p>
-            <a:pPr algn="ctr"/>
-            <a:r>
-              <a:rPr lang="en-GB" sz="1400" dirty="0" smtClean="0"/>
-              <a:t>Point</a:t>
-            </a:r>
-            <a:endParaRPr lang="en-GB" dirty="0"/>
-          </a:p>
-        </p:txBody>
-      </p:sp>
-      <p:sp>
-        <p:nvSpPr>
-          <p:cNvPr id="22" name="TextBox 21"/>
-          <p:cNvSpPr txBox="1"/>
-          <p:nvPr/>
-        </p:nvSpPr>
-        <p:spPr>
-          <a:xfrm>
-            <a:off x="1015014" y="3832011"/>
-            <a:ext cx="900100" cy="307777"/>
-          </a:xfrm>
-          <a:prstGeom prst="rect">
-            <a:avLst/>
-          </a:prstGeom>
-          <a:noFill/>
-          <a:ln w="3175">
-            <a:solidFill>
-              <a:schemeClr val="tx1"/>
-            </a:solidFill>
-          </a:ln>
-        </p:spPr>
-        <p:txBody>
-          <a:bodyPr wrap="square" rtlCol="0">
-            <a:spAutoFit/>
-          </a:bodyPr>
-          <a:lstStyle/>
-          <a:p>
-            <a:pPr algn="ctr"/>
-            <a:r>
-              <a:rPr lang="en-GB" sz="1400" dirty="0" smtClean="0"/>
-              <a:t>Point</a:t>
-            </a:r>
-            <a:endParaRPr lang="en-GB" dirty="0"/>
-          </a:p>
-        </p:txBody>
-      </p:sp>
-      <p:sp>
-        <p:nvSpPr>
-          <p:cNvPr id="23" name="TextBox 22"/>
-          <p:cNvSpPr txBox="1"/>
-          <p:nvPr/>
-        </p:nvSpPr>
-        <p:spPr>
-          <a:xfrm>
-            <a:off x="1015014" y="4139788"/>
-            <a:ext cx="1794358" cy="369332"/>
-          </a:xfrm>
-          <a:prstGeom prst="rect">
-            <a:avLst/>
-          </a:prstGeom>
-          <a:noFill/>
-          <a:ln w="3175">
-            <a:solidFill>
-              <a:schemeClr val="tx1"/>
-            </a:solidFill>
-          </a:ln>
-        </p:spPr>
-        <p:txBody>
-          <a:bodyPr wrap="square" rtlCol="0">
-            <a:spAutoFit/>
-          </a:bodyPr>
-          <a:lstStyle/>
-          <a:p>
-            <a:pPr algn="ctr"/>
-            <a:endParaRPr lang="en-GB" dirty="0"/>
-          </a:p>
-        </p:txBody>
-      </p:sp>
-      <p:sp>
-        <p:nvSpPr>
-          <p:cNvPr id="24" name="TextBox 23"/>
-          <p:cNvSpPr txBox="1"/>
-          <p:nvPr/>
-        </p:nvSpPr>
-        <p:spPr>
-          <a:xfrm>
-            <a:off x="2167142" y="2895907"/>
-            <a:ext cx="648072" cy="307777"/>
-          </a:xfrm>
-          <a:prstGeom prst="rect">
-            <a:avLst/>
-          </a:prstGeom>
-          <a:noFill/>
-          <a:ln w="3175">
-            <a:solidFill>
-              <a:schemeClr val="tx1"/>
-            </a:solidFill>
-          </a:ln>
-        </p:spPr>
-        <p:txBody>
-          <a:bodyPr wrap="square" rtlCol="0">
-            <a:spAutoFit/>
-          </a:bodyPr>
-          <a:lstStyle/>
-          <a:p>
-            <a:pPr algn="ctr"/>
-            <a:r>
-              <a:rPr lang="en-GB" sz="1400" dirty="0" err="1" smtClean="0"/>
-              <a:t>int</a:t>
-            </a:r>
-            <a:endParaRPr lang="en-GB" sz="1400" dirty="0"/>
-          </a:p>
-        </p:txBody>
-      </p:sp>
-      <p:sp>
-        <p:nvSpPr>
-          <p:cNvPr id="25" name="TextBox 24"/>
-          <p:cNvSpPr txBox="1"/>
-          <p:nvPr/>
-        </p:nvSpPr>
-        <p:spPr>
-          <a:xfrm>
-            <a:off x="1015014" y="2895907"/>
-            <a:ext cx="757058" cy="307777"/>
-          </a:xfrm>
-          <a:prstGeom prst="rect">
-            <a:avLst/>
-          </a:prstGeom>
-          <a:noFill/>
-          <a:ln w="3175">
-            <a:solidFill>
-              <a:schemeClr val="tx1"/>
-            </a:solidFill>
-          </a:ln>
-        </p:spPr>
-        <p:txBody>
-          <a:bodyPr wrap="square" rtlCol="0">
-            <a:spAutoFit/>
-          </a:bodyPr>
-          <a:lstStyle/>
-          <a:p>
-            <a:pPr algn="ctr"/>
-            <a:r>
-              <a:rPr lang="en-GB" sz="1400" dirty="0" smtClean="0"/>
-              <a:t>n</a:t>
-            </a:r>
-            <a:endParaRPr lang="en-GB" sz="1400" dirty="0"/>
-          </a:p>
-        </p:txBody>
-      </p:sp>
-      <p:sp>
-        <p:nvSpPr>
-          <p:cNvPr id="26" name="TextBox 25"/>
-          <p:cNvSpPr txBox="1"/>
-          <p:nvPr/>
-        </p:nvSpPr>
-        <p:spPr>
-          <a:xfrm>
-            <a:off x="1015988" y="3203684"/>
-            <a:ext cx="1800200" cy="307777"/>
-          </a:xfrm>
-          <a:prstGeom prst="rect">
-            <a:avLst/>
-          </a:prstGeom>
-          <a:noFill/>
-          <a:ln w="3175">
-            <a:solidFill>
-              <a:schemeClr val="tx1"/>
-            </a:solidFill>
-          </a:ln>
-        </p:spPr>
-        <p:txBody>
-          <a:bodyPr wrap="square" rtlCol="0">
-            <a:spAutoFit/>
-          </a:bodyPr>
-          <a:lstStyle/>
-          <a:p>
-            <a:pPr algn="ctr"/>
-            <a:r>
-              <a:rPr lang="en-GB" sz="1400" dirty="0"/>
-              <a:t>0</a:t>
-            </a:r>
-            <a:endParaRPr lang="en-GB" sz="1400" dirty="0"/>
-          </a:p>
-        </p:txBody>
-      </p:sp>
       <p:cxnSp>
         <p:nvCxnSpPr>
-          <p:cNvPr id="27" name="Curved Connector 26"/>
+          <p:cNvPr id="195" name="Curved Connector 194"/>
           <p:cNvCxnSpPr>
-            <a:stCxn id="23" idx="3"/>
-            <a:endCxn id="6" idx="1"/>
+            <a:stCxn id="182" idx="3"/>
+            <a:endCxn id="167" idx="1"/>
           </p:cNvCxnSpPr>
           <p:nvPr/>
         </p:nvCxnSpPr>
         <p:spPr>
-          <a:xfrm flipV="1">
-            <a:off x="2809372" y="1672645"/>
-            <a:ext cx="3562828" cy="2651809"/>
+          <a:xfrm>
+            <a:off x="2535077" y="3234582"/>
+            <a:ext cx="4380185" cy="787272"/>
           </a:xfrm>
           <a:prstGeom prst="curvedConnector3">
-            <a:avLst/>
+            <a:avLst>
+              <a:gd name="adj1" fmla="val 49392"/>
+            </a:avLst>
           </a:prstGeom>
           <a:ln>
             <a:tailEnd type="arrow"/>
@@ -6916,38 +6933,454 @@
       </p:cxnSp>
       <p:sp>
         <p:nvSpPr>
-          <p:cNvPr id="28" name="TextBox 27"/>
-          <p:cNvSpPr txBox="1"/>
-          <p:nvPr/>
-        </p:nvSpPr>
-        <p:spPr>
-          <a:xfrm>
-            <a:off x="3995936" y="476672"/>
-            <a:ext cx="1512168" cy="369332"/>
-          </a:xfrm>
-          <a:prstGeom prst="rect">
-            <a:avLst/>
-          </a:prstGeom>
-          <a:noFill/>
-        </p:spPr>
-        <p:txBody>
-          <a:bodyPr wrap="square" rtlCol="0">
-            <a:spAutoFit/>
-          </a:bodyPr>
-          <a:lstStyle/>
-          <a:p>
-            <a:pPr algn="ctr"/>
-            <a:r>
-              <a:rPr lang="en-GB" dirty="0" smtClean="0"/>
-              <a:t>2.1a</a:t>
-            </a:r>
-          </a:p>
-        </p:txBody>
-      </p:sp>
+          <p:cNvPr id="203" name="TextBox 202"/>
+          <p:cNvSpPr txBox="1"/>
+          <p:nvPr/>
+        </p:nvSpPr>
+        <p:spPr>
+          <a:xfrm>
+            <a:off x="7697599" y="826928"/>
+            <a:ext cx="571034" cy="230832"/>
+          </a:xfrm>
+          <a:prstGeom prst="rect">
+            <a:avLst/>
+          </a:prstGeom>
+          <a:noFill/>
+          <a:ln w="3175">
+            <a:solidFill>
+              <a:schemeClr val="tx1"/>
+            </a:solidFill>
+          </a:ln>
+        </p:spPr>
+        <p:txBody>
+          <a:bodyPr wrap="square" rtlCol="0">
+            <a:spAutoFit/>
+          </a:bodyPr>
+          <a:lstStyle/>
+          <a:p>
+            <a:pPr algn="ctr"/>
+            <a:r>
+              <a:rPr lang="en-GB" sz="900" dirty="0" smtClean="0"/>
+              <a:t>string</a:t>
+            </a:r>
+            <a:endParaRPr lang="en-GB" sz="900" dirty="0"/>
+          </a:p>
+        </p:txBody>
+      </p:sp>
+      <p:sp>
+        <p:nvSpPr>
+          <p:cNvPr id="204" name="TextBox 203"/>
+          <p:cNvSpPr txBox="1"/>
+          <p:nvPr/>
+        </p:nvSpPr>
+        <p:spPr>
+          <a:xfrm>
+            <a:off x="7007519" y="826568"/>
+            <a:ext cx="613042" cy="230832"/>
+          </a:xfrm>
+          <a:prstGeom prst="rect">
+            <a:avLst/>
+          </a:prstGeom>
+          <a:noFill/>
+          <a:ln w="3175">
+            <a:solidFill>
+              <a:schemeClr val="tx1"/>
+            </a:solidFill>
+          </a:ln>
+        </p:spPr>
+        <p:txBody>
+          <a:bodyPr wrap="square" rtlCol="0">
+            <a:spAutoFit/>
+          </a:bodyPr>
+          <a:lstStyle/>
+          <a:p>
+            <a:pPr algn="ctr"/>
+            <a:r>
+              <a:rPr lang="en-GB" sz="900" dirty="0" smtClean="0"/>
+              <a:t>name</a:t>
+            </a:r>
+            <a:endParaRPr lang="en-GB" sz="900" dirty="0"/>
+          </a:p>
+        </p:txBody>
+      </p:sp>
+      <p:sp>
+        <p:nvSpPr>
+          <p:cNvPr id="205" name="TextBox 204"/>
+          <p:cNvSpPr txBox="1"/>
+          <p:nvPr/>
+        </p:nvSpPr>
+        <p:spPr>
+          <a:xfrm>
+            <a:off x="7007519" y="1057400"/>
+            <a:ext cx="1260140" cy="230832"/>
+          </a:xfrm>
+          <a:prstGeom prst="rect">
+            <a:avLst/>
+          </a:prstGeom>
+          <a:noFill/>
+          <a:ln w="3175">
+            <a:solidFill>
+              <a:schemeClr val="tx1"/>
+            </a:solidFill>
+          </a:ln>
+        </p:spPr>
+        <p:txBody>
+          <a:bodyPr wrap="square" rtlCol="0">
+            <a:spAutoFit/>
+          </a:bodyPr>
+          <a:lstStyle/>
+          <a:p>
+            <a:pPr algn="ctr"/>
+            <a:r>
+              <a:rPr lang="en-GB" sz="900" dirty="0" smtClean="0"/>
+              <a:t>“John Smith”</a:t>
+            </a:r>
+            <a:endParaRPr lang="en-GB" sz="900" dirty="0"/>
+          </a:p>
+        </p:txBody>
+      </p:sp>
+      <p:cxnSp>
+        <p:nvCxnSpPr>
+          <p:cNvPr id="207" name="Curved Connector 206"/>
+          <p:cNvCxnSpPr>
+            <a:stCxn id="40" idx="3"/>
+            <a:endCxn id="205" idx="1"/>
+          </p:cNvCxnSpPr>
+          <p:nvPr/>
+        </p:nvCxnSpPr>
+        <p:spPr>
+          <a:xfrm flipV="1">
+            <a:off x="4295095" y="1172816"/>
+            <a:ext cx="2712424" cy="892047"/>
+          </a:xfrm>
+          <a:prstGeom prst="curvedConnector3">
+            <a:avLst>
+              <a:gd name="adj1" fmla="val 15634"/>
+            </a:avLst>
+          </a:prstGeom>
+          <a:ln>
+            <a:tailEnd type="arrow"/>
+          </a:ln>
+        </p:spPr>
+        <p:style>
+          <a:lnRef idx="1">
+            <a:schemeClr val="accent1"/>
+          </a:lnRef>
+          <a:fillRef idx="0">
+            <a:schemeClr val="accent1"/>
+          </a:fillRef>
+          <a:effectRef idx="0">
+            <a:schemeClr val="accent1"/>
+          </a:effectRef>
+          <a:fontRef idx="minor">
+            <a:schemeClr val="tx1"/>
+          </a:fontRef>
+        </p:style>
+      </p:cxnSp>
+      <p:sp>
+        <p:nvSpPr>
+          <p:cNvPr id="208" name="TextBox 207"/>
+          <p:cNvSpPr txBox="1"/>
+          <p:nvPr/>
+        </p:nvSpPr>
+        <p:spPr>
+          <a:xfrm>
+            <a:off x="7697599" y="1449565"/>
+            <a:ext cx="571034" cy="230832"/>
+          </a:xfrm>
+          <a:prstGeom prst="rect">
+            <a:avLst/>
+          </a:prstGeom>
+          <a:noFill/>
+          <a:ln w="3175">
+            <a:solidFill>
+              <a:schemeClr val="tx1"/>
+            </a:solidFill>
+          </a:ln>
+        </p:spPr>
+        <p:txBody>
+          <a:bodyPr wrap="square" rtlCol="0">
+            <a:spAutoFit/>
+          </a:bodyPr>
+          <a:lstStyle/>
+          <a:p>
+            <a:pPr algn="ctr"/>
+            <a:r>
+              <a:rPr lang="en-GB" sz="900" dirty="0" smtClean="0"/>
+              <a:t>string</a:t>
+            </a:r>
+            <a:endParaRPr lang="en-GB" sz="900" dirty="0"/>
+          </a:p>
+        </p:txBody>
+      </p:sp>
+      <p:sp>
+        <p:nvSpPr>
+          <p:cNvPr id="209" name="TextBox 208"/>
+          <p:cNvSpPr txBox="1"/>
+          <p:nvPr/>
+        </p:nvSpPr>
+        <p:spPr>
+          <a:xfrm>
+            <a:off x="7007519" y="1449205"/>
+            <a:ext cx="613042" cy="230832"/>
+          </a:xfrm>
+          <a:prstGeom prst="rect">
+            <a:avLst/>
+          </a:prstGeom>
+          <a:noFill/>
+          <a:ln w="3175">
+            <a:solidFill>
+              <a:schemeClr val="tx1"/>
+            </a:solidFill>
+          </a:ln>
+        </p:spPr>
+        <p:txBody>
+          <a:bodyPr wrap="square" rtlCol="0">
+            <a:spAutoFit/>
+          </a:bodyPr>
+          <a:lstStyle/>
+          <a:p>
+            <a:pPr algn="ctr"/>
+            <a:r>
+              <a:rPr lang="en-GB" sz="900" dirty="0" smtClean="0"/>
+              <a:t>name</a:t>
+            </a:r>
+            <a:endParaRPr lang="en-GB" sz="900" dirty="0"/>
+          </a:p>
+        </p:txBody>
+      </p:sp>
+      <p:sp>
+        <p:nvSpPr>
+          <p:cNvPr id="210" name="TextBox 209"/>
+          <p:cNvSpPr txBox="1"/>
+          <p:nvPr/>
+        </p:nvSpPr>
+        <p:spPr>
+          <a:xfrm>
+            <a:off x="7007519" y="1680037"/>
+            <a:ext cx="1260140" cy="230832"/>
+          </a:xfrm>
+          <a:prstGeom prst="rect">
+            <a:avLst/>
+          </a:prstGeom>
+          <a:noFill/>
+          <a:ln w="3175">
+            <a:solidFill>
+              <a:schemeClr val="tx1"/>
+            </a:solidFill>
+          </a:ln>
+        </p:spPr>
+        <p:txBody>
+          <a:bodyPr wrap="square" rtlCol="0">
+            <a:spAutoFit/>
+          </a:bodyPr>
+          <a:lstStyle/>
+          <a:p>
+            <a:pPr algn="ctr"/>
+            <a:r>
+              <a:rPr lang="en-GB" sz="900" dirty="0" smtClean="0"/>
+              <a:t>“Mary Smith”</a:t>
+            </a:r>
+            <a:endParaRPr lang="en-GB" sz="900" dirty="0"/>
+          </a:p>
+        </p:txBody>
+      </p:sp>
+      <p:cxnSp>
+        <p:nvCxnSpPr>
+          <p:cNvPr id="212" name="Curved Connector 211"/>
+          <p:cNvCxnSpPr>
+            <a:stCxn id="151" idx="3"/>
+            <a:endCxn id="210" idx="1"/>
+          </p:cNvCxnSpPr>
+          <p:nvPr/>
+        </p:nvCxnSpPr>
+        <p:spPr>
+          <a:xfrm flipV="1">
+            <a:off x="6343261" y="1795453"/>
+            <a:ext cx="664258" cy="1021485"/>
+          </a:xfrm>
+          <a:prstGeom prst="curvedConnector3">
+            <a:avLst>
+              <a:gd name="adj1" fmla="val 50000"/>
+            </a:avLst>
+          </a:prstGeom>
+          <a:ln>
+            <a:tailEnd type="arrow"/>
+          </a:ln>
+        </p:spPr>
+        <p:style>
+          <a:lnRef idx="1">
+            <a:schemeClr val="accent1"/>
+          </a:lnRef>
+          <a:fillRef idx="0">
+            <a:schemeClr val="accent1"/>
+          </a:fillRef>
+          <a:effectRef idx="0">
+            <a:schemeClr val="accent1"/>
+          </a:effectRef>
+          <a:fontRef idx="minor">
+            <a:schemeClr val="tx1"/>
+          </a:fontRef>
+        </p:style>
+      </p:cxnSp>
+      <p:sp>
+        <p:nvSpPr>
+          <p:cNvPr id="215" name="TextBox 214"/>
+          <p:cNvSpPr txBox="1"/>
+          <p:nvPr/>
+        </p:nvSpPr>
+        <p:spPr>
+          <a:xfrm>
+            <a:off x="7697599" y="2010186"/>
+            <a:ext cx="571034" cy="230832"/>
+          </a:xfrm>
+          <a:prstGeom prst="rect">
+            <a:avLst/>
+          </a:prstGeom>
+          <a:noFill/>
+          <a:ln w="3175">
+            <a:solidFill>
+              <a:schemeClr val="tx1"/>
+            </a:solidFill>
+          </a:ln>
+        </p:spPr>
+        <p:txBody>
+          <a:bodyPr wrap="square" rtlCol="0">
+            <a:spAutoFit/>
+          </a:bodyPr>
+          <a:lstStyle/>
+          <a:p>
+            <a:pPr algn="ctr"/>
+            <a:r>
+              <a:rPr lang="en-GB" sz="900" dirty="0" smtClean="0"/>
+              <a:t>string</a:t>
+            </a:r>
+            <a:endParaRPr lang="en-GB" sz="900" dirty="0"/>
+          </a:p>
+        </p:txBody>
+      </p:sp>
+      <p:sp>
+        <p:nvSpPr>
+          <p:cNvPr id="216" name="TextBox 215"/>
+          <p:cNvSpPr txBox="1"/>
+          <p:nvPr/>
+        </p:nvSpPr>
+        <p:spPr>
+          <a:xfrm>
+            <a:off x="7007519" y="2009826"/>
+            <a:ext cx="613042" cy="230832"/>
+          </a:xfrm>
+          <a:prstGeom prst="rect">
+            <a:avLst/>
+          </a:prstGeom>
+          <a:noFill/>
+          <a:ln w="3175">
+            <a:solidFill>
+              <a:schemeClr val="tx1"/>
+            </a:solidFill>
+          </a:ln>
+        </p:spPr>
+        <p:txBody>
+          <a:bodyPr wrap="square" rtlCol="0">
+            <a:spAutoFit/>
+          </a:bodyPr>
+          <a:lstStyle/>
+          <a:p>
+            <a:pPr algn="ctr"/>
+            <a:r>
+              <a:rPr lang="en-GB" sz="900" dirty="0" smtClean="0"/>
+              <a:t>name</a:t>
+            </a:r>
+            <a:endParaRPr lang="en-GB" sz="900" dirty="0"/>
+          </a:p>
+        </p:txBody>
+      </p:sp>
+      <p:sp>
+        <p:nvSpPr>
+          <p:cNvPr id="217" name="TextBox 216"/>
+          <p:cNvSpPr txBox="1"/>
+          <p:nvPr/>
+        </p:nvSpPr>
+        <p:spPr>
+          <a:xfrm>
+            <a:off x="7007519" y="2240658"/>
+            <a:ext cx="1260140" cy="230832"/>
+          </a:xfrm>
+          <a:prstGeom prst="rect">
+            <a:avLst/>
+          </a:prstGeom>
+          <a:noFill/>
+          <a:ln w="3175">
+            <a:solidFill>
+              <a:schemeClr val="tx1"/>
+            </a:solidFill>
+          </a:ln>
+        </p:spPr>
+        <p:txBody>
+          <a:bodyPr wrap="square" rtlCol="0">
+            <a:spAutoFit/>
+          </a:bodyPr>
+          <a:lstStyle/>
+          <a:p>
+            <a:pPr algn="ctr"/>
+            <a:r>
+              <a:rPr lang="en-GB" sz="900" dirty="0" smtClean="0"/>
+              <a:t>“John Smith, </a:t>
+            </a:r>
+            <a:r>
+              <a:rPr lang="en-GB" sz="900" dirty="0" err="1" smtClean="0"/>
+              <a:t>Jr</a:t>
+            </a:r>
+            <a:r>
+              <a:rPr lang="en-GB" sz="900" dirty="0" smtClean="0"/>
+              <a:t>”</a:t>
+            </a:r>
+            <a:endParaRPr lang="en-GB" sz="900" dirty="0"/>
+          </a:p>
+        </p:txBody>
+      </p:sp>
+      <p:cxnSp>
+        <p:nvCxnSpPr>
+          <p:cNvPr id="219" name="Curved Connector 218"/>
+          <p:cNvCxnSpPr>
+            <a:stCxn id="170" idx="3"/>
+            <a:endCxn id="217" idx="3"/>
+          </p:cNvCxnSpPr>
+          <p:nvPr/>
+        </p:nvCxnSpPr>
+        <p:spPr>
+          <a:xfrm flipH="1" flipV="1">
+            <a:off x="8267659" y="2356074"/>
+            <a:ext cx="15755" cy="1512035"/>
+          </a:xfrm>
+          <a:prstGeom prst="curvedConnector3">
+            <a:avLst>
+              <a:gd name="adj1" fmla="val -1450968"/>
+            </a:avLst>
+          </a:prstGeom>
+          <a:ln>
+            <a:tailEnd type="arrow"/>
+          </a:ln>
+        </p:spPr>
+        <p:style>
+          <a:lnRef idx="1">
+            <a:schemeClr val="accent1"/>
+          </a:lnRef>
+          <a:fillRef idx="0">
+            <a:schemeClr val="accent1"/>
+          </a:fillRef>
+          <a:effectRef idx="0">
+            <a:schemeClr val="accent1"/>
+          </a:effectRef>
+          <a:fontRef idx="minor">
+            <a:schemeClr val="tx1"/>
+          </a:fontRef>
+        </p:style>
+      </p:cxnSp>
     </p:spTree>
     <p:extLst>
       <p:ext uri="{BB962C8B-B14F-4D97-AF65-F5344CB8AC3E}">
-        <p14:creationId xmlns:p14="http://schemas.microsoft.com/office/powerpoint/2010/main" val="2456716594"/>
+        <p14:creationId xmlns:p14="http://schemas.microsoft.com/office/powerpoint/2010/main" val="4280981398"/>
       </p:ext>
     </p:extLst>
   </p:cSld>
@@ -7247,4 +7680,289 @@
   <a:objectDefaults/>
   <a:extraClrSchemeLst/>
 </a:theme>
+</file>
+
+<file path=ppt/theme/theme2.xml><?xml version="1.0" encoding="utf-8"?>
+<a:theme xmlns:a="http://schemas.openxmlformats.org/drawingml/2006/main" name="Office Theme">
+  <a:themeElements>
+    <a:clrScheme name="Office">
+      <a:dk1>
+        <a:sysClr val="windowText" lastClr="000000"/>
+      </a:dk1>
+      <a:lt1>
+        <a:sysClr val="window" lastClr="FFFFFF"/>
+      </a:lt1>
+      <a:dk2>
+        <a:srgbClr val="1F497D"/>
+      </a:dk2>
+      <a:lt2>
+        <a:srgbClr val="EEECE1"/>
+      </a:lt2>
+      <a:accent1>
+        <a:srgbClr val="4F81BD"/>
+      </a:accent1>
+      <a:accent2>
+        <a:srgbClr val="C0504D"/>
+      </a:accent2>
+      <a:accent3>
+        <a:srgbClr val="9BBB59"/>
+      </a:accent3>
+      <a:accent4>
+        <a:srgbClr val="8064A2"/>
+      </a:accent4>
+      <a:accent5>
+        <a:srgbClr val="4BACC6"/>
+      </a:accent5>
+      <a:accent6>
+        <a:srgbClr val="F79646"/>
+      </a:accent6>
+      <a:hlink>
+        <a:srgbClr val="0000FF"/>
+      </a:hlink>
+      <a:folHlink>
+        <a:srgbClr val="800080"/>
+      </a:folHlink>
+    </a:clrScheme>
+    <a:fontScheme name="Office">
+      <a:majorFont>
+        <a:latin typeface="Calibri"/>
+        <a:ea typeface=""/>
+        <a:cs typeface=""/>
+        <a:font script="Jpan" typeface="ＭＳ Ｐゴシック"/>
+        <a:font script="Hang" typeface="맑은 고딕"/>
+        <a:font script="Hans" typeface="宋体"/>
+        <a:font script="Hant" typeface="新細明體"/>
+        <a:font script="Arab" typeface="Times New Roman"/>
+        <a:font script="Hebr" typeface="Times New Roman"/>
+        <a:font script="Thai" typeface="Angsana New"/>
+        <a:font script="Ethi" typeface="Nyala"/>
+        <a:font script="Beng" typeface="Vrinda"/>
+        <a:font script="Gujr" typeface="Shruti"/>
+        <a:font script="Khmr" typeface="MoolBoran"/>
+        <a:font script="Knda" typeface="Tunga"/>
+        <a:font script="Guru" typeface="Raavi"/>
+        <a:font script="Cans" typeface="Euphemia"/>
+        <a:font script="Cher" typeface="Plantagenet Cherokee"/>
+        <a:font script="Yiii" typeface="Microsoft Yi Baiti"/>
+        <a:font script="Tibt" typeface="Microsoft Himalaya"/>
+        <a:font script="Thaa" typeface="MV Boli"/>
+        <a:font script="Deva" typeface="Mangal"/>
+        <a:font script="Telu" typeface="Gautami"/>
+        <a:font script="Taml" typeface="Latha"/>
+        <a:font script="Syrc" typeface="Estrangelo Edessa"/>
+        <a:font script="Orya" typeface="Kalinga"/>
+        <a:font script="Mlym" typeface="Kartika"/>
+        <a:font script="Laoo" typeface="DokChampa"/>
+        <a:font script="Sinh" typeface="Iskoola Pota"/>
+        <a:font script="Mong" typeface="Mongolian Baiti"/>
+        <a:font script="Viet" typeface="Times New Roman"/>
+        <a:font script="Uigh" typeface="Microsoft Uighur"/>
+        <a:font script="Geor" typeface="Sylfaen"/>
+      </a:majorFont>
+      <a:minorFont>
+        <a:latin typeface="Calibri"/>
+        <a:ea typeface=""/>
+        <a:cs typeface=""/>
+        <a:font script="Jpan" typeface="ＭＳ Ｐゴシック"/>
+        <a:font script="Hang" typeface="맑은 고딕"/>
+        <a:font script="Hans" typeface="宋体"/>
+        <a:font script="Hant" typeface="新細明體"/>
+        <a:font script="Arab" typeface="Arial"/>
+        <a:font script="Hebr" typeface="Arial"/>
+        <a:font script="Thai" typeface="Cordia New"/>
+        <a:font script="Ethi" typeface="Nyala"/>
+        <a:font script="Beng" typeface="Vrinda"/>
+        <a:font script="Gujr" typeface="Shruti"/>
+        <a:font script="Khmr" typeface="DaunPenh"/>
+        <a:font script="Knda" typeface="Tunga"/>
+        <a:font script="Guru" typeface="Raavi"/>
+        <a:font script="Cans" typeface="Euphemia"/>
+        <a:font script="Cher" typeface="Plantagenet Cherokee"/>
+        <a:font script="Yiii" typeface="Microsoft Yi Baiti"/>
+        <a:font script="Tibt" typeface="Microsoft Himalaya"/>
+        <a:font script="Thaa" typeface="MV Boli"/>
+        <a:font script="Deva" typeface="Mangal"/>
+        <a:font script="Telu" typeface="Gautami"/>
+        <a:font script="Taml" typeface="Latha"/>
+        <a:font script="Syrc" typeface="Estrangelo Edessa"/>
+        <a:font script="Orya" typeface="Kalinga"/>
+        <a:font script="Mlym" typeface="Kartika"/>
+        <a:font script="Laoo" typeface="DokChampa"/>
+        <a:font script="Sinh" typeface="Iskoola Pota"/>
+        <a:font script="Mong" typeface="Mongolian Baiti"/>
+        <a:font script="Viet" typeface="Arial"/>
+        <a:font script="Uigh" typeface="Microsoft Uighur"/>
+        <a:font script="Geor" typeface="Sylfaen"/>
+      </a:minorFont>
+    </a:fontScheme>
+    <a:fmtScheme name="Office">
+      <a:fillStyleLst>
+        <a:solidFill>
+          <a:schemeClr val="phClr"/>
+        </a:solidFill>
+        <a:gradFill rotWithShape="1">
+          <a:gsLst>
+            <a:gs pos="0">
+              <a:schemeClr val="phClr">
+                <a:tint val="50000"/>
+                <a:satMod val="300000"/>
+              </a:schemeClr>
+            </a:gs>
+            <a:gs pos="35000">
+              <a:schemeClr val="phClr">
+                <a:tint val="37000"/>
+                <a:satMod val="300000"/>
+              </a:schemeClr>
+            </a:gs>
+            <a:gs pos="100000">
+              <a:schemeClr val="phClr">
+                <a:tint val="15000"/>
+                <a:satMod val="350000"/>
+              </a:schemeClr>
+            </a:gs>
+          </a:gsLst>
+          <a:lin ang="16200000" scaled="1"/>
+        </a:gradFill>
+        <a:gradFill rotWithShape="1">
+          <a:gsLst>
+            <a:gs pos="0">
+              <a:schemeClr val="phClr">
+                <a:shade val="51000"/>
+                <a:satMod val="130000"/>
+              </a:schemeClr>
+            </a:gs>
+            <a:gs pos="80000">
+              <a:schemeClr val="phClr">
+                <a:shade val="93000"/>
+                <a:satMod val="130000"/>
+              </a:schemeClr>
+            </a:gs>
+            <a:gs pos="100000">
+              <a:schemeClr val="phClr">
+                <a:shade val="94000"/>
+                <a:satMod val="135000"/>
+              </a:schemeClr>
+            </a:gs>
+          </a:gsLst>
+          <a:lin ang="16200000" scaled="0"/>
+        </a:gradFill>
+      </a:fillStyleLst>
+      <a:lnStyleLst>
+        <a:ln w="9525" cap="flat" cmpd="sng" algn="ctr">
+          <a:solidFill>
+            <a:schemeClr val="phClr">
+              <a:shade val="95000"/>
+              <a:satMod val="105000"/>
+            </a:schemeClr>
+          </a:solidFill>
+          <a:prstDash val="solid"/>
+        </a:ln>
+        <a:ln w="25400" cap="flat" cmpd="sng" algn="ctr">
+          <a:solidFill>
+            <a:schemeClr val="phClr"/>
+          </a:solidFill>
+          <a:prstDash val="solid"/>
+        </a:ln>
+        <a:ln w="38100" cap="flat" cmpd="sng" algn="ctr">
+          <a:solidFill>
+            <a:schemeClr val="phClr"/>
+          </a:solidFill>
+          <a:prstDash val="solid"/>
+        </a:ln>
+      </a:lnStyleLst>
+      <a:effectStyleLst>
+        <a:effectStyle>
+          <a:effectLst>
+            <a:outerShdw blurRad="40000" dist="20000" dir="5400000" rotWithShape="0">
+              <a:srgbClr val="000000">
+                <a:alpha val="38000"/>
+              </a:srgbClr>
+            </a:outerShdw>
+          </a:effectLst>
+        </a:effectStyle>
+        <a:effectStyle>
+          <a:effectLst>
+            <a:outerShdw blurRad="40000" dist="23000" dir="5400000" rotWithShape="0">
+              <a:srgbClr val="000000">
+                <a:alpha val="35000"/>
+              </a:srgbClr>
+            </a:outerShdw>
+          </a:effectLst>
+        </a:effectStyle>
+        <a:effectStyle>
+          <a:effectLst>
+            <a:outerShdw blurRad="40000" dist="23000" dir="5400000" rotWithShape="0">
+              <a:srgbClr val="000000">
+                <a:alpha val="35000"/>
+              </a:srgbClr>
+            </a:outerShdw>
+          </a:effectLst>
+          <a:scene3d>
+            <a:camera prst="orthographicFront">
+              <a:rot lat="0" lon="0" rev="0"/>
+            </a:camera>
+            <a:lightRig rig="threePt" dir="t">
+              <a:rot lat="0" lon="0" rev="1200000"/>
+            </a:lightRig>
+          </a:scene3d>
+          <a:sp3d>
+            <a:bevelT w="63500" h="25400"/>
+          </a:sp3d>
+        </a:effectStyle>
+      </a:effectStyleLst>
+      <a:bgFillStyleLst>
+        <a:solidFill>
+          <a:schemeClr val="phClr"/>
+        </a:solidFill>
+        <a:gradFill rotWithShape="1">
+          <a:gsLst>
+            <a:gs pos="0">
+              <a:schemeClr val="phClr">
+                <a:tint val="40000"/>
+                <a:satMod val="350000"/>
+              </a:schemeClr>
+            </a:gs>
+            <a:gs pos="40000">
+              <a:schemeClr val="phClr">
+                <a:tint val="45000"/>
+                <a:shade val="99000"/>
+                <a:satMod val="350000"/>
+              </a:schemeClr>
+            </a:gs>
+            <a:gs pos="100000">
+              <a:schemeClr val="phClr">
+                <a:shade val="20000"/>
+                <a:satMod val="255000"/>
+              </a:schemeClr>
+            </a:gs>
+          </a:gsLst>
+          <a:path path="circle">
+            <a:fillToRect l="50000" t="-80000" r="50000" b="180000"/>
+          </a:path>
+        </a:gradFill>
+        <a:gradFill rotWithShape="1">
+          <a:gsLst>
+            <a:gs pos="0">
+              <a:schemeClr val="phClr">
+                <a:tint val="80000"/>
+                <a:satMod val="300000"/>
+              </a:schemeClr>
+            </a:gs>
+            <a:gs pos="100000">
+              <a:schemeClr val="phClr">
+                <a:shade val="30000"/>
+                <a:satMod val="200000"/>
+              </a:schemeClr>
+            </a:gs>
+          </a:gsLst>
+          <a:path path="circle">
+            <a:fillToRect l="50000" t="50000" r="50000" b="50000"/>
+          </a:path>
+        </a:gradFill>
+      </a:bgFillStyleLst>
+    </a:fmtScheme>
+  </a:themeElements>
+  <a:objectDefaults/>
+  <a:extraClrSchemeLst/>
+</a:theme>
 </file>